--- a/Cyber Risk from Theory to Practice LSZ2025.pptx
+++ b/Cyber Risk from Theory to Practice LSZ2025.pptx
@@ -20,7 +20,7 @@
     <p:sldId id="283" r:id="rId11"/>
     <p:sldId id="284" r:id="rId12"/>
     <p:sldId id="285" r:id="rId13"/>
-    <p:sldId id="287" r:id="rId14"/>
+    <p:sldId id="288" r:id="rId14"/>
     <p:sldId id="277" r:id="rId15"/>
   </p:sldIdLst>
   <p:sldSz cx="12192000" cy="6858000"/>
@@ -131,13 +131,113 @@
 <file path=ppt/revisionInfo.xml><?xml version="1.0" encoding="utf-8"?>
 <p1510:revInfo xmlns:a="http://schemas.openxmlformats.org/drawingml/2006/main" xmlns:r="http://schemas.openxmlformats.org/officeDocument/2006/relationships" xmlns:p1510="http://schemas.microsoft.com/office/powerpoint/2015/10/main">
   <p1510:revLst>
-    <p1510:client id="{A3546EFF-1485-40D7-A449-18573E6F141D}" v="37" dt="2025-06-04T14:27:24.961"/>
+    <p1510:client id="{A73945AE-DCFA-4FD1-A90A-23CC5D84B6E8}" v="2" dt="2025-06-16T11:06:52.476"/>
   </p1510:revLst>
 </p1510:revInfo>
 </file>
 
 <file path=ppt/changesInfos/changesInfo1.xml><?xml version="1.0" encoding="utf-8"?>
 <pc:chgInfo xmlns:a="http://schemas.openxmlformats.org/drawingml/2006/main" xmlns:r="http://schemas.openxmlformats.org/officeDocument/2006/relationships" xmlns:ac="http://schemas.microsoft.com/office/drawing/2013/main/command" xmlns:pc="http://schemas.microsoft.com/office/powerpoint/2013/main/command">
+  <pc:docChgLst>
+    <pc:chgData name="Georgios Miskakis" userId="44b2163f-3f3f-427f-9606-72ab2f8439a5" providerId="ADAL" clId="{A73945AE-DCFA-4FD1-A90A-23CC5D84B6E8}"/>
+    <pc:docChg chg="undo custSel addSld delSld modSld">
+      <pc:chgData name="Georgios Miskakis" userId="44b2163f-3f3f-427f-9606-72ab2f8439a5" providerId="ADAL" clId="{A73945AE-DCFA-4FD1-A90A-23CC5D84B6E8}" dt="2025-06-16T11:08:49.919" v="93" actId="2696"/>
+      <pc:docMkLst>
+        <pc:docMk/>
+      </pc:docMkLst>
+      <pc:sldChg chg="modSp mod modTransition">
+        <pc:chgData name="Georgios Miskakis" userId="44b2163f-3f3f-427f-9606-72ab2f8439a5" providerId="ADAL" clId="{A73945AE-DCFA-4FD1-A90A-23CC5D84B6E8}" dt="2025-06-16T11:07:24.941" v="2" actId="20577"/>
+        <pc:sldMkLst>
+          <pc:docMk/>
+          <pc:sldMk cId="1127555306" sldId="283"/>
+        </pc:sldMkLst>
+        <pc:spChg chg="mod">
+          <ac:chgData name="Georgios Miskakis" userId="44b2163f-3f3f-427f-9606-72ab2f8439a5" providerId="ADAL" clId="{A73945AE-DCFA-4FD1-A90A-23CC5D84B6E8}" dt="2025-06-16T11:07:24.941" v="2" actId="20577"/>
+          <ac:spMkLst>
+            <pc:docMk/>
+            <pc:sldMk cId="1127555306" sldId="283"/>
+            <ac:spMk id="3" creationId="{A45DA132-E54F-824C-D739-603C10CA87DC}"/>
+          </ac:spMkLst>
+        </pc:spChg>
+      </pc:sldChg>
+      <pc:sldChg chg="modSp mod modTransition">
+        <pc:chgData name="Georgios Miskakis" userId="44b2163f-3f3f-427f-9606-72ab2f8439a5" providerId="ADAL" clId="{A73945AE-DCFA-4FD1-A90A-23CC5D84B6E8}" dt="2025-06-16T11:07:29.368" v="3" actId="20577"/>
+        <pc:sldMkLst>
+          <pc:docMk/>
+          <pc:sldMk cId="2794914155" sldId="284"/>
+        </pc:sldMkLst>
+        <pc:spChg chg="mod">
+          <ac:chgData name="Georgios Miskakis" userId="44b2163f-3f3f-427f-9606-72ab2f8439a5" providerId="ADAL" clId="{A73945AE-DCFA-4FD1-A90A-23CC5D84B6E8}" dt="2025-06-16T11:07:29.368" v="3" actId="20577"/>
+          <ac:spMkLst>
+            <pc:docMk/>
+            <pc:sldMk cId="2794914155" sldId="284"/>
+            <ac:spMk id="3" creationId="{E7443E5E-35E0-9665-1228-58BB93E13FA6}"/>
+          </ac:spMkLst>
+        </pc:spChg>
+      </pc:sldChg>
+      <pc:sldChg chg="modSp mod modTransition">
+        <pc:chgData name="Georgios Miskakis" userId="44b2163f-3f3f-427f-9606-72ab2f8439a5" providerId="ADAL" clId="{A73945AE-DCFA-4FD1-A90A-23CC5D84B6E8}" dt="2025-06-16T11:07:36.211" v="24" actId="20577"/>
+        <pc:sldMkLst>
+          <pc:docMk/>
+          <pc:sldMk cId="4220524950" sldId="285"/>
+        </pc:sldMkLst>
+        <pc:spChg chg="mod">
+          <ac:chgData name="Georgios Miskakis" userId="44b2163f-3f3f-427f-9606-72ab2f8439a5" providerId="ADAL" clId="{A73945AE-DCFA-4FD1-A90A-23CC5D84B6E8}" dt="2025-06-16T11:07:36.211" v="24" actId="20577"/>
+          <ac:spMkLst>
+            <pc:docMk/>
+            <pc:sldMk cId="4220524950" sldId="285"/>
+            <ac:spMk id="3" creationId="{90E42175-A157-52E2-B0DA-4D52D3D7142E}"/>
+          </ac:spMkLst>
+        </pc:spChg>
+      </pc:sldChg>
+      <pc:sldChg chg="modSp del mod modTransition">
+        <pc:chgData name="Georgios Miskakis" userId="44b2163f-3f3f-427f-9606-72ab2f8439a5" providerId="ADAL" clId="{A73945AE-DCFA-4FD1-A90A-23CC5D84B6E8}" dt="2025-06-16T11:08:49.919" v="93" actId="2696"/>
+        <pc:sldMkLst>
+          <pc:docMk/>
+          <pc:sldMk cId="2137919294" sldId="287"/>
+        </pc:sldMkLst>
+        <pc:spChg chg="mod">
+          <ac:chgData name="Georgios Miskakis" userId="44b2163f-3f3f-427f-9606-72ab2f8439a5" providerId="ADAL" clId="{A73945AE-DCFA-4FD1-A90A-23CC5D84B6E8}" dt="2025-06-16T11:08:05.027" v="58" actId="20577"/>
+          <ac:spMkLst>
+            <pc:docMk/>
+            <pc:sldMk cId="2137919294" sldId="287"/>
+            <ac:spMk id="3" creationId="{6114410A-AB67-2F31-BF9C-596AF43B4D93}"/>
+          </ac:spMkLst>
+        </pc:spChg>
+      </pc:sldChg>
+      <pc:sldChg chg="modSp add mod">
+        <pc:chgData name="Georgios Miskakis" userId="44b2163f-3f3f-427f-9606-72ab2f8439a5" providerId="ADAL" clId="{A73945AE-DCFA-4FD1-A90A-23CC5D84B6E8}" dt="2025-06-16T11:08:43.805" v="92" actId="313"/>
+        <pc:sldMkLst>
+          <pc:docMk/>
+          <pc:sldMk cId="1171485411" sldId="288"/>
+        </pc:sldMkLst>
+        <pc:spChg chg="mod">
+          <ac:chgData name="Georgios Miskakis" userId="44b2163f-3f3f-427f-9606-72ab2f8439a5" providerId="ADAL" clId="{A73945AE-DCFA-4FD1-A90A-23CC5D84B6E8}" dt="2025-06-16T11:08:28.298" v="87" actId="207"/>
+          <ac:spMkLst>
+            <pc:docMk/>
+            <pc:sldMk cId="1171485411" sldId="288"/>
+            <ac:spMk id="3" creationId="{36FADA02-2BF0-3B74-8277-8C5B9954FF49}"/>
+          </ac:spMkLst>
+        </pc:spChg>
+        <pc:spChg chg="mod">
+          <ac:chgData name="Georgios Miskakis" userId="44b2163f-3f3f-427f-9606-72ab2f8439a5" providerId="ADAL" clId="{A73945AE-DCFA-4FD1-A90A-23CC5D84B6E8}" dt="2025-06-16T11:08:21.106" v="86" actId="1036"/>
+          <ac:spMkLst>
+            <pc:docMk/>
+            <pc:sldMk cId="1171485411" sldId="288"/>
+            <ac:spMk id="4" creationId="{5E053C81-68F1-1E5D-10A9-6F74FA9C310C}"/>
+          </ac:spMkLst>
+        </pc:spChg>
+        <pc:spChg chg="mod">
+          <ac:chgData name="Georgios Miskakis" userId="44b2163f-3f3f-427f-9606-72ab2f8439a5" providerId="ADAL" clId="{A73945AE-DCFA-4FD1-A90A-23CC5D84B6E8}" dt="2025-06-16T11:08:43.805" v="92" actId="313"/>
+          <ac:spMkLst>
+            <pc:docMk/>
+            <pc:sldMk cId="1171485411" sldId="288"/>
+            <ac:spMk id="7" creationId="{697C96FE-8AB1-8FFA-C732-53B065EBD976}"/>
+          </ac:spMkLst>
+        </pc:spChg>
+      </pc:sldChg>
+    </pc:docChg>
+  </pc:docChgLst>
   <pc:docChgLst>
     <pc:chgData name="Georgios Miskakis" userId="44b2163f-3f3f-427f-9606-72ab2f8439a5" providerId="ADAL" clId="{A3546EFF-1485-40D7-A449-18573E6F141D}"/>
     <pc:docChg chg="custSel addSld modSld">
@@ -181,38 +281,6 @@
           <pc:docMk/>
           <pc:sldMk cId="2089515258" sldId="282"/>
         </pc:sldMkLst>
-        <pc:spChg chg="del mod">
-          <ac:chgData name="Georgios Miskakis" userId="44b2163f-3f3f-427f-9606-72ab2f8439a5" providerId="ADAL" clId="{A3546EFF-1485-40D7-A449-18573E6F141D}" dt="2025-06-04T14:23:40.215" v="48" actId="478"/>
-          <ac:spMkLst>
-            <pc:docMk/>
-            <pc:sldMk cId="2089515258" sldId="282"/>
-            <ac:spMk id="2" creationId="{F1A237E0-B59C-2386-5C40-C72CDDE16E53}"/>
-          </ac:spMkLst>
-        </pc:spChg>
-        <pc:spChg chg="del">
-          <ac:chgData name="Georgios Miskakis" userId="44b2163f-3f3f-427f-9606-72ab2f8439a5" providerId="ADAL" clId="{A3546EFF-1485-40D7-A449-18573E6F141D}" dt="2025-06-04T14:23:19.556" v="38" actId="478"/>
-          <ac:spMkLst>
-            <pc:docMk/>
-            <pc:sldMk cId="2089515258" sldId="282"/>
-            <ac:spMk id="3" creationId="{CA949DF1-A7F4-7515-5C69-0CD6DADB7EE6}"/>
-          </ac:spMkLst>
-        </pc:spChg>
-        <pc:spChg chg="add del mod">
-          <ac:chgData name="Georgios Miskakis" userId="44b2163f-3f3f-427f-9606-72ab2f8439a5" providerId="ADAL" clId="{A3546EFF-1485-40D7-A449-18573E6F141D}" dt="2025-06-04T14:23:42.826" v="49" actId="478"/>
-          <ac:spMkLst>
-            <pc:docMk/>
-            <pc:sldMk cId="2089515258" sldId="282"/>
-            <ac:spMk id="6" creationId="{9EA57809-CA1E-D22B-DB84-44176471D198}"/>
-          </ac:spMkLst>
-        </pc:spChg>
-        <pc:graphicFrameChg chg="add mod modGraphic">
-          <ac:chgData name="Georgios Miskakis" userId="44b2163f-3f3f-427f-9606-72ab2f8439a5" providerId="ADAL" clId="{A3546EFF-1485-40D7-A449-18573E6F141D}" dt="2025-06-04T14:27:48.004" v="367" actId="1076"/>
-          <ac:graphicFrameMkLst>
-            <pc:docMk/>
-            <pc:sldMk cId="2089515258" sldId="282"/>
-            <ac:graphicFrameMk id="4" creationId="{BF1B50D0-B89E-79DA-46CB-9802DF686BB5}"/>
-          </ac:graphicFrameMkLst>
-        </pc:graphicFrameChg>
       </pc:sldChg>
     </pc:docChg>
   </pc:docChgLst>
@@ -25358,16 +25426,6 @@
             </a:pPr>
             <a:r>
               <a:rPr lang="en-US" sz="2400" b="1" dirty="0"/>
-              <a:t>Broad Applicability</a:t>
-            </a:r>
-          </a:p>
-          <a:p>
-            <a:pPr marL="457200" indent="-457200">
-              <a:buFont typeface="Segoe UI Symbol" panose="020B0502040204020203" pitchFamily="34" charset="0"/>
-              <a:buChar char=""/>
-            </a:pPr>
-            <a:r>
-              <a:rPr lang="en-US" sz="2400" b="1" dirty="0"/>
               <a:t>Tech Agnostic</a:t>
             </a:r>
           </a:p>
@@ -25643,16 +25701,6 @@
             <a:r>
               <a:rPr lang="en-US" sz="2400" b="1" dirty="0"/>
               <a:t>Complexity Is Hidden</a:t>
-            </a:r>
-          </a:p>
-          <a:p>
-            <a:pPr marL="457200" indent="-457200">
-              <a:buFont typeface="Segoe UI Symbol" panose="020B0502040204020203" pitchFamily="34" charset="0"/>
-              <a:buChar char=""/>
-            </a:pPr>
-            <a:r>
-              <a:rPr lang="en-US" sz="2400" b="1" dirty="0"/>
-              <a:t>Broad Applicability</a:t>
             </a:r>
           </a:p>
           <a:p>
@@ -25942,16 +25990,7 @@
               </a:rPr>
               <a:t>Complexity Is Hidden</a:t>
             </a:r>
-          </a:p>
-          <a:p>
-            <a:pPr marL="457200" indent="-457200">
-              <a:buFont typeface="Segoe UI Symbol" panose="020B0502040204020203" pitchFamily="34" charset="0"/>
-              <a:buChar char=""/>
-            </a:pPr>
-            <a:r>
-              <a:rPr lang="en-US" sz="2400" b="1" dirty="0"/>
-              <a:t>Broad Applicability</a:t>
-            </a:r>
+            <a:endParaRPr lang="en-US" sz="2400" b="1" dirty="0"/>
           </a:p>
           <a:p>
             <a:pPr marL="457200" indent="-457200">
@@ -26099,7 +26138,7 @@
         <p:cNvPr id="1" name="">
           <a:extLst>
             <a:ext uri="{FF2B5EF4-FFF2-40B4-BE49-F238E27FC236}">
-              <a16:creationId xmlns:a16="http://schemas.microsoft.com/office/drawing/2014/main" id="{BC7471BA-61B8-76BA-5A54-8B0E8D9BFDF3}"/>
+              <a16:creationId xmlns:a16="http://schemas.microsoft.com/office/drawing/2014/main" id="{82090289-A622-8624-9998-D60E8A660D50}"/>
             </a:ext>
           </a:extLst>
         </p:cNvPr>
@@ -26119,7 +26158,7 @@
           <p:cNvPr id="4" name="Rectangle: Rounded Corners 3">
             <a:extLst>
               <a:ext uri="{FF2B5EF4-FFF2-40B4-BE49-F238E27FC236}">
-                <a16:creationId xmlns:a16="http://schemas.microsoft.com/office/drawing/2014/main" id="{E5E8BEBE-4280-2F66-27F7-C6968E7B3D29}"/>
+                <a16:creationId xmlns:a16="http://schemas.microsoft.com/office/drawing/2014/main" id="{5E053C81-68F1-1E5D-10A9-6F74FA9C310C}"/>
               </a:ext>
             </a:extLst>
           </p:cNvPr>
@@ -26128,7 +26167,7 @@
         </p:nvSpPr>
         <p:spPr>
           <a:xfrm>
-            <a:off x="777635" y="4427533"/>
+            <a:off x="777635" y="3913991"/>
             <a:ext cx="4114876" cy="563326"/>
           </a:xfrm>
           <a:prstGeom prst="roundRect">
@@ -26173,7 +26212,7 @@
           <p:cNvPr id="2" name="Title 1">
             <a:extLst>
               <a:ext uri="{FF2B5EF4-FFF2-40B4-BE49-F238E27FC236}">
-                <a16:creationId xmlns:a16="http://schemas.microsoft.com/office/drawing/2014/main" id="{F569A755-DDF7-7713-3A4B-294E5374B4E9}"/>
+                <a16:creationId xmlns:a16="http://schemas.microsoft.com/office/drawing/2014/main" id="{8788AB90-1523-0E34-E04A-61735115D0BB}"/>
               </a:ext>
             </a:extLst>
           </p:cNvPr>
@@ -26201,7 +26240,7 @@
           <p:cNvPr id="3" name="Content Placeholder 2">
             <a:extLst>
               <a:ext uri="{FF2B5EF4-FFF2-40B4-BE49-F238E27FC236}">
-                <a16:creationId xmlns:a16="http://schemas.microsoft.com/office/drawing/2014/main" id="{6114410A-AB67-2F31-BF9C-596AF43B4D93}"/>
+                <a16:creationId xmlns:a16="http://schemas.microsoft.com/office/drawing/2014/main" id="{36FADA02-2BF0-3B74-8277-8C5B9954FF49}"/>
               </a:ext>
             </a:extLst>
           </p:cNvPr>
@@ -26257,7 +26296,11 @@
               <a:buChar char=""/>
             </a:pPr>
             <a:r>
-              <a:rPr lang="en-US" sz="2400" b="1" dirty="0"/>
+              <a:rPr lang="en-US" sz="2400" b="1" dirty="0">
+                <a:solidFill>
+                  <a:schemeClr val="tx1"/>
+                </a:solidFill>
+              </a:rPr>
               <a:t>Complexity Is Hidden</a:t>
             </a:r>
           </a:p>
@@ -26268,20 +26311,6 @@
             </a:pPr>
             <a:r>
               <a:rPr lang="en-US" sz="2400" b="1" dirty="0"/>
-              <a:t>Broad Applicability</a:t>
-            </a:r>
-          </a:p>
-          <a:p>
-            <a:pPr marL="457200" indent="-457200">
-              <a:buFont typeface="Segoe UI Symbol" panose="020B0502040204020203" pitchFamily="34" charset="0"/>
-              <a:buChar char=""/>
-            </a:pPr>
-            <a:r>
-              <a:rPr lang="en-US" sz="2400" b="1" dirty="0">
-                <a:solidFill>
-                  <a:schemeClr val="bg1"/>
-                </a:solidFill>
-              </a:rPr>
               <a:t>Tech Agnostic</a:t>
             </a:r>
           </a:p>
@@ -26298,7 +26327,7 @@
           <p:cNvPr id="6" name="Straight Connector 5">
             <a:extLst>
               <a:ext uri="{FF2B5EF4-FFF2-40B4-BE49-F238E27FC236}">
-                <a16:creationId xmlns:a16="http://schemas.microsoft.com/office/drawing/2014/main" id="{B2E32AE2-947D-8635-879C-81F67D541078}"/>
+                <a16:creationId xmlns:a16="http://schemas.microsoft.com/office/drawing/2014/main" id="{0FF398AC-9CE6-5900-5AE0-5F9B2A36FCF0}"/>
               </a:ext>
             </a:extLst>
           </p:cNvPr>
@@ -26334,7 +26363,7 @@
           <p:cNvPr id="7" name="TextBox 6">
             <a:extLst>
               <a:ext uri="{FF2B5EF4-FFF2-40B4-BE49-F238E27FC236}">
-                <a16:creationId xmlns:a16="http://schemas.microsoft.com/office/drawing/2014/main" id="{E19D7397-202D-7C44-E18D-0DC762243AE6}"/>
+                <a16:creationId xmlns:a16="http://schemas.microsoft.com/office/drawing/2014/main" id="{697C96FE-8AB1-8FFA-C732-53B065EBD976}"/>
               </a:ext>
             </a:extLst>
           </p:cNvPr>
@@ -26343,8 +26372,8 @@
         </p:nvSpPr>
         <p:spPr>
           <a:xfrm rot="16200000">
-            <a:off x="7937663" y="895030"/>
-            <a:ext cx="1015663" cy="5676216"/>
+            <a:off x="7799164" y="895030"/>
+            <a:ext cx="1292662" cy="5676216"/>
           </a:xfrm>
           <a:prstGeom prst="rect">
             <a:avLst/>
@@ -26359,16 +26388,11 @@
           <a:p>
             <a:r>
               <a:rPr lang="en-US" b="1" dirty="0"/>
-              <a:t>The framework can be applied from spreadsheets to web </a:t>
+              <a:t>The framework can be applied from spreadsheets to web UI’s and it is not tighten to a specific product or vendor</a:t>
             </a:r>
-            <a:r>
-              <a:rPr lang="en-US" b="1" dirty="0" err="1"/>
-              <a:t>Uis</a:t>
-            </a:r>
-            <a:r>
-              <a:rPr lang="en-US" b="1" dirty="0"/>
-              <a:t> and it is not tighten to a specific product or vendor</a:t>
-            </a:r>
+            <a:endParaRPr lang="en-US" sz="1800" b="1" dirty="0"/>
+          </a:p>
+          <a:p>
             <a:endParaRPr lang="en-US" sz="1800" b="1" dirty="0"/>
           </a:p>
         </p:txBody>
@@ -26376,7 +26400,7 @@
     </p:spTree>
     <p:extLst>
       <p:ext uri="{BB962C8B-B14F-4D97-AF65-F5344CB8AC3E}">
-        <p14:creationId xmlns:p14="http://schemas.microsoft.com/office/powerpoint/2010/main" val="2137919294"/>
+        <p14:creationId xmlns:p14="http://schemas.microsoft.com/office/powerpoint/2010/main" val="1171485411"/>
       </p:ext>
     </p:extLst>
   </p:cSld>

--- a/Cyber Risk from Theory to Practice LSZ2025.pptx
+++ b/Cyber Risk from Theory to Practice LSZ2025.pptx
@@ -131,7 +131,7 @@
 <file path=ppt/revisionInfo.xml><?xml version="1.0" encoding="utf-8"?>
 <p1510:revInfo xmlns:a="http://schemas.openxmlformats.org/drawingml/2006/main" xmlns:r="http://schemas.openxmlformats.org/officeDocument/2006/relationships" xmlns:p1510="http://schemas.microsoft.com/office/powerpoint/2015/10/main">
   <p1510:revLst>
-    <p1510:client id="{A73945AE-DCFA-4FD1-A90A-23CC5D84B6E8}" v="2" dt="2025-06-16T11:06:52.476"/>
+    <p1510:client id="{A73945AE-DCFA-4FD1-A90A-23CC5D84B6E8}" v="11" dt="2025-06-16T11:29:20.038"/>
   </p1510:revLst>
 </p1510:revInfo>
 </file>
@@ -141,10 +141,48 @@
   <pc:docChgLst>
     <pc:chgData name="Georgios Miskakis" userId="44b2163f-3f3f-427f-9606-72ab2f8439a5" providerId="ADAL" clId="{A73945AE-DCFA-4FD1-A90A-23CC5D84B6E8}"/>
     <pc:docChg chg="undo custSel addSld delSld modSld">
-      <pc:chgData name="Georgios Miskakis" userId="44b2163f-3f3f-427f-9606-72ab2f8439a5" providerId="ADAL" clId="{A73945AE-DCFA-4FD1-A90A-23CC5D84B6E8}" dt="2025-06-16T11:08:49.919" v="93" actId="2696"/>
+      <pc:chgData name="Georgios Miskakis" userId="44b2163f-3f3f-427f-9606-72ab2f8439a5" providerId="ADAL" clId="{A73945AE-DCFA-4FD1-A90A-23CC5D84B6E8}" dt="2025-06-16T11:29:20.038" v="106" actId="20577"/>
       <pc:docMkLst>
         <pc:docMk/>
       </pc:docMkLst>
+      <pc:sldChg chg="modSp">
+        <pc:chgData name="Georgios Miskakis" userId="44b2163f-3f3f-427f-9606-72ab2f8439a5" providerId="ADAL" clId="{A73945AE-DCFA-4FD1-A90A-23CC5D84B6E8}" dt="2025-06-16T11:29:20.038" v="106" actId="20577"/>
+        <pc:sldMkLst>
+          <pc:docMk/>
+          <pc:sldMk cId="813993434" sldId="256"/>
+        </pc:sldMkLst>
+        <pc:spChg chg="mod">
+          <ac:chgData name="Georgios Miskakis" userId="44b2163f-3f3f-427f-9606-72ab2f8439a5" providerId="ADAL" clId="{A73945AE-DCFA-4FD1-A90A-23CC5D84B6E8}" dt="2025-06-16T11:29:20.038" v="106" actId="20577"/>
+          <ac:spMkLst>
+            <pc:docMk/>
+            <pc:sldMk cId="813993434" sldId="256"/>
+            <ac:spMk id="2" creationId="{6D160558-8328-C559-15DB-14CA75D04DFF}"/>
+          </ac:spMkLst>
+        </pc:spChg>
+      </pc:sldChg>
+      <pc:sldChg chg="modSp mod">
+        <pc:chgData name="Georgios Miskakis" userId="44b2163f-3f3f-427f-9606-72ab2f8439a5" providerId="ADAL" clId="{A73945AE-DCFA-4FD1-A90A-23CC5D84B6E8}" dt="2025-06-16T11:10:33.648" v="97" actId="1076"/>
+        <pc:sldMkLst>
+          <pc:docMk/>
+          <pc:sldMk cId="3975878529" sldId="277"/>
+        </pc:sldMkLst>
+        <pc:spChg chg="mod">
+          <ac:chgData name="Georgios Miskakis" userId="44b2163f-3f3f-427f-9606-72ab2f8439a5" providerId="ADAL" clId="{A73945AE-DCFA-4FD1-A90A-23CC5D84B6E8}" dt="2025-06-16T11:10:27.972" v="95" actId="14100"/>
+          <ac:spMkLst>
+            <pc:docMk/>
+            <pc:sldMk cId="3975878529" sldId="277"/>
+            <ac:spMk id="3" creationId="{AA7A0C7D-9B55-E882-E57B-B3D2C3409006}"/>
+          </ac:spMkLst>
+        </pc:spChg>
+        <pc:picChg chg="mod">
+          <ac:chgData name="Georgios Miskakis" userId="44b2163f-3f3f-427f-9606-72ab2f8439a5" providerId="ADAL" clId="{A73945AE-DCFA-4FD1-A90A-23CC5D84B6E8}" dt="2025-06-16T11:10:33.648" v="97" actId="1076"/>
+          <ac:picMkLst>
+            <pc:docMk/>
+            <pc:sldMk cId="3975878529" sldId="277"/>
+            <ac:picMk id="7" creationId="{FBEAEFFD-9A64-EDB5-55D5-779E13B176C0}"/>
+          </ac:picMkLst>
+        </pc:picChg>
+      </pc:sldChg>
       <pc:sldChg chg="modSp mod modTransition">
         <pc:chgData name="Georgios Miskakis" userId="44b2163f-3f3f-427f-9606-72ab2f8439a5" providerId="ADAL" clId="{A73945AE-DCFA-4FD1-A90A-23CC5D84B6E8}" dt="2025-06-16T11:07:24.941" v="2" actId="20577"/>
         <pc:sldMkLst>
@@ -24847,30 +24885,30 @@
           <a:lstStyle/>
           <a:p>
             <a:r>
-              <a:rPr lang="de-DE" err="1"/>
-              <a:t>Cyber</a:t>
+              <a:rPr lang="de-DE"/>
+              <a:t>Unboxing Cyber</a:t>
             </a:r>
             <a:r>
-              <a:rPr lang="de-DE"/>
+              <a:rPr lang="de-DE" dirty="0"/>
               <a:t> Risk </a:t>
             </a:r>
             <a:r>
-              <a:rPr lang="de-DE" err="1"/>
+              <a:rPr lang="de-DE" dirty="0" err="1"/>
               <a:t>from</a:t>
             </a:r>
             <a:r>
-              <a:rPr lang="de-DE"/>
+              <a:rPr lang="de-DE" dirty="0"/>
               <a:t> Theory </a:t>
             </a:r>
             <a:r>
-              <a:rPr lang="de-DE" err="1"/>
+              <a:rPr lang="de-DE" dirty="0" err="1"/>
               <a:t>to</a:t>
             </a:r>
             <a:r>
-              <a:rPr lang="de-DE"/>
+              <a:rPr lang="de-DE" dirty="0"/>
               <a:t> Practice</a:t>
             </a:r>
-            <a:endParaRPr lang="en-GB"/>
+            <a:endParaRPr lang="en-GB" dirty="0"/>
           </a:p>
         </p:txBody>
       </p:sp>
@@ -28554,8 +28592,8 @@
         </p:nvSpPr>
         <p:spPr>
           <a:xfrm>
-            <a:off x="691079" y="2883005"/>
-            <a:ext cx="4398756" cy="3260398"/>
+            <a:off x="691078" y="2883005"/>
+            <a:ext cx="5728007" cy="3260398"/>
           </a:xfrm>
           <a:prstGeom prst="rect">
             <a:avLst/>
@@ -28600,7 +28638,7 @@
               <a:buChar char="§"/>
             </a:pPr>
             <a:r>
-              <a:rPr lang="en-US" sz="2100">
+              <a:rPr lang="en-US" sz="2100" dirty="0">
                 <a:latin typeface="+mn-lt"/>
                 <a:ea typeface="+mn-ea"/>
                 <a:cs typeface="+mn-cs"/>
@@ -28624,7 +28662,7 @@
               <a:buChar char="§"/>
             </a:pPr>
             <a:r>
-              <a:rPr lang="en-US" sz="2100">
+              <a:rPr lang="en-US" sz="2100" dirty="0">
                 <a:latin typeface="+mn-lt"/>
                 <a:ea typeface="+mn-ea"/>
                 <a:cs typeface="+mn-cs"/>
@@ -28632,7 +28670,7 @@
               </a:rPr>
               <a:t>https://www.linkedin.com/in/miskakis/</a:t>
             </a:r>
-            <a:endParaRPr lang="en-US" sz="2100">
+            <a:endParaRPr lang="en-US" sz="2100" dirty="0">
               <a:latin typeface="+mn-lt"/>
               <a:ea typeface="+mn-ea"/>
               <a:cs typeface="+mn-cs"/>
@@ -28654,7 +28692,7 @@
               <a:buChar char="§"/>
             </a:pPr>
             <a:r>
-              <a:rPr lang="en-US" sz="2100">
+              <a:rPr lang="en-US" sz="2100" dirty="0">
                 <a:latin typeface="+mn-lt"/>
                 <a:ea typeface="+mn-ea"/>
                 <a:cs typeface="+mn-cs"/>
@@ -28678,12 +28716,28 @@
               <a:buChar char="§"/>
             </a:pPr>
             <a:r>
-              <a:rPr lang="en-US" sz="2100">
+              <a:rPr lang="en-US" sz="2100" dirty="0">
                 <a:latin typeface="+mn-lt"/>
                 <a:ea typeface="+mn-ea"/>
                 <a:cs typeface="+mn-cs"/>
               </a:rPr>
-              <a:t>PECB ISO27K Auditor&amp;Implementer, </a:t>
+              <a:t>PECB ISO27K </a:t>
+            </a:r>
+            <a:r>
+              <a:rPr lang="en-US" sz="2100" dirty="0" err="1">
+                <a:latin typeface="+mn-lt"/>
+                <a:ea typeface="+mn-ea"/>
+                <a:cs typeface="+mn-cs"/>
+              </a:rPr>
+              <a:t>Auditor&amp;Implementer</a:t>
+            </a:r>
+            <a:r>
+              <a:rPr lang="en-US" sz="2100" dirty="0">
+                <a:latin typeface="+mn-lt"/>
+                <a:ea typeface="+mn-ea"/>
+                <a:cs typeface="+mn-cs"/>
+              </a:rPr>
+              <a:t>, </a:t>
             </a:r>
           </a:p>
           <a:p>
@@ -28702,7 +28756,7 @@
               <a:buChar char="§"/>
             </a:pPr>
             <a:r>
-              <a:rPr lang="en-US" sz="2100">
+              <a:rPr lang="en-US" sz="2100" dirty="0">
                 <a:latin typeface="+mn-lt"/>
                 <a:ea typeface="+mn-ea"/>
                 <a:cs typeface="+mn-cs"/>
@@ -28770,8 +28824,8 @@
         </p:blipFill>
         <p:spPr>
           <a:xfrm>
-            <a:off x="4981510" y="3111275"/>
-            <a:ext cx="839474" cy="842779"/>
+            <a:off x="5650154" y="3268730"/>
+            <a:ext cx="419737" cy="421390"/>
           </a:xfrm>
           <a:prstGeom prst="rect">
             <a:avLst/>

--- a/Cyber Risk from Theory to Practice LSZ2025.pptx
+++ b/Cyber Risk from Theory to Practice LSZ2025.pptx
@@ -5,23 +5,22 @@
     <p:sldMasterId id="2147483673" r:id="rId1"/>
   </p:sldMasterIdLst>
   <p:notesMasterIdLst>
-    <p:notesMasterId r:id="rId16"/>
+    <p:notesMasterId r:id="rId15"/>
   </p:notesMasterIdLst>
   <p:sldIdLst>
     <p:sldId id="256" r:id="rId2"/>
-    <p:sldId id="258" r:id="rId3"/>
-    <p:sldId id="261" r:id="rId4"/>
-    <p:sldId id="262" r:id="rId5"/>
-    <p:sldId id="263" r:id="rId6"/>
-    <p:sldId id="280" r:id="rId7"/>
-    <p:sldId id="281" r:id="rId8"/>
-    <p:sldId id="279" r:id="rId9"/>
-    <p:sldId id="276" r:id="rId10"/>
-    <p:sldId id="283" r:id="rId11"/>
-    <p:sldId id="284" r:id="rId12"/>
-    <p:sldId id="285" r:id="rId13"/>
-    <p:sldId id="288" r:id="rId14"/>
-    <p:sldId id="277" r:id="rId15"/>
+    <p:sldId id="261" r:id="rId3"/>
+    <p:sldId id="262" r:id="rId4"/>
+    <p:sldId id="263" r:id="rId5"/>
+    <p:sldId id="280" r:id="rId6"/>
+    <p:sldId id="281" r:id="rId7"/>
+    <p:sldId id="279" r:id="rId8"/>
+    <p:sldId id="276" r:id="rId9"/>
+    <p:sldId id="283" r:id="rId10"/>
+    <p:sldId id="284" r:id="rId11"/>
+    <p:sldId id="285" r:id="rId12"/>
+    <p:sldId id="288" r:id="rId13"/>
+    <p:sldId id="277" r:id="rId14"/>
   </p:sldIdLst>
   <p:sldSz cx="12192000" cy="6858000"/>
   <p:notesSz cx="6858000" cy="9144000"/>
@@ -131,6 +130,7 @@
 <file path=ppt/revisionInfo.xml><?xml version="1.0" encoding="utf-8"?>
 <p1510:revInfo xmlns:a="http://schemas.openxmlformats.org/drawingml/2006/main" xmlns:r="http://schemas.openxmlformats.org/officeDocument/2006/relationships" xmlns:p1510="http://schemas.microsoft.com/office/powerpoint/2015/10/main">
   <p1510:revLst>
+    <p1510:client id="{7827F99D-84E5-4E97-A708-2A297FB4E1D1}" v="5" dt="2025-06-16T12:56:31.783"/>
     <p1510:client id="{A73945AE-DCFA-4FD1-A90A-23CC5D84B6E8}" v="11" dt="2025-06-16T11:29:20.038"/>
   </p1510:revLst>
 </p1510:revInfo>
@@ -319,6 +319,440 @@
           <pc:docMk/>
           <pc:sldMk cId="2089515258" sldId="282"/>
         </pc:sldMkLst>
+      </pc:sldChg>
+    </pc:docChg>
+  </pc:docChgLst>
+  <pc:docChgLst>
+    <pc:chgData name="Georgios Miskakis" userId="44b2163f-3f3f-427f-9606-72ab2f8439a5" providerId="ADAL" clId="{7827F99D-84E5-4E97-A708-2A297FB4E1D1}"/>
+    <pc:docChg chg="undo custSel addSld delSld modSld">
+      <pc:chgData name="Georgios Miskakis" userId="44b2163f-3f3f-427f-9606-72ab2f8439a5" providerId="ADAL" clId="{7827F99D-84E5-4E97-A708-2A297FB4E1D1}" dt="2025-06-16T12:58:00.354" v="94" actId="27636"/>
+      <pc:docMkLst>
+        <pc:docMk/>
+      </pc:docMkLst>
+      <pc:sldChg chg="addSp modSp mod">
+        <pc:chgData name="Georgios Miskakis" userId="44b2163f-3f3f-427f-9606-72ab2f8439a5" providerId="ADAL" clId="{7827F99D-84E5-4E97-A708-2A297FB4E1D1}" dt="2025-06-16T12:51:07.212" v="6" actId="1076"/>
+        <pc:sldMkLst>
+          <pc:docMk/>
+          <pc:sldMk cId="813993434" sldId="256"/>
+        </pc:sldMkLst>
+        <pc:spChg chg="mod">
+          <ac:chgData name="Georgios Miskakis" userId="44b2163f-3f3f-427f-9606-72ab2f8439a5" providerId="ADAL" clId="{7827F99D-84E5-4E97-A708-2A297FB4E1D1}" dt="2025-06-16T12:50:54.678" v="3" actId="1076"/>
+          <ac:spMkLst>
+            <pc:docMk/>
+            <pc:sldMk cId="813993434" sldId="256"/>
+            <ac:spMk id="2" creationId="{6D160558-8328-C559-15DB-14CA75D04DFF}"/>
+          </ac:spMkLst>
+        </pc:spChg>
+        <pc:spChg chg="add mod">
+          <ac:chgData name="Georgios Miskakis" userId="44b2163f-3f3f-427f-9606-72ab2f8439a5" providerId="ADAL" clId="{7827F99D-84E5-4E97-A708-2A297FB4E1D1}" dt="2025-06-16T12:51:07.212" v="6" actId="1076"/>
+          <ac:spMkLst>
+            <pc:docMk/>
+            <pc:sldMk cId="813993434" sldId="256"/>
+            <ac:spMk id="3" creationId="{2AA9D672-C1AE-B75A-E269-C9FD5A0AB8F1}"/>
+          </ac:spMkLst>
+        </pc:spChg>
+      </pc:sldChg>
+      <pc:sldChg chg="del">
+        <pc:chgData name="Georgios Miskakis" userId="44b2163f-3f3f-427f-9606-72ab2f8439a5" providerId="ADAL" clId="{7827F99D-84E5-4E97-A708-2A297FB4E1D1}" dt="2025-06-16T12:51:10.590" v="7" actId="2696"/>
+        <pc:sldMkLst>
+          <pc:docMk/>
+          <pc:sldMk cId="850788337" sldId="258"/>
+        </pc:sldMkLst>
+      </pc:sldChg>
+      <pc:sldChg chg="delSp modSp mod">
+        <pc:chgData name="Georgios Miskakis" userId="44b2163f-3f3f-427f-9606-72ab2f8439a5" providerId="ADAL" clId="{7827F99D-84E5-4E97-A708-2A297FB4E1D1}" dt="2025-06-16T12:55:02.647" v="70" actId="20577"/>
+        <pc:sldMkLst>
+          <pc:docMk/>
+          <pc:sldMk cId="2985658133" sldId="262"/>
+        </pc:sldMkLst>
+        <pc:spChg chg="mod">
+          <ac:chgData name="Georgios Miskakis" userId="44b2163f-3f3f-427f-9606-72ab2f8439a5" providerId="ADAL" clId="{7827F99D-84E5-4E97-A708-2A297FB4E1D1}" dt="2025-06-16T12:55:02.647" v="70" actId="20577"/>
+          <ac:spMkLst>
+            <pc:docMk/>
+            <pc:sldMk cId="2985658133" sldId="262"/>
+            <ac:spMk id="4" creationId="{DC926414-3E1F-73E0-675F-85C03061E471}"/>
+          </ac:spMkLst>
+        </pc:spChg>
+        <pc:picChg chg="del">
+          <ac:chgData name="Georgios Miskakis" userId="44b2163f-3f3f-427f-9606-72ab2f8439a5" providerId="ADAL" clId="{7827F99D-84E5-4E97-A708-2A297FB4E1D1}" dt="2025-06-16T12:54:25.098" v="21" actId="478"/>
+          <ac:picMkLst>
+            <pc:docMk/>
+            <pc:sldMk cId="2985658133" sldId="262"/>
+            <ac:picMk id="5" creationId="{E43E56E6-9DF0-5449-E46B-172AEA0B3DEA}"/>
+          </ac:picMkLst>
+        </pc:picChg>
+        <pc:picChg chg="mod">
+          <ac:chgData name="Georgios Miskakis" userId="44b2163f-3f3f-427f-9606-72ab2f8439a5" providerId="ADAL" clId="{7827F99D-84E5-4E97-A708-2A297FB4E1D1}" dt="2025-06-16T12:54:34.588" v="34" actId="1036"/>
+          <ac:picMkLst>
+            <pc:docMk/>
+            <pc:sldMk cId="2985658133" sldId="262"/>
+            <ac:picMk id="6" creationId="{0852F073-6B45-F0F1-6738-62940DD9C552}"/>
+          </ac:picMkLst>
+        </pc:picChg>
+      </pc:sldChg>
+      <pc:sldChg chg="addSp delSp modSp mod">
+        <pc:chgData name="Georgios Miskakis" userId="44b2163f-3f3f-427f-9606-72ab2f8439a5" providerId="ADAL" clId="{7827F99D-84E5-4E97-A708-2A297FB4E1D1}" dt="2025-06-16T12:57:39.275" v="89" actId="14100"/>
+        <pc:sldMkLst>
+          <pc:docMk/>
+          <pc:sldMk cId="564532028" sldId="263"/>
+        </pc:sldMkLst>
+        <pc:spChg chg="mod">
+          <ac:chgData name="Georgios Miskakis" userId="44b2163f-3f3f-427f-9606-72ab2f8439a5" providerId="ADAL" clId="{7827F99D-84E5-4E97-A708-2A297FB4E1D1}" dt="2025-06-16T12:56:23.138" v="75" actId="1076"/>
+          <ac:spMkLst>
+            <pc:docMk/>
+            <pc:sldMk cId="564532028" sldId="263"/>
+            <ac:spMk id="2" creationId="{044B6532-5A4F-4BF5-B244-72854D2C5A3B}"/>
+          </ac:spMkLst>
+        </pc:spChg>
+        <pc:spChg chg="add del">
+          <ac:chgData name="Georgios Miskakis" userId="44b2163f-3f3f-427f-9606-72ab2f8439a5" providerId="ADAL" clId="{7827F99D-84E5-4E97-A708-2A297FB4E1D1}" dt="2025-06-16T12:56:12.506" v="74" actId="26606"/>
+          <ac:spMkLst>
+            <pc:docMk/>
+            <pc:sldMk cId="564532028" sldId="263"/>
+            <ac:spMk id="42" creationId="{2437C4A8-8E3A-4ADA-93B9-64737CE1ABB1}"/>
+          </ac:spMkLst>
+        </pc:spChg>
+        <pc:spChg chg="add del">
+          <ac:chgData name="Georgios Miskakis" userId="44b2163f-3f3f-427f-9606-72ab2f8439a5" providerId="ADAL" clId="{7827F99D-84E5-4E97-A708-2A297FB4E1D1}" dt="2025-06-16T12:56:12.506" v="74" actId="26606"/>
+          <ac:spMkLst>
+            <pc:docMk/>
+            <pc:sldMk cId="564532028" sldId="263"/>
+            <ac:spMk id="44" creationId="{4E1EF4E8-5513-4BF5-BC41-04645281C672}"/>
+          </ac:spMkLst>
+        </pc:spChg>
+        <pc:spChg chg="add del">
+          <ac:chgData name="Georgios Miskakis" userId="44b2163f-3f3f-427f-9606-72ab2f8439a5" providerId="ADAL" clId="{7827F99D-84E5-4E97-A708-2A297FB4E1D1}" dt="2025-06-16T12:56:12.506" v="74" actId="26606"/>
+          <ac:spMkLst>
+            <pc:docMk/>
+            <pc:sldMk cId="564532028" sldId="263"/>
+            <ac:spMk id="79" creationId="{1C8FF592-DEC3-42D7-B2CD-5797E102B51F}"/>
+          </ac:spMkLst>
+        </pc:spChg>
+        <pc:spChg chg="add del">
+          <ac:chgData name="Georgios Miskakis" userId="44b2163f-3f3f-427f-9606-72ab2f8439a5" providerId="ADAL" clId="{7827F99D-84E5-4E97-A708-2A297FB4E1D1}" dt="2025-06-16T12:56:12.506" v="74" actId="26606"/>
+          <ac:spMkLst>
+            <pc:docMk/>
+            <pc:sldMk cId="564532028" sldId="263"/>
+            <ac:spMk id="117" creationId="{2437C4A8-8E3A-4ADA-93B9-64737CE1ABB1}"/>
+          </ac:spMkLst>
+        </pc:spChg>
+        <pc:spChg chg="add del">
+          <ac:chgData name="Georgios Miskakis" userId="44b2163f-3f3f-427f-9606-72ab2f8439a5" providerId="ADAL" clId="{7827F99D-84E5-4E97-A708-2A297FB4E1D1}" dt="2025-06-16T12:56:12.506" v="74" actId="26606"/>
+          <ac:spMkLst>
+            <pc:docMk/>
+            <pc:sldMk cId="564532028" sldId="263"/>
+            <ac:spMk id="119" creationId="{13B6DAC6-0186-4D62-AD69-90B9C0411EA3}"/>
+          </ac:spMkLst>
+        </pc:spChg>
+        <pc:spChg chg="add del">
+          <ac:chgData name="Georgios Miskakis" userId="44b2163f-3f3f-427f-9606-72ab2f8439a5" providerId="ADAL" clId="{7827F99D-84E5-4E97-A708-2A297FB4E1D1}" dt="2025-06-16T12:56:12.506" v="74" actId="26606"/>
+          <ac:spMkLst>
+            <pc:docMk/>
+            <pc:sldMk cId="564532028" sldId="263"/>
+            <ac:spMk id="154" creationId="{429C64BC-8915-422E-9361-EE04C48FFD40}"/>
+          </ac:spMkLst>
+        </pc:spChg>
+        <pc:grpChg chg="add del">
+          <ac:chgData name="Georgios Miskakis" userId="44b2163f-3f3f-427f-9606-72ab2f8439a5" providerId="ADAL" clId="{7827F99D-84E5-4E97-A708-2A297FB4E1D1}" dt="2025-06-16T12:56:12.506" v="74" actId="26606"/>
+          <ac:grpSpMkLst>
+            <pc:docMk/>
+            <pc:sldMk cId="564532028" sldId="263"/>
+            <ac:grpSpMk id="9" creationId="{748618E9-EE2D-4864-9EEE-58939BD4FBBA}"/>
+          </ac:grpSpMkLst>
+        </pc:grpChg>
+        <pc:grpChg chg="add del">
+          <ac:chgData name="Georgios Miskakis" userId="44b2163f-3f3f-427f-9606-72ab2f8439a5" providerId="ADAL" clId="{7827F99D-84E5-4E97-A708-2A297FB4E1D1}" dt="2025-06-16T12:56:12.506" v="74" actId="26606"/>
+          <ac:grpSpMkLst>
+            <pc:docMk/>
+            <pc:sldMk cId="564532028" sldId="263"/>
+            <ac:grpSpMk id="121" creationId="{A0297160-077C-4B0C-9F1E-6519CEDB84C4}"/>
+          </ac:grpSpMkLst>
+        </pc:grpChg>
+        <pc:picChg chg="add del mod ord">
+          <ac:chgData name="Georgios Miskakis" userId="44b2163f-3f3f-427f-9606-72ab2f8439a5" providerId="ADAL" clId="{7827F99D-84E5-4E97-A708-2A297FB4E1D1}" dt="2025-06-16T12:57:39.275" v="89" actId="14100"/>
+          <ac:picMkLst>
+            <pc:docMk/>
+            <pc:sldMk cId="564532028" sldId="263"/>
+            <ac:picMk id="5" creationId="{634E01FB-BAF7-12BF-B6BD-5BA75D6A6F74}"/>
+          </ac:picMkLst>
+        </pc:picChg>
+      </pc:sldChg>
+      <pc:sldChg chg="addSp delSp modSp mod">
+        <pc:chgData name="Georgios Miskakis" userId="44b2163f-3f3f-427f-9606-72ab2f8439a5" providerId="ADAL" clId="{7827F99D-84E5-4E97-A708-2A297FB4E1D1}" dt="2025-06-16T12:58:00.354" v="94" actId="27636"/>
+        <pc:sldMkLst>
+          <pc:docMk/>
+          <pc:sldMk cId="2219809388" sldId="279"/>
+        </pc:sldMkLst>
+        <pc:spChg chg="mod">
+          <ac:chgData name="Georgios Miskakis" userId="44b2163f-3f3f-427f-9606-72ab2f8439a5" providerId="ADAL" clId="{7827F99D-84E5-4E97-A708-2A297FB4E1D1}" dt="2025-06-16T12:58:00.354" v="94" actId="27636"/>
+          <ac:spMkLst>
+            <pc:docMk/>
+            <pc:sldMk cId="2219809388" sldId="279"/>
+            <ac:spMk id="2" creationId="{D935AA5F-1B13-654A-A15B-963FAA15DBC8}"/>
+          </ac:spMkLst>
+        </pc:spChg>
+        <pc:spChg chg="del">
+          <ac:chgData name="Georgios Miskakis" userId="44b2163f-3f3f-427f-9606-72ab2f8439a5" providerId="ADAL" clId="{7827F99D-84E5-4E97-A708-2A297FB4E1D1}" dt="2025-06-16T12:52:05.334" v="8" actId="26606"/>
+          <ac:spMkLst>
+            <pc:docMk/>
+            <pc:sldMk cId="2219809388" sldId="279"/>
+            <ac:spMk id="126" creationId="{1C582B07-D0F0-4B6B-A5D9-D2F192CB3A4E}"/>
+          </ac:spMkLst>
+        </pc:spChg>
+        <pc:spChg chg="del">
+          <ac:chgData name="Georgios Miskakis" userId="44b2163f-3f3f-427f-9606-72ab2f8439a5" providerId="ADAL" clId="{7827F99D-84E5-4E97-A708-2A297FB4E1D1}" dt="2025-06-16T12:52:05.334" v="8" actId="26606"/>
+          <ac:spMkLst>
+            <pc:docMk/>
+            <pc:sldMk cId="2219809388" sldId="279"/>
+            <ac:spMk id="161" creationId="{5FB205E9-694A-469E-97E7-7339DE0BC2DC}"/>
+          </ac:spMkLst>
+        </pc:spChg>
+        <pc:spChg chg="add">
+          <ac:chgData name="Georgios Miskakis" userId="44b2163f-3f3f-427f-9606-72ab2f8439a5" providerId="ADAL" clId="{7827F99D-84E5-4E97-A708-2A297FB4E1D1}" dt="2025-06-16T12:52:05.334" v="8" actId="26606"/>
+          <ac:spMkLst>
+            <pc:docMk/>
+            <pc:sldMk cId="2219809388" sldId="279"/>
+            <ac:spMk id="166" creationId="{1C582B07-D0F0-4B6B-A5D9-D2F192CB3A4E}"/>
+          </ac:spMkLst>
+        </pc:spChg>
+        <pc:spChg chg="add">
+          <ac:chgData name="Georgios Miskakis" userId="44b2163f-3f3f-427f-9606-72ab2f8439a5" providerId="ADAL" clId="{7827F99D-84E5-4E97-A708-2A297FB4E1D1}" dt="2025-06-16T12:52:05.334" v="8" actId="26606"/>
+          <ac:spMkLst>
+            <pc:docMk/>
+            <pc:sldMk cId="2219809388" sldId="279"/>
+            <ac:spMk id="168" creationId="{CFDF70F4-97B6-40D8-B1FA-9580DBD23934}"/>
+          </ac:spMkLst>
+        </pc:spChg>
+        <pc:spChg chg="add">
+          <ac:chgData name="Georgios Miskakis" userId="44b2163f-3f3f-427f-9606-72ab2f8439a5" providerId="ADAL" clId="{7827F99D-84E5-4E97-A708-2A297FB4E1D1}" dt="2025-06-16T12:52:05.334" v="8" actId="26606"/>
+          <ac:spMkLst>
+            <pc:docMk/>
+            <pc:sldMk cId="2219809388" sldId="279"/>
+            <ac:spMk id="203" creationId="{9E92C66B-792F-479F-B983-F47FEE1AB562}"/>
+          </ac:spMkLst>
+        </pc:spChg>
+        <pc:grpChg chg="del">
+          <ac:chgData name="Georgios Miskakis" userId="44b2163f-3f3f-427f-9606-72ab2f8439a5" providerId="ADAL" clId="{7827F99D-84E5-4E97-A708-2A297FB4E1D1}" dt="2025-06-16T12:52:05.334" v="8" actId="26606"/>
+          <ac:grpSpMkLst>
+            <pc:docMk/>
+            <pc:sldMk cId="2219809388" sldId="279"/>
+            <ac:grpSpMk id="128" creationId="{614A5768-EA51-48A2-8E17-AE20B9FE0242}"/>
+          </ac:grpSpMkLst>
+        </pc:grpChg>
+        <pc:grpChg chg="add">
+          <ac:chgData name="Georgios Miskakis" userId="44b2163f-3f3f-427f-9606-72ab2f8439a5" providerId="ADAL" clId="{7827F99D-84E5-4E97-A708-2A297FB4E1D1}" dt="2025-06-16T12:52:05.334" v="8" actId="26606"/>
+          <ac:grpSpMkLst>
+            <pc:docMk/>
+            <pc:sldMk cId="2219809388" sldId="279"/>
+            <ac:grpSpMk id="170" creationId="{807F70BA-21EF-4B7D-ACFF-D02E136D44B5}"/>
+          </ac:grpSpMkLst>
+        </pc:grpChg>
+        <pc:picChg chg="mod">
+          <ac:chgData name="Georgios Miskakis" userId="44b2163f-3f3f-427f-9606-72ab2f8439a5" providerId="ADAL" clId="{7827F99D-84E5-4E97-A708-2A297FB4E1D1}" dt="2025-06-16T12:52:05.334" v="8" actId="26606"/>
+          <ac:picMkLst>
+            <pc:docMk/>
+            <pc:sldMk cId="2219809388" sldId="279"/>
+            <ac:picMk id="123" creationId="{DDCD1C87-A38A-6F64-6297-6437F0E66BEB}"/>
+          </ac:picMkLst>
+        </pc:picChg>
+      </pc:sldChg>
+      <pc:sldChg chg="addSp delSp modSp add del mod setBg delDesignElem">
+        <pc:chgData name="Georgios Miskakis" userId="44b2163f-3f3f-427f-9606-72ab2f8439a5" providerId="ADAL" clId="{7827F99D-84E5-4E97-A708-2A297FB4E1D1}" dt="2025-06-16T12:54:09.566" v="20" actId="2696"/>
+        <pc:sldMkLst>
+          <pc:docMk/>
+          <pc:sldMk cId="759628688" sldId="289"/>
+        </pc:sldMkLst>
+        <pc:spChg chg="mod">
+          <ac:chgData name="Georgios Miskakis" userId="44b2163f-3f3f-427f-9606-72ab2f8439a5" providerId="ADAL" clId="{7827F99D-84E5-4E97-A708-2A297FB4E1D1}" dt="2025-06-16T12:53:17.397" v="13" actId="6549"/>
+          <ac:spMkLst>
+            <pc:docMk/>
+            <pc:sldMk cId="759628688" sldId="289"/>
+            <ac:spMk id="2" creationId="{44B856D4-96E2-660C-5159-EBC7BCF67E5E}"/>
+          </ac:spMkLst>
+        </pc:spChg>
+        <pc:spChg chg="add del mod">
+          <ac:chgData name="Georgios Miskakis" userId="44b2163f-3f3f-427f-9606-72ab2f8439a5" providerId="ADAL" clId="{7827F99D-84E5-4E97-A708-2A297FB4E1D1}" dt="2025-06-16T12:53:43.166" v="16" actId="478"/>
+          <ac:spMkLst>
+            <pc:docMk/>
+            <pc:sldMk cId="759628688" sldId="289"/>
+            <ac:spMk id="3" creationId="{FD3A3725-FF7C-FFFB-07D6-BEFAD1C9E12E}"/>
+          </ac:spMkLst>
+        </pc:spChg>
+        <pc:spChg chg="add del mod">
+          <ac:chgData name="Georgios Miskakis" userId="44b2163f-3f3f-427f-9606-72ab2f8439a5" providerId="ADAL" clId="{7827F99D-84E5-4E97-A708-2A297FB4E1D1}" dt="2025-06-16T12:53:45.269" v="17" actId="478"/>
+          <ac:spMkLst>
+            <pc:docMk/>
+            <pc:sldMk cId="759628688" sldId="289"/>
+            <ac:spMk id="5" creationId="{54B948FA-3D84-5FBB-8AF5-C17DB1974BCC}"/>
+          </ac:spMkLst>
+        </pc:spChg>
+        <pc:spChg chg="add mod">
+          <ac:chgData name="Georgios Miskakis" userId="44b2163f-3f3f-427f-9606-72ab2f8439a5" providerId="ADAL" clId="{7827F99D-84E5-4E97-A708-2A297FB4E1D1}" dt="2025-06-16T12:53:47.157" v="18"/>
+          <ac:spMkLst>
+            <pc:docMk/>
+            <pc:sldMk cId="759628688" sldId="289"/>
+            <ac:spMk id="6" creationId="{4528EE2F-8D9D-EB5F-A546-BFAEE3EF4A88}"/>
+          </ac:spMkLst>
+        </pc:spChg>
+        <pc:spChg chg="add mod">
+          <ac:chgData name="Georgios Miskakis" userId="44b2163f-3f3f-427f-9606-72ab2f8439a5" providerId="ADAL" clId="{7827F99D-84E5-4E97-A708-2A297FB4E1D1}" dt="2025-06-16T12:53:47.157" v="18"/>
+          <ac:spMkLst>
+            <pc:docMk/>
+            <pc:sldMk cId="759628688" sldId="289"/>
+            <ac:spMk id="7" creationId="{F2D2FE4B-FF14-E1E4-B471-2DCD634AABE5}"/>
+          </ac:spMkLst>
+        </pc:spChg>
+        <pc:spChg chg="add mod">
+          <ac:chgData name="Georgios Miskakis" userId="44b2163f-3f3f-427f-9606-72ab2f8439a5" providerId="ADAL" clId="{7827F99D-84E5-4E97-A708-2A297FB4E1D1}" dt="2025-06-16T12:53:47.157" v="18"/>
+          <ac:spMkLst>
+            <pc:docMk/>
+            <pc:sldMk cId="759628688" sldId="289"/>
+            <ac:spMk id="8" creationId="{876C3265-C3A5-9427-06B2-5A81EEBC0CBB}"/>
+          </ac:spMkLst>
+        </pc:spChg>
+        <pc:spChg chg="add mod">
+          <ac:chgData name="Georgios Miskakis" userId="44b2163f-3f3f-427f-9606-72ab2f8439a5" providerId="ADAL" clId="{7827F99D-84E5-4E97-A708-2A297FB4E1D1}" dt="2025-06-16T12:53:57.731" v="19" actId="1076"/>
+          <ac:spMkLst>
+            <pc:docMk/>
+            <pc:sldMk cId="759628688" sldId="289"/>
+            <ac:spMk id="10" creationId="{F8E8D584-3612-F7F2-8451-AC2EC01E5586}"/>
+          </ac:spMkLst>
+        </pc:spChg>
+        <pc:spChg chg="add">
+          <ac:chgData name="Georgios Miskakis" userId="44b2163f-3f3f-427f-9606-72ab2f8439a5" providerId="ADAL" clId="{7827F99D-84E5-4E97-A708-2A297FB4E1D1}" dt="2025-06-16T12:53:08.891" v="11" actId="26606"/>
+          <ac:spMkLst>
+            <pc:docMk/>
+            <pc:sldMk cId="759628688" sldId="289"/>
+            <ac:spMk id="128" creationId="{1C582B07-D0F0-4B6B-A5D9-D2F192CB3A4E}"/>
+          </ac:spMkLst>
+        </pc:spChg>
+        <pc:spChg chg="add">
+          <ac:chgData name="Georgios Miskakis" userId="44b2163f-3f3f-427f-9606-72ab2f8439a5" providerId="ADAL" clId="{7827F99D-84E5-4E97-A708-2A297FB4E1D1}" dt="2025-06-16T12:53:08.891" v="11" actId="26606"/>
+          <ac:spMkLst>
+            <pc:docMk/>
+            <pc:sldMk cId="759628688" sldId="289"/>
+            <ac:spMk id="130" creationId="{CFDF70F4-97B6-40D8-B1FA-9580DBD23934}"/>
+          </ac:spMkLst>
+        </pc:spChg>
+        <pc:spChg chg="add">
+          <ac:chgData name="Georgios Miskakis" userId="44b2163f-3f3f-427f-9606-72ab2f8439a5" providerId="ADAL" clId="{7827F99D-84E5-4E97-A708-2A297FB4E1D1}" dt="2025-06-16T12:53:08.891" v="11" actId="26606"/>
+          <ac:spMkLst>
+            <pc:docMk/>
+            <pc:sldMk cId="759628688" sldId="289"/>
+            <ac:spMk id="165" creationId="{9E92C66B-792F-479F-B983-F47FEE1AB562}"/>
+          </ac:spMkLst>
+        </pc:spChg>
+        <pc:spChg chg="del">
+          <ac:chgData name="Georgios Miskakis" userId="44b2163f-3f3f-427f-9606-72ab2f8439a5" providerId="ADAL" clId="{7827F99D-84E5-4E97-A708-2A297FB4E1D1}" dt="2025-06-16T12:52:41.985" v="10"/>
+          <ac:spMkLst>
+            <pc:docMk/>
+            <pc:sldMk cId="759628688" sldId="289"/>
+            <ac:spMk id="166" creationId="{8F548382-51E6-1132-4680-CA2CE2341FC4}"/>
+          </ac:spMkLst>
+        </pc:spChg>
+        <pc:spChg chg="del">
+          <ac:chgData name="Georgios Miskakis" userId="44b2163f-3f3f-427f-9606-72ab2f8439a5" providerId="ADAL" clId="{7827F99D-84E5-4E97-A708-2A297FB4E1D1}" dt="2025-06-16T12:52:41.985" v="10"/>
+          <ac:spMkLst>
+            <pc:docMk/>
+            <pc:sldMk cId="759628688" sldId="289"/>
+            <ac:spMk id="168" creationId="{CDDD0F85-E757-7585-B226-C0721C177C9A}"/>
+          </ac:spMkLst>
+        </pc:spChg>
+        <pc:spChg chg="del">
+          <ac:chgData name="Georgios Miskakis" userId="44b2163f-3f3f-427f-9606-72ab2f8439a5" providerId="ADAL" clId="{7827F99D-84E5-4E97-A708-2A297FB4E1D1}" dt="2025-06-16T12:52:41.985" v="10"/>
+          <ac:spMkLst>
+            <pc:docMk/>
+            <pc:sldMk cId="759628688" sldId="289"/>
+            <ac:spMk id="203" creationId="{EC568524-7DE1-79F1-A6D5-8BC3426F0144}"/>
+          </ac:spMkLst>
+        </pc:spChg>
+        <pc:grpChg chg="add">
+          <ac:chgData name="Georgios Miskakis" userId="44b2163f-3f3f-427f-9606-72ab2f8439a5" providerId="ADAL" clId="{7827F99D-84E5-4E97-A708-2A297FB4E1D1}" dt="2025-06-16T12:53:08.891" v="11" actId="26606"/>
+          <ac:grpSpMkLst>
+            <pc:docMk/>
+            <pc:sldMk cId="759628688" sldId="289"/>
+            <ac:grpSpMk id="132" creationId="{807F70BA-21EF-4B7D-ACFF-D02E136D44B5}"/>
+          </ac:grpSpMkLst>
+        </pc:grpChg>
+        <pc:grpChg chg="del">
+          <ac:chgData name="Georgios Miskakis" userId="44b2163f-3f3f-427f-9606-72ab2f8439a5" providerId="ADAL" clId="{7827F99D-84E5-4E97-A708-2A297FB4E1D1}" dt="2025-06-16T12:52:41.985" v="10"/>
+          <ac:grpSpMkLst>
+            <pc:docMk/>
+            <pc:sldMk cId="759628688" sldId="289"/>
+            <ac:grpSpMk id="170" creationId="{CAA7BF93-7B43-F51A-223C-8563B09B5FEA}"/>
+          </ac:grpSpMkLst>
+        </pc:grpChg>
+        <pc:picChg chg="del">
+          <ac:chgData name="Georgios Miskakis" userId="44b2163f-3f3f-427f-9606-72ab2f8439a5" providerId="ADAL" clId="{7827F99D-84E5-4E97-A708-2A297FB4E1D1}" dt="2025-06-16T12:53:14.493" v="12" actId="478"/>
+          <ac:picMkLst>
+            <pc:docMk/>
+            <pc:sldMk cId="759628688" sldId="289"/>
+            <ac:picMk id="123" creationId="{F51DDEE7-6577-BD95-829C-E3E2C271E2CD}"/>
+          </ac:picMkLst>
+        </pc:picChg>
+        <pc:cxnChg chg="add mod">
+          <ac:chgData name="Georgios Miskakis" userId="44b2163f-3f3f-427f-9606-72ab2f8439a5" providerId="ADAL" clId="{7827F99D-84E5-4E97-A708-2A297FB4E1D1}" dt="2025-06-16T12:53:47.157" v="18"/>
+          <ac:cxnSpMkLst>
+            <pc:docMk/>
+            <pc:sldMk cId="759628688" sldId="289"/>
+            <ac:cxnSpMk id="9" creationId="{664F9BBE-4A34-9AFD-6D64-55FD6050A1AB}"/>
+          </ac:cxnSpMkLst>
+        </pc:cxnChg>
+      </pc:sldChg>
+      <pc:sldChg chg="addSp delSp modSp add del mod">
+        <pc:chgData name="Georgios Miskakis" userId="44b2163f-3f3f-427f-9606-72ab2f8439a5" providerId="ADAL" clId="{7827F99D-84E5-4E97-A708-2A297FB4E1D1}" dt="2025-06-16T12:57:18.905" v="87" actId="2696"/>
+        <pc:sldMkLst>
+          <pc:docMk/>
+          <pc:sldMk cId="2773193051" sldId="289"/>
+        </pc:sldMkLst>
+        <pc:spChg chg="mod">
+          <ac:chgData name="Georgios Miskakis" userId="44b2163f-3f3f-427f-9606-72ab2f8439a5" providerId="ADAL" clId="{7827F99D-84E5-4E97-A708-2A297FB4E1D1}" dt="2025-06-16T12:57:07.625" v="86" actId="1076"/>
+          <ac:spMkLst>
+            <pc:docMk/>
+            <pc:sldMk cId="2773193051" sldId="289"/>
+            <ac:spMk id="2" creationId="{D5CDFEE1-5FCE-BBE7-DB4F-9B3C64DD8E8B}"/>
+          </ac:spMkLst>
+        </pc:spChg>
+        <pc:spChg chg="del">
+          <ac:chgData name="Georgios Miskakis" userId="44b2163f-3f3f-427f-9606-72ab2f8439a5" providerId="ADAL" clId="{7827F99D-84E5-4E97-A708-2A297FB4E1D1}" dt="2025-06-16T12:56:47.477" v="80" actId="478"/>
+          <ac:spMkLst>
+            <pc:docMk/>
+            <pc:sldMk cId="2773193051" sldId="289"/>
+            <ac:spMk id="3" creationId="{F1A4394E-A4D8-AC25-F4B5-DF289B5E4990}"/>
+          </ac:spMkLst>
+        </pc:spChg>
+        <pc:spChg chg="del mod">
+          <ac:chgData name="Georgios Miskakis" userId="44b2163f-3f3f-427f-9606-72ab2f8439a5" providerId="ADAL" clId="{7827F99D-84E5-4E97-A708-2A297FB4E1D1}" dt="2025-06-16T12:57:03.036" v="85" actId="478"/>
+          <ac:spMkLst>
+            <pc:docMk/>
+            <pc:sldMk cId="2773193051" sldId="289"/>
+            <ac:spMk id="4" creationId="{327ED6FF-9F00-7A24-BFFC-6B780D6913D1}"/>
+          </ac:spMkLst>
+        </pc:spChg>
+        <pc:spChg chg="del">
+          <ac:chgData name="Georgios Miskakis" userId="44b2163f-3f3f-427f-9606-72ab2f8439a5" providerId="ADAL" clId="{7827F99D-84E5-4E97-A708-2A297FB4E1D1}" dt="2025-06-16T12:56:51.848" v="82" actId="478"/>
+          <ac:spMkLst>
+            <pc:docMk/>
+            <pc:sldMk cId="2773193051" sldId="289"/>
+            <ac:spMk id="7" creationId="{B653D923-DC48-A706-0269-6DE9A2E39E38}"/>
+          </ac:spMkLst>
+        </pc:spChg>
+        <pc:spChg chg="add del mod">
+          <ac:chgData name="Georgios Miskakis" userId="44b2163f-3f3f-427f-9606-72ab2f8439a5" providerId="ADAL" clId="{7827F99D-84E5-4E97-A708-2A297FB4E1D1}" dt="2025-06-16T12:56:49.335" v="81" actId="478"/>
+          <ac:spMkLst>
+            <pc:docMk/>
+            <pc:sldMk cId="2773193051" sldId="289"/>
+            <ac:spMk id="8" creationId="{79DB5D7A-7F57-512E-062B-412F65F4023D}"/>
+          </ac:spMkLst>
+        </pc:spChg>
+        <pc:cxnChg chg="mod">
+          <ac:chgData name="Georgios Miskakis" userId="44b2163f-3f3f-427f-9606-72ab2f8439a5" providerId="ADAL" clId="{7827F99D-84E5-4E97-A708-2A297FB4E1D1}" dt="2025-06-16T12:56:58.842" v="83" actId="1076"/>
+          <ac:cxnSpMkLst>
+            <pc:docMk/>
+            <pc:sldMk cId="2773193051" sldId="289"/>
+            <ac:cxnSpMk id="6" creationId="{DF7848EA-00CB-9D9C-1232-8E569A8C99A9}"/>
+          </ac:cxnSpMkLst>
+        </pc:cxnChg>
       </pc:sldChg>
     </pc:docChg>
   </pc:docChgLst>
@@ -9179,7 +9613,7 @@
           <a:p>
             <a:fld id="{8B9DFE6E-D9C8-4D75-BED2-1753E150FCDA}" type="slidenum">
               <a:rPr lang="en-US" smtClean="0"/>
-              <a:t>7</a:t>
+              <a:t>6</a:t>
             </a:fld>
             <a:endParaRPr lang="en-US"/>
           </a:p>
@@ -24874,19 +25308,23 @@
         </p:nvSpPr>
         <p:spPr>
           <a:xfrm>
-            <a:off x="684225" y="746840"/>
-            <a:ext cx="4903438" cy="5415739"/>
+            <a:off x="502887" y="264926"/>
+            <a:ext cx="4903438" cy="3137908"/>
           </a:xfrm>
         </p:spPr>
         <p:txBody>
           <a:bodyPr anchor="ctr">
-            <a:normAutofit/>
+            <a:normAutofit fontScale="90000"/>
           </a:bodyPr>
           <a:lstStyle/>
           <a:p>
             <a:r>
-              <a:rPr lang="de-DE"/>
-              <a:t>Unboxing Cyber</a:t>
+              <a:rPr lang="de-DE" dirty="0"/>
+              <a:t>Unboxing </a:t>
+            </a:r>
+            <a:r>
+              <a:rPr lang="de-DE" dirty="0" err="1"/>
+              <a:t>Cyber</a:t>
             </a:r>
             <a:r>
               <a:rPr lang="de-DE" dirty="0"/>
@@ -25192,6 +25630,85 @@
           </a:custGeom>
         </p:spPr>
       </p:pic>
+      <p:sp>
+        <p:nvSpPr>
+          <p:cNvPr id="3" name="Title 1">
+            <a:extLst>
+              <a:ext uri="{FF2B5EF4-FFF2-40B4-BE49-F238E27FC236}">
+                <a16:creationId xmlns:a16="http://schemas.microsoft.com/office/drawing/2014/main" id="{2AA9D672-C1AE-B75A-E269-C9FD5A0AB8F1}"/>
+              </a:ext>
+            </a:extLst>
+          </p:cNvPr>
+          <p:cNvSpPr txBox="1">
+            <a:spLocks/>
+          </p:cNvSpPr>
+          <p:nvPr/>
+        </p:nvSpPr>
+        <p:spPr>
+          <a:xfrm>
+            <a:off x="498550" y="4390462"/>
+            <a:ext cx="4927425" cy="1938525"/>
+          </a:xfrm>
+          <a:prstGeom prst="rect">
+            <a:avLst/>
+          </a:prstGeom>
+        </p:spPr>
+        <p:txBody>
+          <a:bodyPr vert="horz" lIns="91440" tIns="45720" rIns="91440" bIns="45720" rtlCol="0" anchor="b">
+            <a:normAutofit fontScale="60000" lnSpcReduction="20000"/>
+          </a:bodyPr>
+          <a:lstStyle>
+            <a:lvl1pPr algn="l" defTabSz="914400" rtl="0" eaLnBrk="1" latinLnBrk="0" hangingPunct="1">
+              <a:lnSpc>
+                <a:spcPct val="100000"/>
+              </a:lnSpc>
+              <a:spcBef>
+                <a:spcPct val="0"/>
+              </a:spcBef>
+              <a:buNone/>
+              <a:defRPr sz="5400" kern="1200">
+                <a:solidFill>
+                  <a:schemeClr val="tx2"/>
+                </a:solidFill>
+                <a:latin typeface="+mj-lt"/>
+                <a:ea typeface="+mj-ea"/>
+                <a:cs typeface="+mj-cs"/>
+              </a:defRPr>
+            </a:lvl1pPr>
+          </a:lstStyle>
+          <a:p>
+            <a:r>
+              <a:rPr lang="en-US"/>
+              <a:t>Jiorgos Miskakis, EvidentScientific EMEA CISO</a:t>
+            </a:r>
+            <a:br>
+              <a:rPr lang="en-US"/>
+            </a:br>
+            <a:r>
+              <a:rPr lang="pt-BR" sz="1200"/>
+              <a:t>ISACA CISM,CISA,CDPSE,CRISC, </a:t>
+            </a:r>
+            <a:br>
+              <a:rPr lang="pt-BR" sz="1200"/>
+            </a:br>
+            <a:r>
+              <a:rPr lang="pt-BR" sz="1200"/>
+              <a:t>PECB ISO27K Auditor&amp;Implementer, </a:t>
+            </a:r>
+            <a:br>
+              <a:rPr lang="pt-BR" sz="1200"/>
+            </a:br>
+            <a:r>
+              <a:rPr lang="pt-BR" sz="1200"/>
+              <a:t>ITIL v3</a:t>
+            </a:r>
+            <a:br>
+              <a:rPr lang="en-US" sz="4400"/>
+            </a:br>
+            <a:endParaRPr lang="en-US" dirty="0"/>
+          </a:p>
+        </p:txBody>
+      </p:sp>
     </p:spTree>
     <p:extLst>
       <p:ext uri="{BB962C8B-B14F-4D97-AF65-F5344CB8AC3E}">
@@ -25298,280 +25815,6 @@
 </file>
 
 <file path=ppt/slides/slide10.xml><?xml version="1.0" encoding="utf-8"?>
-<p:sld xmlns:a="http://schemas.openxmlformats.org/drawingml/2006/main" xmlns:r="http://schemas.openxmlformats.org/officeDocument/2006/relationships" xmlns:p="http://schemas.openxmlformats.org/presentationml/2006/main">
-  <p:cSld>
-    <p:spTree>
-      <p:nvGrpSpPr>
-        <p:cNvPr id="1" name=""/>
-        <p:cNvGrpSpPr/>
-        <p:nvPr/>
-      </p:nvGrpSpPr>
-      <p:grpSpPr>
-        <a:xfrm>
-          <a:off x="0" y="0"/>
-          <a:ext cx="0" cy="0"/>
-          <a:chOff x="0" y="0"/>
-          <a:chExt cx="0" cy="0"/>
-        </a:xfrm>
-      </p:grpSpPr>
-      <p:sp>
-        <p:nvSpPr>
-          <p:cNvPr id="4" name="Rectangle: Rounded Corners 3">
-            <a:extLst>
-              <a:ext uri="{FF2B5EF4-FFF2-40B4-BE49-F238E27FC236}">
-                <a16:creationId xmlns:a16="http://schemas.microsoft.com/office/drawing/2014/main" id="{6FE6F5BF-D764-B4C2-E171-B067798960B4}"/>
-              </a:ext>
-            </a:extLst>
-          </p:cNvPr>
-          <p:cNvSpPr/>
-          <p:nvPr/>
-        </p:nvSpPr>
-        <p:spPr>
-          <a:xfrm>
-            <a:off x="777635" y="2340131"/>
-            <a:ext cx="4114876" cy="563326"/>
-          </a:xfrm>
-          <a:prstGeom prst="roundRect">
-            <a:avLst/>
-          </a:prstGeom>
-          <a:solidFill>
-            <a:schemeClr val="accent1">
-              <a:alpha val="85000"/>
-            </a:schemeClr>
-          </a:solidFill>
-          <a:ln>
-            <a:noFill/>
-          </a:ln>
-        </p:spPr>
-        <p:style>
-          <a:lnRef idx="2">
-            <a:schemeClr val="accent1">
-              <a:shade val="15000"/>
-            </a:schemeClr>
-          </a:lnRef>
-          <a:fillRef idx="1">
-            <a:schemeClr val="accent1"/>
-          </a:fillRef>
-          <a:effectRef idx="0">
-            <a:schemeClr val="accent1"/>
-          </a:effectRef>
-          <a:fontRef idx="minor">
-            <a:schemeClr val="lt1"/>
-          </a:fontRef>
-        </p:style>
-        <p:txBody>
-          <a:bodyPr rtlCol="0" anchor="ctr"/>
-          <a:lstStyle/>
-          <a:p>
-            <a:pPr algn="ctr"/>
-            <a:endParaRPr lang="en-US" dirty="0"/>
-          </a:p>
-        </p:txBody>
-      </p:sp>
-      <p:sp>
-        <p:nvSpPr>
-          <p:cNvPr id="2" name="Title 1">
-            <a:extLst>
-              <a:ext uri="{FF2B5EF4-FFF2-40B4-BE49-F238E27FC236}">
-                <a16:creationId xmlns:a16="http://schemas.microsoft.com/office/drawing/2014/main" id="{96A4AA22-F6C8-2909-979F-FC43ECEF778D}"/>
-              </a:ext>
-            </a:extLst>
-          </p:cNvPr>
-          <p:cNvSpPr>
-            <a:spLocks noGrp="1"/>
-          </p:cNvSpPr>
-          <p:nvPr>
-            <p:ph type="title"/>
-          </p:nvPr>
-        </p:nvSpPr>
-        <p:spPr/>
-        <p:txBody>
-          <a:bodyPr/>
-          <a:lstStyle/>
-          <a:p>
-            <a:r>
-              <a:rPr lang="en-US" dirty="0"/>
-              <a:t>Key Takeaways</a:t>
-            </a:r>
-          </a:p>
-        </p:txBody>
-      </p:sp>
-      <p:sp>
-        <p:nvSpPr>
-          <p:cNvPr id="3" name="Content Placeholder 2">
-            <a:extLst>
-              <a:ext uri="{FF2B5EF4-FFF2-40B4-BE49-F238E27FC236}">
-                <a16:creationId xmlns:a16="http://schemas.microsoft.com/office/drawing/2014/main" id="{A45DA132-E54F-824C-D739-603C10CA87DC}"/>
-              </a:ext>
-            </a:extLst>
-          </p:cNvPr>
-          <p:cNvSpPr>
-            <a:spLocks noGrp="1"/>
-          </p:cNvSpPr>
-          <p:nvPr>
-            <p:ph idx="1"/>
-          </p:nvPr>
-        </p:nvSpPr>
-        <p:spPr>
-          <a:xfrm>
-            <a:off x="691079" y="2340131"/>
-            <a:ext cx="4351976" cy="3564436"/>
-          </a:xfrm>
-        </p:spPr>
-        <p:txBody>
-          <a:bodyPr>
-            <a:normAutofit/>
-          </a:bodyPr>
-          <a:lstStyle/>
-          <a:p>
-            <a:pPr marL="457200" indent="-457200">
-              <a:buFont typeface="Segoe UI Symbol" panose="020B0502040204020203" pitchFamily="34" charset="0"/>
-              <a:buChar char=""/>
-            </a:pPr>
-            <a:r>
-              <a:rPr lang="en-US" sz="2400" b="1" dirty="0">
-                <a:solidFill>
-                  <a:schemeClr val="bg1"/>
-                </a:solidFill>
-              </a:rPr>
-              <a:t>User-Friendly </a:t>
-            </a:r>
-          </a:p>
-          <a:p>
-            <a:pPr marL="457200" indent="-457200">
-              <a:buFont typeface="Segoe UI Symbol" panose="020B0502040204020203" pitchFamily="34" charset="0"/>
-              <a:buChar char=""/>
-            </a:pPr>
-            <a:r>
-              <a:rPr lang="en-US" sz="2400" b="1" dirty="0"/>
-              <a:t>Time Considerations</a:t>
-            </a:r>
-          </a:p>
-          <a:p>
-            <a:pPr marL="457200" indent="-457200">
-              <a:buFont typeface="Segoe UI Symbol" panose="020B0502040204020203" pitchFamily="34" charset="0"/>
-              <a:buChar char=""/>
-            </a:pPr>
-            <a:r>
-              <a:rPr lang="en-US" sz="2400" b="1" dirty="0"/>
-              <a:t>Complexity Is Hidden</a:t>
-            </a:r>
-          </a:p>
-          <a:p>
-            <a:pPr marL="457200" indent="-457200">
-              <a:buFont typeface="Segoe UI Symbol" panose="020B0502040204020203" pitchFamily="34" charset="0"/>
-              <a:buChar char=""/>
-            </a:pPr>
-            <a:r>
-              <a:rPr lang="en-US" sz="2400" b="1" dirty="0"/>
-              <a:t>Tech Agnostic</a:t>
-            </a:r>
-          </a:p>
-          <a:p>
-            <a:pPr marL="457200" indent="-457200">
-              <a:buNone/>
-            </a:pPr>
-            <a:endParaRPr lang="en-US" dirty="0"/>
-          </a:p>
-        </p:txBody>
-      </p:sp>
-      <p:cxnSp>
-        <p:nvCxnSpPr>
-          <p:cNvPr id="6" name="Straight Connector 5">
-            <a:extLst>
-              <a:ext uri="{FF2B5EF4-FFF2-40B4-BE49-F238E27FC236}">
-                <a16:creationId xmlns:a16="http://schemas.microsoft.com/office/drawing/2014/main" id="{AF3038D8-3194-24C1-B7BA-B89C3B01A2B3}"/>
-              </a:ext>
-            </a:extLst>
-          </p:cNvPr>
-          <p:cNvCxnSpPr/>
-          <p:nvPr/>
-        </p:nvCxnSpPr>
-        <p:spPr>
-          <a:xfrm>
-            <a:off x="5126182" y="1801091"/>
-            <a:ext cx="0" cy="4913745"/>
-          </a:xfrm>
-          <a:prstGeom prst="line">
-            <a:avLst/>
-          </a:prstGeom>
-        </p:spPr>
-        <p:style>
-          <a:lnRef idx="1">
-            <a:schemeClr val="accent1"/>
-          </a:lnRef>
-          <a:fillRef idx="0">
-            <a:schemeClr val="accent1"/>
-          </a:fillRef>
-          <a:effectRef idx="0">
-            <a:schemeClr val="accent1"/>
-          </a:effectRef>
-          <a:fontRef idx="minor">
-            <a:schemeClr val="tx1"/>
-          </a:fontRef>
-        </p:style>
-      </p:cxnSp>
-      <p:sp>
-        <p:nvSpPr>
-          <p:cNvPr id="7" name="TextBox 6">
-            <a:extLst>
-              <a:ext uri="{FF2B5EF4-FFF2-40B4-BE49-F238E27FC236}">
-                <a16:creationId xmlns:a16="http://schemas.microsoft.com/office/drawing/2014/main" id="{8193DA39-87D3-C195-797C-1C5F77BB332F}"/>
-              </a:ext>
-            </a:extLst>
-          </p:cNvPr>
-          <p:cNvSpPr txBox="1"/>
-          <p:nvPr/>
-        </p:nvSpPr>
-        <p:spPr>
-          <a:xfrm rot="16200000">
-            <a:off x="8076162" y="895030"/>
-            <a:ext cx="738664" cy="5676216"/>
-          </a:xfrm>
-          <a:prstGeom prst="rect">
-            <a:avLst/>
-          </a:prstGeom>
-          <a:noFill/>
-        </p:spPr>
-        <p:txBody>
-          <a:bodyPr vert="eaVert" wrap="square" rtlCol="0">
-            <a:spAutoFit/>
-          </a:bodyPr>
-          <a:lstStyle/>
-          <a:p>
-            <a:r>
-              <a:rPr lang="en-US" sz="1800" b="1" dirty="0"/>
-              <a:t>Simplifies interactions with intuitive, accessible questions</a:t>
-            </a:r>
-          </a:p>
-        </p:txBody>
-      </p:sp>
-    </p:spTree>
-    <p:extLst>
-      <p:ext uri="{BB962C8B-B14F-4D97-AF65-F5344CB8AC3E}">
-        <p14:creationId xmlns:p14="http://schemas.microsoft.com/office/powerpoint/2010/main" val="1127555306"/>
-      </p:ext>
-    </p:extLst>
-  </p:cSld>
-  <p:clrMapOvr>
-    <a:masterClrMapping/>
-  </p:clrMapOvr>
-  <mc:AlternateContent xmlns:mc="http://schemas.openxmlformats.org/markup-compatibility/2006">
-    <mc:Choice xmlns:p159="http://schemas.microsoft.com/office/powerpoint/2015/09/main" Requires="p159">
-      <p:transition xmlns:p14="http://schemas.microsoft.com/office/powerpoint/2010/main" spd="slow" p14:dur="2000">
-        <p159:morph option="byObject"/>
-      </p:transition>
-    </mc:Choice>
-    <mc:Fallback>
-      <p:transition spd="slow">
-        <p:fade/>
-      </p:transition>
-    </mc:Fallback>
-  </mc:AlternateContent>
-</p:sld>
-</file>
-
-<file path=ppt/slides/slide11.xml><?xml version="1.0" encoding="utf-8"?>
 <p:sld xmlns:a="http://schemas.openxmlformats.org/drawingml/2006/main" xmlns:r="http://schemas.openxmlformats.org/officeDocument/2006/relationships" xmlns:p="http://schemas.openxmlformats.org/presentationml/2006/main">
   <p:cSld>
     <p:spTree>
@@ -25840,13 +26083,13 @@
   <p:clrMapOvr>
     <a:masterClrMapping/>
   </p:clrMapOvr>
-  <mc:AlternateContent xmlns:mc="http://schemas.openxmlformats.org/markup-compatibility/2006">
-    <mc:Choice xmlns:p159="http://schemas.microsoft.com/office/powerpoint/2015/09/main" Requires="p159">
+  <mc:AlternateContent xmlns:mc="http://schemas.openxmlformats.org/markup-compatibility/2006" xmlns:p159="http://schemas.microsoft.com/office/powerpoint/2015/09/main">
+    <mc:Choice Requires="p159">
       <p:transition xmlns:p14="http://schemas.microsoft.com/office/powerpoint/2010/main" spd="slow" p14:dur="2000">
         <p159:morph option="byObject"/>
       </p:transition>
     </mc:Choice>
-    <mc:Fallback>
+    <mc:Fallback xmlns="">
       <p:transition spd="slow">
         <p:fade/>
       </p:transition>
@@ -25855,7 +26098,7 @@
 </p:sld>
 </file>
 
-<file path=ppt/slides/slide12.xml><?xml version="1.0" encoding="utf-8"?>
+<file path=ppt/slides/slide11.xml><?xml version="1.0" encoding="utf-8"?>
 <p:sld xmlns:a="http://schemas.openxmlformats.org/drawingml/2006/main" xmlns:r="http://schemas.openxmlformats.org/officeDocument/2006/relationships" xmlns:p="http://schemas.openxmlformats.org/presentationml/2006/main">
   <p:cSld>
     <p:spTree>
@@ -26153,13 +26396,13 @@
   <p:clrMapOvr>
     <a:masterClrMapping/>
   </p:clrMapOvr>
-  <mc:AlternateContent xmlns:mc="http://schemas.openxmlformats.org/markup-compatibility/2006">
-    <mc:Choice xmlns:p159="http://schemas.microsoft.com/office/powerpoint/2015/09/main" Requires="p159">
+  <mc:AlternateContent xmlns:mc="http://schemas.openxmlformats.org/markup-compatibility/2006" xmlns:p159="http://schemas.microsoft.com/office/powerpoint/2015/09/main">
+    <mc:Choice Requires="p159">
       <p:transition xmlns:p14="http://schemas.microsoft.com/office/powerpoint/2010/main" spd="slow" p14:dur="2000">
         <p159:morph option="byObject"/>
       </p:transition>
     </mc:Choice>
-    <mc:Fallback>
+    <mc:Fallback xmlns="">
       <p:transition spd="slow">
         <p:fade/>
       </p:transition>
@@ -26168,7 +26411,7 @@
 </p:sld>
 </file>
 
-<file path=ppt/slides/slide13.xml><?xml version="1.0" encoding="utf-8"?>
+<file path=ppt/slides/slide12.xml><?xml version="1.0" encoding="utf-8"?>
 <p:sld xmlns:a="http://schemas.openxmlformats.org/drawingml/2006/main" xmlns:r="http://schemas.openxmlformats.org/officeDocument/2006/relationships" xmlns:p="http://schemas.openxmlformats.org/presentationml/2006/main">
   <p:cSld>
     <p:spTree>
@@ -26445,13 +26688,13 @@
   <p:clrMapOvr>
     <a:masterClrMapping/>
   </p:clrMapOvr>
-  <mc:AlternateContent xmlns:mc="http://schemas.openxmlformats.org/markup-compatibility/2006">
-    <mc:Choice xmlns:p159="http://schemas.microsoft.com/office/powerpoint/2015/09/main" Requires="p159">
+  <mc:AlternateContent xmlns:mc="http://schemas.openxmlformats.org/markup-compatibility/2006" xmlns:p159="http://schemas.microsoft.com/office/powerpoint/2015/09/main">
+    <mc:Choice Requires="p159">
       <p:transition xmlns:p14="http://schemas.microsoft.com/office/powerpoint/2010/main" spd="slow" p14:dur="2000">
         <p159:morph option="byObject"/>
       </p:transition>
     </mc:Choice>
-    <mc:Fallback>
+    <mc:Fallback xmlns="">
       <p:transition spd="slow">
         <p:fade/>
       </p:transition>
@@ -26460,7 +26703,7 @@
 </p:sld>
 </file>
 
-<file path=ppt/slides/slide14.xml><?xml version="1.0" encoding="utf-8"?>
+<file path=ppt/slides/slide13.xml><?xml version="1.0" encoding="utf-8"?>
 <p:sld xmlns:a="http://schemas.openxmlformats.org/drawingml/2006/main" xmlns:r="http://schemas.openxmlformats.org/officeDocument/2006/relationships" xmlns:p="http://schemas.openxmlformats.org/presentationml/2006/main">
   <p:cSld>
     <p:bg>
@@ -28872,2120 +29115,6 @@
       </p:grpSpPr>
       <p:sp useBgFill="1">
         <p:nvSpPr>
-          <p:cNvPr id="9" name="Rectangle 8">
-            <a:extLst>
-              <a:ext uri="{FF2B5EF4-FFF2-40B4-BE49-F238E27FC236}">
-                <a16:creationId xmlns:a16="http://schemas.microsoft.com/office/drawing/2014/main" id="{1C582B07-D0F0-4B6B-A5D9-D2F192CB3A4E}"/>
-              </a:ext>
-              <a:ext uri="{C183D7F6-B498-43B3-948B-1728B52AA6E4}">
-                <adec:decorative xmlns:adec="http://schemas.microsoft.com/office/drawing/2017/decorative" val="1"/>
-              </a:ext>
-            </a:extLst>
-          </p:cNvPr>
-          <p:cNvSpPr>
-            <a:spLocks noGrp="1" noRot="1" noChangeAspect="1" noMove="1" noResize="1" noEditPoints="1" noAdjustHandles="1" noChangeArrowheads="1" noChangeShapeType="1" noTextEdit="1"/>
-          </p:cNvSpPr>
-          <p:nvPr>
-            <p:extLst>
-              <p:ext uri="{386F3935-93C4-4BCD-93E2-E3B085C9AB24}">
-                <p16:designElem xmlns:p16="http://schemas.microsoft.com/office/powerpoint/2015/main" val="1"/>
-              </p:ext>
-            </p:extLst>
-          </p:nvPr>
-        </p:nvSpPr>
-        <p:spPr>
-          <a:xfrm>
-            <a:off x="0" y="0"/>
-            <a:ext cx="12188952" cy="6858000"/>
-          </a:xfrm>
-          <a:prstGeom prst="rect">
-            <a:avLst/>
-          </a:prstGeom>
-          <a:ln>
-            <a:noFill/>
-          </a:ln>
-        </p:spPr>
-        <p:style>
-          <a:lnRef idx="2">
-            <a:schemeClr val="accent1">
-              <a:shade val="50000"/>
-            </a:schemeClr>
-          </a:lnRef>
-          <a:fillRef idx="1">
-            <a:schemeClr val="accent1"/>
-          </a:fillRef>
-          <a:effectRef idx="0">
-            <a:schemeClr val="accent1"/>
-          </a:effectRef>
-          <a:fontRef idx="minor">
-            <a:schemeClr val="lt1"/>
-          </a:fontRef>
-        </p:style>
-        <p:txBody>
-          <a:bodyPr rtlCol="0" anchor="ctr"/>
-          <a:lstStyle/>
-          <a:p>
-            <a:pPr algn="ctr"/>
-            <a:endParaRPr lang="en-US">
-              <a:solidFill>
-                <a:schemeClr val="bg1"/>
-              </a:solidFill>
-            </a:endParaRPr>
-          </a:p>
-        </p:txBody>
-      </p:sp>
-      <p:grpSp>
-        <p:nvGrpSpPr>
-          <p:cNvPr id="11" name="Group 10">
-            <a:extLst>
-              <a:ext uri="{FF2B5EF4-FFF2-40B4-BE49-F238E27FC236}">
-                <a16:creationId xmlns:a16="http://schemas.microsoft.com/office/drawing/2014/main" id="{4D431671-5191-4947-8899-E90505A70426}"/>
-              </a:ext>
-              <a:ext uri="{C183D7F6-B498-43B3-948B-1728B52AA6E4}">
-                <adec:decorative xmlns:adec="http://schemas.microsoft.com/office/drawing/2017/decorative" val="1"/>
-              </a:ext>
-            </a:extLst>
-          </p:cNvPr>
-          <p:cNvGrpSpPr>
-            <a:grpSpLocks noGrp="1" noUngrp="1" noRot="1" noChangeAspect="1" noMove="1" noResize="1"/>
-          </p:cNvGrpSpPr>
-          <p:nvPr>
-            <p:extLst>
-              <p:ext uri="{386F3935-93C4-4BCD-93E2-E3B085C9AB24}">
-                <p16:designElem xmlns:p16="http://schemas.microsoft.com/office/powerpoint/2015/main" val="1"/>
-              </p:ext>
-            </p:extLst>
-          </p:nvPr>
-        </p:nvGrpSpPr>
-        <p:grpSpPr>
-          <a:xfrm>
-            <a:off x="-6214" y="-1"/>
-            <a:ext cx="12214827" cy="6858000"/>
-            <a:chOff x="-6214" y="-1"/>
-            <a:chExt cx="12214827" cy="6858000"/>
-          </a:xfrm>
-        </p:grpSpPr>
-        <p:cxnSp>
-          <p:nvCxnSpPr>
-            <p:cNvPr id="12" name="Straight Connector 11">
-              <a:extLst>
-                <a:ext uri="{FF2B5EF4-FFF2-40B4-BE49-F238E27FC236}">
-                  <a16:creationId xmlns:a16="http://schemas.microsoft.com/office/drawing/2014/main" id="{877D2E98-ED65-4121-9DA5-6DBB831D0FB2}"/>
-                </a:ext>
-                <a:ext uri="{C183D7F6-B498-43B3-948B-1728B52AA6E4}">
-                  <adec:decorative xmlns:adec="http://schemas.microsoft.com/office/drawing/2017/decorative" val="1"/>
-                </a:ext>
-              </a:extLst>
-            </p:cNvPr>
-            <p:cNvCxnSpPr>
-              <a:cxnSpLocks/>
-            </p:cNvCxnSpPr>
-            <p:nvPr>
-              <p:extLst>
-                <p:ext uri="{386F3935-93C4-4BCD-93E2-E3B085C9AB24}">
-                  <p16:designElem xmlns:p16="http://schemas.microsoft.com/office/powerpoint/2015/main" val="1"/>
-                </p:ext>
-              </p:extLst>
-            </p:nvPr>
-          </p:nvCxnSpPr>
-          <p:spPr>
-            <a:xfrm>
-              <a:off x="-6214" y="6686283"/>
-              <a:ext cx="12192000" cy="0"/>
-            </a:xfrm>
-            <a:prstGeom prst="line">
-              <a:avLst/>
-            </a:prstGeom>
-            <a:ln w="12700">
-              <a:solidFill>
-                <a:srgbClr val="BCBCBC">
-                  <a:alpha val="29804"/>
-                </a:srgbClr>
-              </a:solidFill>
-              <a:prstDash val="sysDot"/>
-            </a:ln>
-          </p:spPr>
-          <p:style>
-            <a:lnRef idx="1">
-              <a:schemeClr val="accent1"/>
-            </a:lnRef>
-            <a:fillRef idx="0">
-              <a:schemeClr val="accent1"/>
-            </a:fillRef>
-            <a:effectRef idx="0">
-              <a:schemeClr val="accent1"/>
-            </a:effectRef>
-            <a:fontRef idx="minor">
-              <a:schemeClr val="tx1"/>
-            </a:fontRef>
-          </p:style>
-        </p:cxnSp>
-        <p:cxnSp>
-          <p:nvCxnSpPr>
-            <p:cNvPr id="13" name="Straight Connector 12">
-              <a:extLst>
-                <a:ext uri="{FF2B5EF4-FFF2-40B4-BE49-F238E27FC236}">
-                  <a16:creationId xmlns:a16="http://schemas.microsoft.com/office/drawing/2014/main" id="{DA94A307-5B5D-4E42-95B3-064D5093ADE5}"/>
-                </a:ext>
-                <a:ext uri="{C183D7F6-B498-43B3-948B-1728B52AA6E4}">
-                  <adec:decorative xmlns:adec="http://schemas.microsoft.com/office/drawing/2017/decorative" val="1"/>
-                </a:ext>
-              </a:extLst>
-            </p:cNvPr>
-            <p:cNvCxnSpPr>
-              <a:cxnSpLocks/>
-            </p:cNvCxnSpPr>
-            <p:nvPr>
-              <p:extLst>
-                <p:ext uri="{386F3935-93C4-4BCD-93E2-E3B085C9AB24}">
-                  <p16:designElem xmlns:p16="http://schemas.microsoft.com/office/powerpoint/2015/main" val="1"/>
-                </p:ext>
-              </p:extLst>
-            </p:nvPr>
-          </p:nvCxnSpPr>
-          <p:spPr>
-            <a:xfrm>
-              <a:off x="0" y="-1"/>
-              <a:ext cx="0" cy="6858000"/>
-            </a:xfrm>
-            <a:prstGeom prst="line">
-              <a:avLst/>
-            </a:prstGeom>
-            <a:ln w="12700">
-              <a:solidFill>
-                <a:srgbClr val="BCBCBC">
-                  <a:alpha val="29804"/>
-                </a:srgbClr>
-              </a:solidFill>
-              <a:prstDash val="sysDot"/>
-            </a:ln>
-          </p:spPr>
-          <p:style>
-            <a:lnRef idx="1">
-              <a:schemeClr val="accent1"/>
-            </a:lnRef>
-            <a:fillRef idx="0">
-              <a:schemeClr val="accent1"/>
-            </a:fillRef>
-            <a:effectRef idx="0">
-              <a:schemeClr val="accent1"/>
-            </a:effectRef>
-            <a:fontRef idx="minor">
-              <a:schemeClr val="tx1"/>
-            </a:fontRef>
-          </p:style>
-        </p:cxnSp>
-        <p:cxnSp>
-          <p:nvCxnSpPr>
-            <p:cNvPr id="14" name="Straight Connector 13">
-              <a:extLst>
-                <a:ext uri="{FF2B5EF4-FFF2-40B4-BE49-F238E27FC236}">
-                  <a16:creationId xmlns:a16="http://schemas.microsoft.com/office/drawing/2014/main" id="{8CB3B32C-3BDA-4D41-9802-681B0599FD3C}"/>
-                </a:ext>
-                <a:ext uri="{C183D7F6-B498-43B3-948B-1728B52AA6E4}">
-                  <adec:decorative xmlns:adec="http://schemas.microsoft.com/office/drawing/2017/decorative" val="1"/>
-                </a:ext>
-              </a:extLst>
-            </p:cNvPr>
-            <p:cNvCxnSpPr>
-              <a:cxnSpLocks/>
-            </p:cNvCxnSpPr>
-            <p:nvPr>
-              <p:extLst>
-                <p:ext uri="{386F3935-93C4-4BCD-93E2-E3B085C9AB24}">
-                  <p16:designElem xmlns:p16="http://schemas.microsoft.com/office/powerpoint/2015/main" val="1"/>
-                </p:ext>
-              </p:extLst>
-            </p:nvPr>
-          </p:nvCxnSpPr>
-          <p:spPr>
-            <a:xfrm>
-              <a:off x="11993258" y="-1"/>
-              <a:ext cx="0" cy="6858000"/>
-            </a:xfrm>
-            <a:prstGeom prst="line">
-              <a:avLst/>
-            </a:prstGeom>
-            <a:ln w="12700">
-              <a:solidFill>
-                <a:srgbClr val="BCBCBC">
-                  <a:alpha val="29804"/>
-                </a:srgbClr>
-              </a:solidFill>
-              <a:prstDash val="sysDot"/>
-            </a:ln>
-          </p:spPr>
-          <p:style>
-            <a:lnRef idx="1">
-              <a:schemeClr val="accent1"/>
-            </a:lnRef>
-            <a:fillRef idx="0">
-              <a:schemeClr val="accent1"/>
-            </a:fillRef>
-            <a:effectRef idx="0">
-              <a:schemeClr val="accent1"/>
-            </a:effectRef>
-            <a:fontRef idx="minor">
-              <a:schemeClr val="tx1"/>
-            </a:fontRef>
-          </p:style>
-        </p:cxnSp>
-        <p:cxnSp>
-          <p:nvCxnSpPr>
-            <p:cNvPr id="15" name="Straight Connector 14">
-              <a:extLst>
-                <a:ext uri="{FF2B5EF4-FFF2-40B4-BE49-F238E27FC236}">
-                  <a16:creationId xmlns:a16="http://schemas.microsoft.com/office/drawing/2014/main" id="{35BDBFD6-7C61-4520-8203-BAB1986C158C}"/>
-                </a:ext>
-                <a:ext uri="{C183D7F6-B498-43B3-948B-1728B52AA6E4}">
-                  <adec:decorative xmlns:adec="http://schemas.microsoft.com/office/drawing/2017/decorative" val="1"/>
-                </a:ext>
-              </a:extLst>
-            </p:cNvPr>
-            <p:cNvCxnSpPr>
-              <a:cxnSpLocks/>
-            </p:cNvCxnSpPr>
-            <p:nvPr>
-              <p:extLst>
-                <p:ext uri="{386F3935-93C4-4BCD-93E2-E3B085C9AB24}">
-                  <p16:designElem xmlns:p16="http://schemas.microsoft.com/office/powerpoint/2015/main" val="1"/>
-                </p:ext>
-              </p:extLst>
-            </p:nvPr>
-          </p:nvCxnSpPr>
-          <p:spPr>
-            <a:xfrm>
-              <a:off x="192528" y="-1"/>
-              <a:ext cx="0" cy="6858000"/>
-            </a:xfrm>
-            <a:prstGeom prst="line">
-              <a:avLst/>
-            </a:prstGeom>
-            <a:ln w="12700">
-              <a:solidFill>
-                <a:srgbClr val="BCBCBC">
-                  <a:alpha val="29804"/>
-                </a:srgbClr>
-              </a:solidFill>
-              <a:prstDash val="sysDot"/>
-            </a:ln>
-          </p:spPr>
-          <p:style>
-            <a:lnRef idx="1">
-              <a:schemeClr val="accent1"/>
-            </a:lnRef>
-            <a:fillRef idx="0">
-              <a:schemeClr val="accent1"/>
-            </a:fillRef>
-            <a:effectRef idx="0">
-              <a:schemeClr val="accent1"/>
-            </a:effectRef>
-            <a:fontRef idx="minor">
-              <a:schemeClr val="tx1"/>
-            </a:fontRef>
-          </p:style>
-        </p:cxnSp>
-        <p:cxnSp>
-          <p:nvCxnSpPr>
-            <p:cNvPr id="16" name="Straight Connector 15">
-              <a:extLst>
-                <a:ext uri="{FF2B5EF4-FFF2-40B4-BE49-F238E27FC236}">
-                  <a16:creationId xmlns:a16="http://schemas.microsoft.com/office/drawing/2014/main" id="{D4ABA4D7-9904-42C4-B0CD-B1CE2E0D3734}"/>
-                </a:ext>
-                <a:ext uri="{C183D7F6-B498-43B3-948B-1728B52AA6E4}">
-                  <adec:decorative xmlns:adec="http://schemas.microsoft.com/office/drawing/2017/decorative" val="1"/>
-                </a:ext>
-              </a:extLst>
-            </p:cNvPr>
-            <p:cNvCxnSpPr>
-              <a:cxnSpLocks/>
-            </p:cNvCxnSpPr>
-            <p:nvPr>
-              <p:extLst>
-                <p:ext uri="{386F3935-93C4-4BCD-93E2-E3B085C9AB24}">
-                  <p16:designElem xmlns:p16="http://schemas.microsoft.com/office/powerpoint/2015/main" val="1"/>
-                </p:ext>
-              </p:extLst>
-            </p:nvPr>
-          </p:nvCxnSpPr>
-          <p:spPr>
-            <a:xfrm>
-              <a:off x="1175922" y="-1"/>
-              <a:ext cx="0" cy="6858000"/>
-            </a:xfrm>
-            <a:prstGeom prst="line">
-              <a:avLst/>
-            </a:prstGeom>
-            <a:ln w="12700">
-              <a:solidFill>
-                <a:srgbClr val="BCBCBC">
-                  <a:alpha val="29804"/>
-                </a:srgbClr>
-              </a:solidFill>
-              <a:prstDash val="sysDot"/>
-            </a:ln>
-          </p:spPr>
-          <p:style>
-            <a:lnRef idx="1">
-              <a:schemeClr val="accent1"/>
-            </a:lnRef>
-            <a:fillRef idx="0">
-              <a:schemeClr val="accent1"/>
-            </a:fillRef>
-            <a:effectRef idx="0">
-              <a:schemeClr val="accent1"/>
-            </a:effectRef>
-            <a:fontRef idx="minor">
-              <a:schemeClr val="tx1"/>
-            </a:fontRef>
-          </p:style>
-        </p:cxnSp>
-        <p:cxnSp>
-          <p:nvCxnSpPr>
-            <p:cNvPr id="17" name="Straight Connector 16">
-              <a:extLst>
-                <a:ext uri="{FF2B5EF4-FFF2-40B4-BE49-F238E27FC236}">
-                  <a16:creationId xmlns:a16="http://schemas.microsoft.com/office/drawing/2014/main" id="{BB63F0D6-8747-4126-9359-B730EB21B79A}"/>
-                </a:ext>
-                <a:ext uri="{C183D7F6-B498-43B3-948B-1728B52AA6E4}">
-                  <adec:decorative xmlns:adec="http://schemas.microsoft.com/office/drawing/2017/decorative" val="1"/>
-                </a:ext>
-              </a:extLst>
-            </p:cNvPr>
-            <p:cNvCxnSpPr>
-              <a:cxnSpLocks/>
-            </p:cNvCxnSpPr>
-            <p:nvPr>
-              <p:extLst>
-                <p:ext uri="{386F3935-93C4-4BCD-93E2-E3B085C9AB24}">
-                  <p16:designElem xmlns:p16="http://schemas.microsoft.com/office/powerpoint/2015/main" val="1"/>
-                </p:ext>
-              </p:extLst>
-            </p:nvPr>
-          </p:nvCxnSpPr>
-          <p:spPr>
-            <a:xfrm>
-              <a:off x="2159316" y="-1"/>
-              <a:ext cx="0" cy="6858000"/>
-            </a:xfrm>
-            <a:prstGeom prst="line">
-              <a:avLst/>
-            </a:prstGeom>
-            <a:ln w="12700">
-              <a:solidFill>
-                <a:srgbClr val="BCBCBC">
-                  <a:alpha val="29804"/>
-                </a:srgbClr>
-              </a:solidFill>
-              <a:prstDash val="sysDot"/>
-            </a:ln>
-          </p:spPr>
-          <p:style>
-            <a:lnRef idx="1">
-              <a:schemeClr val="accent1"/>
-            </a:lnRef>
-            <a:fillRef idx="0">
-              <a:schemeClr val="accent1"/>
-            </a:fillRef>
-            <a:effectRef idx="0">
-              <a:schemeClr val="accent1"/>
-            </a:effectRef>
-            <a:fontRef idx="minor">
-              <a:schemeClr val="tx1"/>
-            </a:fontRef>
-          </p:style>
-        </p:cxnSp>
-        <p:cxnSp>
-          <p:nvCxnSpPr>
-            <p:cNvPr id="18" name="Straight Connector 17">
-              <a:extLst>
-                <a:ext uri="{FF2B5EF4-FFF2-40B4-BE49-F238E27FC236}">
-                  <a16:creationId xmlns:a16="http://schemas.microsoft.com/office/drawing/2014/main" id="{D91CD660-F5B2-49AC-9EFC-CE94B843B4DA}"/>
-                </a:ext>
-                <a:ext uri="{C183D7F6-B498-43B3-948B-1728B52AA6E4}">
-                  <adec:decorative xmlns:adec="http://schemas.microsoft.com/office/drawing/2017/decorative" val="1"/>
-                </a:ext>
-              </a:extLst>
-            </p:cNvPr>
-            <p:cNvCxnSpPr>
-              <a:cxnSpLocks/>
-            </p:cNvCxnSpPr>
-            <p:nvPr>
-              <p:extLst>
-                <p:ext uri="{386F3935-93C4-4BCD-93E2-E3B085C9AB24}">
-                  <p16:designElem xmlns:p16="http://schemas.microsoft.com/office/powerpoint/2015/main" val="1"/>
-                </p:ext>
-              </p:extLst>
-            </p:nvPr>
-          </p:nvCxnSpPr>
-          <p:spPr>
-            <a:xfrm>
-              <a:off x="3142710" y="-1"/>
-              <a:ext cx="0" cy="6858000"/>
-            </a:xfrm>
-            <a:prstGeom prst="line">
-              <a:avLst/>
-            </a:prstGeom>
-            <a:ln w="12700">
-              <a:solidFill>
-                <a:srgbClr val="BCBCBC">
-                  <a:alpha val="29804"/>
-                </a:srgbClr>
-              </a:solidFill>
-              <a:prstDash val="sysDot"/>
-            </a:ln>
-          </p:spPr>
-          <p:style>
-            <a:lnRef idx="1">
-              <a:schemeClr val="accent1"/>
-            </a:lnRef>
-            <a:fillRef idx="0">
-              <a:schemeClr val="accent1"/>
-            </a:fillRef>
-            <a:effectRef idx="0">
-              <a:schemeClr val="accent1"/>
-            </a:effectRef>
-            <a:fontRef idx="minor">
-              <a:schemeClr val="tx1"/>
-            </a:fontRef>
-          </p:style>
-        </p:cxnSp>
-        <p:cxnSp>
-          <p:nvCxnSpPr>
-            <p:cNvPr id="19" name="Straight Connector 18">
-              <a:extLst>
-                <a:ext uri="{FF2B5EF4-FFF2-40B4-BE49-F238E27FC236}">
-                  <a16:creationId xmlns:a16="http://schemas.microsoft.com/office/drawing/2014/main" id="{A4BEB7EB-8E7F-4A4B-8581-73CE2003F2F7}"/>
-                </a:ext>
-                <a:ext uri="{C183D7F6-B498-43B3-948B-1728B52AA6E4}">
-                  <adec:decorative xmlns:adec="http://schemas.microsoft.com/office/drawing/2017/decorative" val="1"/>
-                </a:ext>
-              </a:extLst>
-            </p:cNvPr>
-            <p:cNvCxnSpPr>
-              <a:cxnSpLocks/>
-            </p:cNvCxnSpPr>
-            <p:nvPr>
-              <p:extLst>
-                <p:ext uri="{386F3935-93C4-4BCD-93E2-E3B085C9AB24}">
-                  <p16:designElem xmlns:p16="http://schemas.microsoft.com/office/powerpoint/2015/main" val="1"/>
-                </p:ext>
-              </p:extLst>
-            </p:nvPr>
-          </p:nvCxnSpPr>
-          <p:spPr>
-            <a:xfrm>
-              <a:off x="4126104" y="-1"/>
-              <a:ext cx="0" cy="6858000"/>
-            </a:xfrm>
-            <a:prstGeom prst="line">
-              <a:avLst/>
-            </a:prstGeom>
-            <a:ln w="12700">
-              <a:solidFill>
-                <a:srgbClr val="BCBCBC">
-                  <a:alpha val="29804"/>
-                </a:srgbClr>
-              </a:solidFill>
-              <a:prstDash val="sysDot"/>
-            </a:ln>
-          </p:spPr>
-          <p:style>
-            <a:lnRef idx="1">
-              <a:schemeClr val="accent1"/>
-            </a:lnRef>
-            <a:fillRef idx="0">
-              <a:schemeClr val="accent1"/>
-            </a:fillRef>
-            <a:effectRef idx="0">
-              <a:schemeClr val="accent1"/>
-            </a:effectRef>
-            <a:fontRef idx="minor">
-              <a:schemeClr val="tx1"/>
-            </a:fontRef>
-          </p:style>
-        </p:cxnSp>
-        <p:cxnSp>
-          <p:nvCxnSpPr>
-            <p:cNvPr id="20" name="Straight Connector 19">
-              <a:extLst>
-                <a:ext uri="{FF2B5EF4-FFF2-40B4-BE49-F238E27FC236}">
-                  <a16:creationId xmlns:a16="http://schemas.microsoft.com/office/drawing/2014/main" id="{B04FB70E-6820-4456-872A-937F520606C5}"/>
-                </a:ext>
-                <a:ext uri="{C183D7F6-B498-43B3-948B-1728B52AA6E4}">
-                  <adec:decorative xmlns:adec="http://schemas.microsoft.com/office/drawing/2017/decorative" val="1"/>
-                </a:ext>
-              </a:extLst>
-            </p:cNvPr>
-            <p:cNvCxnSpPr>
-              <a:cxnSpLocks/>
-            </p:cNvCxnSpPr>
-            <p:nvPr>
-              <p:extLst>
-                <p:ext uri="{386F3935-93C4-4BCD-93E2-E3B085C9AB24}">
-                  <p16:designElem xmlns:p16="http://schemas.microsoft.com/office/powerpoint/2015/main" val="1"/>
-                </p:ext>
-              </p:extLst>
-            </p:nvPr>
-          </p:nvCxnSpPr>
-          <p:spPr>
-            <a:xfrm>
-              <a:off x="5109498" y="-1"/>
-              <a:ext cx="0" cy="6858000"/>
-            </a:xfrm>
-            <a:prstGeom prst="line">
-              <a:avLst/>
-            </a:prstGeom>
-            <a:ln w="12700">
-              <a:solidFill>
-                <a:srgbClr val="BCBCBC">
-                  <a:alpha val="29804"/>
-                </a:srgbClr>
-              </a:solidFill>
-              <a:prstDash val="sysDot"/>
-            </a:ln>
-          </p:spPr>
-          <p:style>
-            <a:lnRef idx="1">
-              <a:schemeClr val="accent1"/>
-            </a:lnRef>
-            <a:fillRef idx="0">
-              <a:schemeClr val="accent1"/>
-            </a:fillRef>
-            <a:effectRef idx="0">
-              <a:schemeClr val="accent1"/>
-            </a:effectRef>
-            <a:fontRef idx="minor">
-              <a:schemeClr val="tx1"/>
-            </a:fontRef>
-          </p:style>
-        </p:cxnSp>
-        <p:cxnSp>
-          <p:nvCxnSpPr>
-            <p:cNvPr id="21" name="Straight Connector 20">
-              <a:extLst>
-                <a:ext uri="{FF2B5EF4-FFF2-40B4-BE49-F238E27FC236}">
-                  <a16:creationId xmlns:a16="http://schemas.microsoft.com/office/drawing/2014/main" id="{E3598DD6-9887-4CF7-BAFE-F96E0324EB9E}"/>
-                </a:ext>
-                <a:ext uri="{C183D7F6-B498-43B3-948B-1728B52AA6E4}">
-                  <adec:decorative xmlns:adec="http://schemas.microsoft.com/office/drawing/2017/decorative" val="1"/>
-                </a:ext>
-              </a:extLst>
-            </p:cNvPr>
-            <p:cNvCxnSpPr>
-              <a:cxnSpLocks/>
-            </p:cNvCxnSpPr>
-            <p:nvPr>
-              <p:extLst>
-                <p:ext uri="{386F3935-93C4-4BCD-93E2-E3B085C9AB24}">
-                  <p16:designElem xmlns:p16="http://schemas.microsoft.com/office/powerpoint/2015/main" val="1"/>
-                </p:ext>
-              </p:extLst>
-            </p:nvPr>
-          </p:nvCxnSpPr>
-          <p:spPr>
-            <a:xfrm>
-              <a:off x="6092892" y="-1"/>
-              <a:ext cx="0" cy="6858000"/>
-            </a:xfrm>
-            <a:prstGeom prst="line">
-              <a:avLst/>
-            </a:prstGeom>
-            <a:ln w="12700">
-              <a:solidFill>
-                <a:srgbClr val="BCBCBC">
-                  <a:alpha val="29804"/>
-                </a:srgbClr>
-              </a:solidFill>
-              <a:prstDash val="sysDot"/>
-            </a:ln>
-          </p:spPr>
-          <p:style>
-            <a:lnRef idx="1">
-              <a:schemeClr val="accent1"/>
-            </a:lnRef>
-            <a:fillRef idx="0">
-              <a:schemeClr val="accent1"/>
-            </a:fillRef>
-            <a:effectRef idx="0">
-              <a:schemeClr val="accent1"/>
-            </a:effectRef>
-            <a:fontRef idx="minor">
-              <a:schemeClr val="tx1"/>
-            </a:fontRef>
-          </p:style>
-        </p:cxnSp>
-        <p:cxnSp>
-          <p:nvCxnSpPr>
-            <p:cNvPr id="22" name="Straight Connector 21">
-              <a:extLst>
-                <a:ext uri="{FF2B5EF4-FFF2-40B4-BE49-F238E27FC236}">
-                  <a16:creationId xmlns:a16="http://schemas.microsoft.com/office/drawing/2014/main" id="{AA503E64-565F-465B-A25C-042C5706C568}"/>
-                </a:ext>
-                <a:ext uri="{C183D7F6-B498-43B3-948B-1728B52AA6E4}">
-                  <adec:decorative xmlns:adec="http://schemas.microsoft.com/office/drawing/2017/decorative" val="1"/>
-                </a:ext>
-              </a:extLst>
-            </p:cNvPr>
-            <p:cNvCxnSpPr>
-              <a:cxnSpLocks/>
-            </p:cNvCxnSpPr>
-            <p:nvPr>
-              <p:extLst>
-                <p:ext uri="{386F3935-93C4-4BCD-93E2-E3B085C9AB24}">
-                  <p16:designElem xmlns:p16="http://schemas.microsoft.com/office/powerpoint/2015/main" val="1"/>
-                </p:ext>
-              </p:extLst>
-            </p:nvPr>
-          </p:nvCxnSpPr>
-          <p:spPr>
-            <a:xfrm>
-              <a:off x="7076286" y="-1"/>
-              <a:ext cx="0" cy="6858000"/>
-            </a:xfrm>
-            <a:prstGeom prst="line">
-              <a:avLst/>
-            </a:prstGeom>
-            <a:ln w="12700">
-              <a:solidFill>
-                <a:srgbClr val="BCBCBC">
-                  <a:alpha val="29804"/>
-                </a:srgbClr>
-              </a:solidFill>
-              <a:prstDash val="sysDot"/>
-            </a:ln>
-          </p:spPr>
-          <p:style>
-            <a:lnRef idx="1">
-              <a:schemeClr val="accent1"/>
-            </a:lnRef>
-            <a:fillRef idx="0">
-              <a:schemeClr val="accent1"/>
-            </a:fillRef>
-            <a:effectRef idx="0">
-              <a:schemeClr val="accent1"/>
-            </a:effectRef>
-            <a:fontRef idx="minor">
-              <a:schemeClr val="tx1"/>
-            </a:fontRef>
-          </p:style>
-        </p:cxnSp>
-        <p:cxnSp>
-          <p:nvCxnSpPr>
-            <p:cNvPr id="23" name="Straight Connector 22">
-              <a:extLst>
-                <a:ext uri="{FF2B5EF4-FFF2-40B4-BE49-F238E27FC236}">
-                  <a16:creationId xmlns:a16="http://schemas.microsoft.com/office/drawing/2014/main" id="{A140EE7B-5CA1-4DCB-8652-6E4D2147B0E7}"/>
-                </a:ext>
-                <a:ext uri="{C183D7F6-B498-43B3-948B-1728B52AA6E4}">
-                  <adec:decorative xmlns:adec="http://schemas.microsoft.com/office/drawing/2017/decorative" val="1"/>
-                </a:ext>
-              </a:extLst>
-            </p:cNvPr>
-            <p:cNvCxnSpPr>
-              <a:cxnSpLocks/>
-            </p:cNvCxnSpPr>
-            <p:nvPr>
-              <p:extLst>
-                <p:ext uri="{386F3935-93C4-4BCD-93E2-E3B085C9AB24}">
-                  <p16:designElem xmlns:p16="http://schemas.microsoft.com/office/powerpoint/2015/main" val="1"/>
-                </p:ext>
-              </p:extLst>
-            </p:nvPr>
-          </p:nvCxnSpPr>
-          <p:spPr>
-            <a:xfrm>
-              <a:off x="8059680" y="-1"/>
-              <a:ext cx="0" cy="6858000"/>
-            </a:xfrm>
-            <a:prstGeom prst="line">
-              <a:avLst/>
-            </a:prstGeom>
-            <a:ln w="12700">
-              <a:solidFill>
-                <a:srgbClr val="BCBCBC">
-                  <a:alpha val="29804"/>
-                </a:srgbClr>
-              </a:solidFill>
-              <a:prstDash val="sysDot"/>
-            </a:ln>
-          </p:spPr>
-          <p:style>
-            <a:lnRef idx="1">
-              <a:schemeClr val="accent1"/>
-            </a:lnRef>
-            <a:fillRef idx="0">
-              <a:schemeClr val="accent1"/>
-            </a:fillRef>
-            <a:effectRef idx="0">
-              <a:schemeClr val="accent1"/>
-            </a:effectRef>
-            <a:fontRef idx="minor">
-              <a:schemeClr val="tx1"/>
-            </a:fontRef>
-          </p:style>
-        </p:cxnSp>
-        <p:cxnSp>
-          <p:nvCxnSpPr>
-            <p:cNvPr id="24" name="Straight Connector 23">
-              <a:extLst>
-                <a:ext uri="{FF2B5EF4-FFF2-40B4-BE49-F238E27FC236}">
-                  <a16:creationId xmlns:a16="http://schemas.microsoft.com/office/drawing/2014/main" id="{F85077BE-700D-4C44-AA4D-7CF4E8FD71A9}"/>
-                </a:ext>
-                <a:ext uri="{C183D7F6-B498-43B3-948B-1728B52AA6E4}">
-                  <adec:decorative xmlns:adec="http://schemas.microsoft.com/office/drawing/2017/decorative" val="1"/>
-                </a:ext>
-              </a:extLst>
-            </p:cNvPr>
-            <p:cNvCxnSpPr>
-              <a:cxnSpLocks/>
-            </p:cNvCxnSpPr>
-            <p:nvPr>
-              <p:extLst>
-                <p:ext uri="{386F3935-93C4-4BCD-93E2-E3B085C9AB24}">
-                  <p16:designElem xmlns:p16="http://schemas.microsoft.com/office/powerpoint/2015/main" val="1"/>
-                </p:ext>
-              </p:extLst>
-            </p:nvPr>
-          </p:nvCxnSpPr>
-          <p:spPr>
-            <a:xfrm>
-              <a:off x="9043074" y="-1"/>
-              <a:ext cx="0" cy="6858000"/>
-            </a:xfrm>
-            <a:prstGeom prst="line">
-              <a:avLst/>
-            </a:prstGeom>
-            <a:ln w="12700">
-              <a:solidFill>
-                <a:srgbClr val="BCBCBC">
-                  <a:alpha val="29804"/>
-                </a:srgbClr>
-              </a:solidFill>
-              <a:prstDash val="sysDot"/>
-            </a:ln>
-          </p:spPr>
-          <p:style>
-            <a:lnRef idx="1">
-              <a:schemeClr val="accent1"/>
-            </a:lnRef>
-            <a:fillRef idx="0">
-              <a:schemeClr val="accent1"/>
-            </a:fillRef>
-            <a:effectRef idx="0">
-              <a:schemeClr val="accent1"/>
-            </a:effectRef>
-            <a:fontRef idx="minor">
-              <a:schemeClr val="tx1"/>
-            </a:fontRef>
-          </p:style>
-        </p:cxnSp>
-        <p:cxnSp>
-          <p:nvCxnSpPr>
-            <p:cNvPr id="25" name="Straight Connector 24">
-              <a:extLst>
-                <a:ext uri="{FF2B5EF4-FFF2-40B4-BE49-F238E27FC236}">
-                  <a16:creationId xmlns:a16="http://schemas.microsoft.com/office/drawing/2014/main" id="{FB8B3FEB-D353-443D-A148-3915606516D5}"/>
-                </a:ext>
-                <a:ext uri="{C183D7F6-B498-43B3-948B-1728B52AA6E4}">
-                  <adec:decorative xmlns:adec="http://schemas.microsoft.com/office/drawing/2017/decorative" val="1"/>
-                </a:ext>
-              </a:extLst>
-            </p:cNvPr>
-            <p:cNvCxnSpPr>
-              <a:cxnSpLocks/>
-            </p:cNvCxnSpPr>
-            <p:nvPr>
-              <p:extLst>
-                <p:ext uri="{386F3935-93C4-4BCD-93E2-E3B085C9AB24}">
-                  <p16:designElem xmlns:p16="http://schemas.microsoft.com/office/powerpoint/2015/main" val="1"/>
-                </p:ext>
-              </p:extLst>
-            </p:nvPr>
-          </p:nvCxnSpPr>
-          <p:spPr>
-            <a:xfrm>
-              <a:off x="10026468" y="-1"/>
-              <a:ext cx="0" cy="6858000"/>
-            </a:xfrm>
-            <a:prstGeom prst="line">
-              <a:avLst/>
-            </a:prstGeom>
-            <a:ln w="12700">
-              <a:solidFill>
-                <a:srgbClr val="BCBCBC">
-                  <a:alpha val="29804"/>
-                </a:srgbClr>
-              </a:solidFill>
-              <a:prstDash val="sysDot"/>
-            </a:ln>
-          </p:spPr>
-          <p:style>
-            <a:lnRef idx="1">
-              <a:schemeClr val="accent1"/>
-            </a:lnRef>
-            <a:fillRef idx="0">
-              <a:schemeClr val="accent1"/>
-            </a:fillRef>
-            <a:effectRef idx="0">
-              <a:schemeClr val="accent1"/>
-            </a:effectRef>
-            <a:fontRef idx="minor">
-              <a:schemeClr val="tx1"/>
-            </a:fontRef>
-          </p:style>
-        </p:cxnSp>
-        <p:cxnSp>
-          <p:nvCxnSpPr>
-            <p:cNvPr id="26" name="Straight Connector 25">
-              <a:extLst>
-                <a:ext uri="{FF2B5EF4-FFF2-40B4-BE49-F238E27FC236}">
-                  <a16:creationId xmlns:a16="http://schemas.microsoft.com/office/drawing/2014/main" id="{91FF5FBB-3BD8-46EB-BDF9-081B29A444BD}"/>
-                </a:ext>
-                <a:ext uri="{C183D7F6-B498-43B3-948B-1728B52AA6E4}">
-                  <adec:decorative xmlns:adec="http://schemas.microsoft.com/office/drawing/2017/decorative" val="1"/>
-                </a:ext>
-              </a:extLst>
-            </p:cNvPr>
-            <p:cNvCxnSpPr>
-              <a:cxnSpLocks/>
-            </p:cNvCxnSpPr>
-            <p:nvPr>
-              <p:extLst>
-                <p:ext uri="{386F3935-93C4-4BCD-93E2-E3B085C9AB24}">
-                  <p16:designElem xmlns:p16="http://schemas.microsoft.com/office/powerpoint/2015/main" val="1"/>
-                </p:ext>
-              </p:extLst>
-            </p:nvPr>
-          </p:nvCxnSpPr>
-          <p:spPr>
-            <a:xfrm>
-              <a:off x="11009862" y="-1"/>
-              <a:ext cx="0" cy="6858000"/>
-            </a:xfrm>
-            <a:prstGeom prst="line">
-              <a:avLst/>
-            </a:prstGeom>
-            <a:ln w="12700">
-              <a:solidFill>
-                <a:srgbClr val="BCBCBC">
-                  <a:alpha val="29804"/>
-                </a:srgbClr>
-              </a:solidFill>
-              <a:prstDash val="sysDot"/>
-            </a:ln>
-          </p:spPr>
-          <p:style>
-            <a:lnRef idx="1">
-              <a:schemeClr val="accent1"/>
-            </a:lnRef>
-            <a:fillRef idx="0">
-              <a:schemeClr val="accent1"/>
-            </a:fillRef>
-            <a:effectRef idx="0">
-              <a:schemeClr val="accent1"/>
-            </a:effectRef>
-            <a:fontRef idx="minor">
-              <a:schemeClr val="tx1"/>
-            </a:fontRef>
-          </p:style>
-        </p:cxnSp>
-        <p:cxnSp>
-          <p:nvCxnSpPr>
-            <p:cNvPr id="27" name="Straight Connector 26">
-              <a:extLst>
-                <a:ext uri="{FF2B5EF4-FFF2-40B4-BE49-F238E27FC236}">
-                  <a16:creationId xmlns:a16="http://schemas.microsoft.com/office/drawing/2014/main" id="{DC2E11FD-78A4-4F5C-A419-F0237DCAD274}"/>
-                </a:ext>
-                <a:ext uri="{C183D7F6-B498-43B3-948B-1728B52AA6E4}">
-                  <adec:decorative xmlns:adec="http://schemas.microsoft.com/office/drawing/2017/decorative" val="1"/>
-                </a:ext>
-              </a:extLst>
-            </p:cNvPr>
-            <p:cNvCxnSpPr>
-              <a:cxnSpLocks/>
-            </p:cNvCxnSpPr>
-            <p:nvPr>
-              <p:extLst>
-                <p:ext uri="{386F3935-93C4-4BCD-93E2-E3B085C9AB24}">
-                  <p16:designElem xmlns:p16="http://schemas.microsoft.com/office/powerpoint/2015/main" val="1"/>
-                </p:ext>
-              </p:extLst>
-            </p:nvPr>
-          </p:nvCxnSpPr>
-          <p:spPr>
-            <a:xfrm>
-              <a:off x="12185786" y="-1"/>
-              <a:ext cx="0" cy="6858000"/>
-            </a:xfrm>
-            <a:prstGeom prst="line">
-              <a:avLst/>
-            </a:prstGeom>
-            <a:ln w="12700">
-              <a:solidFill>
-                <a:srgbClr val="BCBCBC">
-                  <a:alpha val="29804"/>
-                </a:srgbClr>
-              </a:solidFill>
-              <a:prstDash val="sysDot"/>
-            </a:ln>
-          </p:spPr>
-          <p:style>
-            <a:lnRef idx="1">
-              <a:schemeClr val="accent1"/>
-            </a:lnRef>
-            <a:fillRef idx="0">
-              <a:schemeClr val="accent1"/>
-            </a:fillRef>
-            <a:effectRef idx="0">
-              <a:schemeClr val="accent1"/>
-            </a:effectRef>
-            <a:fontRef idx="minor">
-              <a:schemeClr val="tx1"/>
-            </a:fontRef>
-          </p:style>
-        </p:cxnSp>
-        <p:cxnSp>
-          <p:nvCxnSpPr>
-            <p:cNvPr id="28" name="Straight Connector 27">
-              <a:extLst>
-                <a:ext uri="{FF2B5EF4-FFF2-40B4-BE49-F238E27FC236}">
-                  <a16:creationId xmlns:a16="http://schemas.microsoft.com/office/drawing/2014/main" id="{9F708EBE-3154-4FF4-8E8F-88A076208068}"/>
-                </a:ext>
-                <a:ext uri="{C183D7F6-B498-43B3-948B-1728B52AA6E4}">
-                  <adec:decorative xmlns:adec="http://schemas.microsoft.com/office/drawing/2017/decorative" val="1"/>
-                </a:ext>
-              </a:extLst>
-            </p:cNvPr>
-            <p:cNvCxnSpPr>
-              <a:cxnSpLocks/>
-            </p:cNvCxnSpPr>
-            <p:nvPr>
-              <p:extLst>
-                <p:ext uri="{386F3935-93C4-4BCD-93E2-E3B085C9AB24}">
-                  <p16:designElem xmlns:p16="http://schemas.microsoft.com/office/powerpoint/2015/main" val="1"/>
-                </p:ext>
-              </p:extLst>
-            </p:nvPr>
-          </p:nvCxnSpPr>
-          <p:spPr>
-            <a:xfrm>
-              <a:off x="0" y="171716"/>
-              <a:ext cx="12192000" cy="0"/>
-            </a:xfrm>
-            <a:prstGeom prst="line">
-              <a:avLst/>
-            </a:prstGeom>
-            <a:ln w="12700">
-              <a:solidFill>
-                <a:srgbClr val="BCBCBC">
-                  <a:alpha val="29804"/>
-                </a:srgbClr>
-              </a:solidFill>
-              <a:prstDash val="sysDot"/>
-            </a:ln>
-          </p:spPr>
-          <p:style>
-            <a:lnRef idx="1">
-              <a:schemeClr val="accent1"/>
-            </a:lnRef>
-            <a:fillRef idx="0">
-              <a:schemeClr val="accent1"/>
-            </a:fillRef>
-            <a:effectRef idx="0">
-              <a:schemeClr val="accent1"/>
-            </a:effectRef>
-            <a:fontRef idx="minor">
-              <a:schemeClr val="tx1"/>
-            </a:fontRef>
-          </p:style>
-        </p:cxnSp>
-        <p:cxnSp>
-          <p:nvCxnSpPr>
-            <p:cNvPr id="29" name="Straight Connector 28">
-              <a:extLst>
-                <a:ext uri="{FF2B5EF4-FFF2-40B4-BE49-F238E27FC236}">
-                  <a16:creationId xmlns:a16="http://schemas.microsoft.com/office/drawing/2014/main" id="{27A99B5C-EB03-4D56-8DFE-B006D7081B61}"/>
-                </a:ext>
-                <a:ext uri="{C183D7F6-B498-43B3-948B-1728B52AA6E4}">
-                  <adec:decorative xmlns:adec="http://schemas.microsoft.com/office/drawing/2017/decorative" val="1"/>
-                </a:ext>
-              </a:extLst>
-            </p:cNvPr>
-            <p:cNvCxnSpPr>
-              <a:cxnSpLocks/>
-            </p:cNvCxnSpPr>
-            <p:nvPr>
-              <p:extLst>
-                <p:ext uri="{386F3935-93C4-4BCD-93E2-E3B085C9AB24}">
-                  <p16:designElem xmlns:p16="http://schemas.microsoft.com/office/powerpoint/2015/main" val="1"/>
-                </p:ext>
-              </p:extLst>
-            </p:nvPr>
-          </p:nvCxnSpPr>
-          <p:spPr>
-            <a:xfrm>
-              <a:off x="0" y="714597"/>
-              <a:ext cx="12192000" cy="0"/>
-            </a:xfrm>
-            <a:prstGeom prst="line">
-              <a:avLst/>
-            </a:prstGeom>
-            <a:ln w="12700">
-              <a:solidFill>
-                <a:srgbClr val="BCBCBC">
-                  <a:alpha val="29804"/>
-                </a:srgbClr>
-              </a:solidFill>
-              <a:prstDash val="sysDot"/>
-            </a:ln>
-          </p:spPr>
-          <p:style>
-            <a:lnRef idx="1">
-              <a:schemeClr val="accent1"/>
-            </a:lnRef>
-            <a:fillRef idx="0">
-              <a:schemeClr val="accent1"/>
-            </a:fillRef>
-            <a:effectRef idx="0">
-              <a:schemeClr val="accent1"/>
-            </a:effectRef>
-            <a:fontRef idx="minor">
-              <a:schemeClr val="tx1"/>
-            </a:fontRef>
-          </p:style>
-        </p:cxnSp>
-        <p:cxnSp>
-          <p:nvCxnSpPr>
-            <p:cNvPr id="30" name="Straight Connector 29">
-              <a:extLst>
-                <a:ext uri="{FF2B5EF4-FFF2-40B4-BE49-F238E27FC236}">
-                  <a16:creationId xmlns:a16="http://schemas.microsoft.com/office/drawing/2014/main" id="{2FCBAFF0-9FB4-4160-B9BE-CCBE1D8B8CBD}"/>
-                </a:ext>
-                <a:ext uri="{C183D7F6-B498-43B3-948B-1728B52AA6E4}">
-                  <adec:decorative xmlns:adec="http://schemas.microsoft.com/office/drawing/2017/decorative" val="1"/>
-                </a:ext>
-              </a:extLst>
-            </p:cNvPr>
-            <p:cNvCxnSpPr>
-              <a:cxnSpLocks/>
-            </p:cNvCxnSpPr>
-            <p:nvPr>
-              <p:extLst>
-                <p:ext uri="{386F3935-93C4-4BCD-93E2-E3B085C9AB24}">
-                  <p16:designElem xmlns:p16="http://schemas.microsoft.com/office/powerpoint/2015/main" val="1"/>
-                </p:ext>
-              </p:extLst>
-            </p:nvPr>
-          </p:nvCxnSpPr>
-          <p:spPr>
-            <a:xfrm>
-              <a:off x="0" y="1257478"/>
-              <a:ext cx="12192000" cy="0"/>
-            </a:xfrm>
-            <a:prstGeom prst="line">
-              <a:avLst/>
-            </a:prstGeom>
-            <a:ln w="12700">
-              <a:solidFill>
-                <a:srgbClr val="BCBCBC">
-                  <a:alpha val="29804"/>
-                </a:srgbClr>
-              </a:solidFill>
-              <a:prstDash val="sysDot"/>
-            </a:ln>
-          </p:spPr>
-          <p:style>
-            <a:lnRef idx="1">
-              <a:schemeClr val="accent1"/>
-            </a:lnRef>
-            <a:fillRef idx="0">
-              <a:schemeClr val="accent1"/>
-            </a:fillRef>
-            <a:effectRef idx="0">
-              <a:schemeClr val="accent1"/>
-            </a:effectRef>
-            <a:fontRef idx="minor">
-              <a:schemeClr val="tx1"/>
-            </a:fontRef>
-          </p:style>
-        </p:cxnSp>
-        <p:cxnSp>
-          <p:nvCxnSpPr>
-            <p:cNvPr id="31" name="Straight Connector 30">
-              <a:extLst>
-                <a:ext uri="{FF2B5EF4-FFF2-40B4-BE49-F238E27FC236}">
-                  <a16:creationId xmlns:a16="http://schemas.microsoft.com/office/drawing/2014/main" id="{326953D7-154A-49A4-B2E1-D94D365EC461}"/>
-                </a:ext>
-                <a:ext uri="{C183D7F6-B498-43B3-948B-1728B52AA6E4}">
-                  <adec:decorative xmlns:adec="http://schemas.microsoft.com/office/drawing/2017/decorative" val="1"/>
-                </a:ext>
-              </a:extLst>
-            </p:cNvPr>
-            <p:cNvCxnSpPr>
-              <a:cxnSpLocks/>
-            </p:cNvCxnSpPr>
-            <p:nvPr>
-              <p:extLst>
-                <p:ext uri="{386F3935-93C4-4BCD-93E2-E3B085C9AB24}">
-                  <p16:designElem xmlns:p16="http://schemas.microsoft.com/office/powerpoint/2015/main" val="1"/>
-                </p:ext>
-              </p:extLst>
-            </p:nvPr>
-          </p:nvCxnSpPr>
-          <p:spPr>
-            <a:xfrm>
-              <a:off x="0" y="1800359"/>
-              <a:ext cx="12192000" cy="0"/>
-            </a:xfrm>
-            <a:prstGeom prst="line">
-              <a:avLst/>
-            </a:prstGeom>
-            <a:ln w="12700">
-              <a:solidFill>
-                <a:srgbClr val="BCBCBC">
-                  <a:alpha val="29804"/>
-                </a:srgbClr>
-              </a:solidFill>
-              <a:prstDash val="sysDot"/>
-            </a:ln>
-          </p:spPr>
-          <p:style>
-            <a:lnRef idx="1">
-              <a:schemeClr val="accent1"/>
-            </a:lnRef>
-            <a:fillRef idx="0">
-              <a:schemeClr val="accent1"/>
-            </a:fillRef>
-            <a:effectRef idx="0">
-              <a:schemeClr val="accent1"/>
-            </a:effectRef>
-            <a:fontRef idx="minor">
-              <a:schemeClr val="tx1"/>
-            </a:fontRef>
-          </p:style>
-        </p:cxnSp>
-        <p:cxnSp>
-          <p:nvCxnSpPr>
-            <p:cNvPr id="32" name="Straight Connector 31">
-              <a:extLst>
-                <a:ext uri="{FF2B5EF4-FFF2-40B4-BE49-F238E27FC236}">
-                  <a16:creationId xmlns:a16="http://schemas.microsoft.com/office/drawing/2014/main" id="{836E3E12-5D96-48DB-8320-6294287740AC}"/>
-                </a:ext>
-                <a:ext uri="{C183D7F6-B498-43B3-948B-1728B52AA6E4}">
-                  <adec:decorative xmlns:adec="http://schemas.microsoft.com/office/drawing/2017/decorative" val="1"/>
-                </a:ext>
-              </a:extLst>
-            </p:cNvPr>
-            <p:cNvCxnSpPr>
-              <a:cxnSpLocks/>
-            </p:cNvCxnSpPr>
-            <p:nvPr>
-              <p:extLst>
-                <p:ext uri="{386F3935-93C4-4BCD-93E2-E3B085C9AB24}">
-                  <p16:designElem xmlns:p16="http://schemas.microsoft.com/office/powerpoint/2015/main" val="1"/>
-                </p:ext>
-              </p:extLst>
-            </p:nvPr>
-          </p:nvCxnSpPr>
-          <p:spPr>
-            <a:xfrm>
-              <a:off x="0" y="2343240"/>
-              <a:ext cx="12192000" cy="0"/>
-            </a:xfrm>
-            <a:prstGeom prst="line">
-              <a:avLst/>
-            </a:prstGeom>
-            <a:ln w="12700">
-              <a:solidFill>
-                <a:srgbClr val="BCBCBC">
-                  <a:alpha val="29804"/>
-                </a:srgbClr>
-              </a:solidFill>
-              <a:prstDash val="sysDot"/>
-            </a:ln>
-          </p:spPr>
-          <p:style>
-            <a:lnRef idx="1">
-              <a:schemeClr val="accent1"/>
-            </a:lnRef>
-            <a:fillRef idx="0">
-              <a:schemeClr val="accent1"/>
-            </a:fillRef>
-            <a:effectRef idx="0">
-              <a:schemeClr val="accent1"/>
-            </a:effectRef>
-            <a:fontRef idx="minor">
-              <a:schemeClr val="tx1"/>
-            </a:fontRef>
-          </p:style>
-        </p:cxnSp>
-        <p:cxnSp>
-          <p:nvCxnSpPr>
-            <p:cNvPr id="33" name="Straight Connector 32">
-              <a:extLst>
-                <a:ext uri="{FF2B5EF4-FFF2-40B4-BE49-F238E27FC236}">
-                  <a16:creationId xmlns:a16="http://schemas.microsoft.com/office/drawing/2014/main" id="{7A059482-79BA-4E80-80A2-36FD8408DA34}"/>
-                </a:ext>
-                <a:ext uri="{C183D7F6-B498-43B3-948B-1728B52AA6E4}">
-                  <adec:decorative xmlns:adec="http://schemas.microsoft.com/office/drawing/2017/decorative" val="1"/>
-                </a:ext>
-              </a:extLst>
-            </p:cNvPr>
-            <p:cNvCxnSpPr>
-              <a:cxnSpLocks/>
-            </p:cNvCxnSpPr>
-            <p:nvPr>
-              <p:extLst>
-                <p:ext uri="{386F3935-93C4-4BCD-93E2-E3B085C9AB24}">
-                  <p16:designElem xmlns:p16="http://schemas.microsoft.com/office/powerpoint/2015/main" val="1"/>
-                </p:ext>
-              </p:extLst>
-            </p:nvPr>
-          </p:nvCxnSpPr>
-          <p:spPr>
-            <a:xfrm>
-              <a:off x="0" y="2886121"/>
-              <a:ext cx="12192000" cy="0"/>
-            </a:xfrm>
-            <a:prstGeom prst="line">
-              <a:avLst/>
-            </a:prstGeom>
-            <a:ln w="12700">
-              <a:solidFill>
-                <a:srgbClr val="BCBCBC">
-                  <a:alpha val="29804"/>
-                </a:srgbClr>
-              </a:solidFill>
-              <a:prstDash val="sysDot"/>
-            </a:ln>
-          </p:spPr>
-          <p:style>
-            <a:lnRef idx="1">
-              <a:schemeClr val="accent1"/>
-            </a:lnRef>
-            <a:fillRef idx="0">
-              <a:schemeClr val="accent1"/>
-            </a:fillRef>
-            <a:effectRef idx="0">
-              <a:schemeClr val="accent1"/>
-            </a:effectRef>
-            <a:fontRef idx="minor">
-              <a:schemeClr val="tx1"/>
-            </a:fontRef>
-          </p:style>
-        </p:cxnSp>
-        <p:cxnSp>
-          <p:nvCxnSpPr>
-            <p:cNvPr id="34" name="Straight Connector 33">
-              <a:extLst>
-                <a:ext uri="{FF2B5EF4-FFF2-40B4-BE49-F238E27FC236}">
-                  <a16:creationId xmlns:a16="http://schemas.microsoft.com/office/drawing/2014/main" id="{B4EF88B3-C210-433D-B20D-FE41B4D5F936}"/>
-                </a:ext>
-                <a:ext uri="{C183D7F6-B498-43B3-948B-1728B52AA6E4}">
-                  <adec:decorative xmlns:adec="http://schemas.microsoft.com/office/drawing/2017/decorative" val="1"/>
-                </a:ext>
-              </a:extLst>
-            </p:cNvPr>
-            <p:cNvCxnSpPr>
-              <a:cxnSpLocks/>
-            </p:cNvCxnSpPr>
-            <p:nvPr>
-              <p:extLst>
-                <p:ext uri="{386F3935-93C4-4BCD-93E2-E3B085C9AB24}">
-                  <p16:designElem xmlns:p16="http://schemas.microsoft.com/office/powerpoint/2015/main" val="1"/>
-                </p:ext>
-              </p:extLst>
-            </p:nvPr>
-          </p:nvCxnSpPr>
-          <p:spPr>
-            <a:xfrm>
-              <a:off x="0" y="3429002"/>
-              <a:ext cx="12192000" cy="0"/>
-            </a:xfrm>
-            <a:prstGeom prst="line">
-              <a:avLst/>
-            </a:prstGeom>
-            <a:ln w="12700">
-              <a:solidFill>
-                <a:srgbClr val="BCBCBC">
-                  <a:alpha val="29804"/>
-                </a:srgbClr>
-              </a:solidFill>
-              <a:prstDash val="sysDot"/>
-            </a:ln>
-          </p:spPr>
-          <p:style>
-            <a:lnRef idx="1">
-              <a:schemeClr val="accent1"/>
-            </a:lnRef>
-            <a:fillRef idx="0">
-              <a:schemeClr val="accent1"/>
-            </a:fillRef>
-            <a:effectRef idx="0">
-              <a:schemeClr val="accent1"/>
-            </a:effectRef>
-            <a:fontRef idx="minor">
-              <a:schemeClr val="tx1"/>
-            </a:fontRef>
-          </p:style>
-        </p:cxnSp>
-        <p:cxnSp>
-          <p:nvCxnSpPr>
-            <p:cNvPr id="35" name="Straight Connector 34">
-              <a:extLst>
-                <a:ext uri="{FF2B5EF4-FFF2-40B4-BE49-F238E27FC236}">
-                  <a16:creationId xmlns:a16="http://schemas.microsoft.com/office/drawing/2014/main" id="{53665D3E-61E7-4EDF-A208-56449D765C62}"/>
-                </a:ext>
-                <a:ext uri="{C183D7F6-B498-43B3-948B-1728B52AA6E4}">
-                  <adec:decorative xmlns:adec="http://schemas.microsoft.com/office/drawing/2017/decorative" val="1"/>
-                </a:ext>
-              </a:extLst>
-            </p:cNvPr>
-            <p:cNvCxnSpPr>
-              <a:cxnSpLocks/>
-            </p:cNvCxnSpPr>
-            <p:nvPr>
-              <p:extLst>
-                <p:ext uri="{386F3935-93C4-4BCD-93E2-E3B085C9AB24}">
-                  <p16:designElem xmlns:p16="http://schemas.microsoft.com/office/powerpoint/2015/main" val="1"/>
-                </p:ext>
-              </p:extLst>
-            </p:nvPr>
-          </p:nvCxnSpPr>
-          <p:spPr>
-            <a:xfrm>
-              <a:off x="0" y="3971883"/>
-              <a:ext cx="12192000" cy="0"/>
-            </a:xfrm>
-            <a:prstGeom prst="line">
-              <a:avLst/>
-            </a:prstGeom>
-            <a:ln w="12700">
-              <a:solidFill>
-                <a:srgbClr val="BCBCBC">
-                  <a:alpha val="29804"/>
-                </a:srgbClr>
-              </a:solidFill>
-              <a:prstDash val="sysDot"/>
-            </a:ln>
-          </p:spPr>
-          <p:style>
-            <a:lnRef idx="1">
-              <a:schemeClr val="accent1"/>
-            </a:lnRef>
-            <a:fillRef idx="0">
-              <a:schemeClr val="accent1"/>
-            </a:fillRef>
-            <a:effectRef idx="0">
-              <a:schemeClr val="accent1"/>
-            </a:effectRef>
-            <a:fontRef idx="minor">
-              <a:schemeClr val="tx1"/>
-            </a:fontRef>
-          </p:style>
-        </p:cxnSp>
-        <p:cxnSp>
-          <p:nvCxnSpPr>
-            <p:cNvPr id="36" name="Straight Connector 35">
-              <a:extLst>
-                <a:ext uri="{FF2B5EF4-FFF2-40B4-BE49-F238E27FC236}">
-                  <a16:creationId xmlns:a16="http://schemas.microsoft.com/office/drawing/2014/main" id="{874CF3B0-C9C3-4683-94A3-DC0AE1E74512}"/>
-                </a:ext>
-                <a:ext uri="{C183D7F6-B498-43B3-948B-1728B52AA6E4}">
-                  <adec:decorative xmlns:adec="http://schemas.microsoft.com/office/drawing/2017/decorative" val="1"/>
-                </a:ext>
-              </a:extLst>
-            </p:cNvPr>
-            <p:cNvCxnSpPr>
-              <a:cxnSpLocks/>
-            </p:cNvCxnSpPr>
-            <p:nvPr>
-              <p:extLst>
-                <p:ext uri="{386F3935-93C4-4BCD-93E2-E3B085C9AB24}">
-                  <p16:designElem xmlns:p16="http://schemas.microsoft.com/office/powerpoint/2015/main" val="1"/>
-                </p:ext>
-              </p:extLst>
-            </p:nvPr>
-          </p:nvCxnSpPr>
-          <p:spPr>
-            <a:xfrm>
-              <a:off x="0" y="4514764"/>
-              <a:ext cx="12192000" cy="0"/>
-            </a:xfrm>
-            <a:prstGeom prst="line">
-              <a:avLst/>
-            </a:prstGeom>
-            <a:ln w="12700">
-              <a:solidFill>
-                <a:srgbClr val="BCBCBC">
-                  <a:alpha val="29804"/>
-                </a:srgbClr>
-              </a:solidFill>
-              <a:prstDash val="sysDot"/>
-            </a:ln>
-          </p:spPr>
-          <p:style>
-            <a:lnRef idx="1">
-              <a:schemeClr val="accent1"/>
-            </a:lnRef>
-            <a:fillRef idx="0">
-              <a:schemeClr val="accent1"/>
-            </a:fillRef>
-            <a:effectRef idx="0">
-              <a:schemeClr val="accent1"/>
-            </a:effectRef>
-            <a:fontRef idx="minor">
-              <a:schemeClr val="tx1"/>
-            </a:fontRef>
-          </p:style>
-        </p:cxnSp>
-        <p:cxnSp>
-          <p:nvCxnSpPr>
-            <p:cNvPr id="37" name="Straight Connector 36">
-              <a:extLst>
-                <a:ext uri="{FF2B5EF4-FFF2-40B4-BE49-F238E27FC236}">
-                  <a16:creationId xmlns:a16="http://schemas.microsoft.com/office/drawing/2014/main" id="{7BE90EF9-6DF5-47F4-A069-9F613C81422A}"/>
-                </a:ext>
-                <a:ext uri="{C183D7F6-B498-43B3-948B-1728B52AA6E4}">
-                  <adec:decorative xmlns:adec="http://schemas.microsoft.com/office/drawing/2017/decorative" val="1"/>
-                </a:ext>
-              </a:extLst>
-            </p:cNvPr>
-            <p:cNvCxnSpPr>
-              <a:cxnSpLocks/>
-            </p:cNvCxnSpPr>
-            <p:nvPr>
-              <p:extLst>
-                <p:ext uri="{386F3935-93C4-4BCD-93E2-E3B085C9AB24}">
-                  <p16:designElem xmlns:p16="http://schemas.microsoft.com/office/powerpoint/2015/main" val="1"/>
-                </p:ext>
-              </p:extLst>
-            </p:nvPr>
-          </p:nvCxnSpPr>
-          <p:spPr>
-            <a:xfrm>
-              <a:off x="0" y="5057645"/>
-              <a:ext cx="12192000" cy="0"/>
-            </a:xfrm>
-            <a:prstGeom prst="line">
-              <a:avLst/>
-            </a:prstGeom>
-            <a:ln w="12700">
-              <a:solidFill>
-                <a:srgbClr val="BCBCBC">
-                  <a:alpha val="29804"/>
-                </a:srgbClr>
-              </a:solidFill>
-              <a:prstDash val="sysDot"/>
-            </a:ln>
-          </p:spPr>
-          <p:style>
-            <a:lnRef idx="1">
-              <a:schemeClr val="accent1"/>
-            </a:lnRef>
-            <a:fillRef idx="0">
-              <a:schemeClr val="accent1"/>
-            </a:fillRef>
-            <a:effectRef idx="0">
-              <a:schemeClr val="accent1"/>
-            </a:effectRef>
-            <a:fontRef idx="minor">
-              <a:schemeClr val="tx1"/>
-            </a:fontRef>
-          </p:style>
-        </p:cxnSp>
-        <p:cxnSp>
-          <p:nvCxnSpPr>
-            <p:cNvPr id="38" name="Straight Connector 37">
-              <a:extLst>
-                <a:ext uri="{FF2B5EF4-FFF2-40B4-BE49-F238E27FC236}">
-                  <a16:creationId xmlns:a16="http://schemas.microsoft.com/office/drawing/2014/main" id="{F844EBDE-5A9F-4E9F-8A55-57FB9E979798}"/>
-                </a:ext>
-                <a:ext uri="{C183D7F6-B498-43B3-948B-1728B52AA6E4}">
-                  <adec:decorative xmlns:adec="http://schemas.microsoft.com/office/drawing/2017/decorative" val="1"/>
-                </a:ext>
-              </a:extLst>
-            </p:cNvPr>
-            <p:cNvCxnSpPr>
-              <a:cxnSpLocks/>
-            </p:cNvCxnSpPr>
-            <p:nvPr>
-              <p:extLst>
-                <p:ext uri="{386F3935-93C4-4BCD-93E2-E3B085C9AB24}">
-                  <p16:designElem xmlns:p16="http://schemas.microsoft.com/office/powerpoint/2015/main" val="1"/>
-                </p:ext>
-              </p:extLst>
-            </p:nvPr>
-          </p:nvCxnSpPr>
-          <p:spPr>
-            <a:xfrm>
-              <a:off x="0" y="5600526"/>
-              <a:ext cx="12192000" cy="0"/>
-            </a:xfrm>
-            <a:prstGeom prst="line">
-              <a:avLst/>
-            </a:prstGeom>
-            <a:ln w="12700">
-              <a:solidFill>
-                <a:srgbClr val="BCBCBC">
-                  <a:alpha val="29804"/>
-                </a:srgbClr>
-              </a:solidFill>
-              <a:prstDash val="sysDot"/>
-            </a:ln>
-          </p:spPr>
-          <p:style>
-            <a:lnRef idx="1">
-              <a:schemeClr val="accent1"/>
-            </a:lnRef>
-            <a:fillRef idx="0">
-              <a:schemeClr val="accent1"/>
-            </a:fillRef>
-            <a:effectRef idx="0">
-              <a:schemeClr val="accent1"/>
-            </a:effectRef>
-            <a:fontRef idx="minor">
-              <a:schemeClr val="tx1"/>
-            </a:fontRef>
-          </p:style>
-        </p:cxnSp>
-        <p:cxnSp>
-          <p:nvCxnSpPr>
-            <p:cNvPr id="39" name="Straight Connector 38">
-              <a:extLst>
-                <a:ext uri="{FF2B5EF4-FFF2-40B4-BE49-F238E27FC236}">
-                  <a16:creationId xmlns:a16="http://schemas.microsoft.com/office/drawing/2014/main" id="{6491FC45-82C4-40CD-8D0C-0A2F86E8A1EE}"/>
-                </a:ext>
-                <a:ext uri="{C183D7F6-B498-43B3-948B-1728B52AA6E4}">
-                  <adec:decorative xmlns:adec="http://schemas.microsoft.com/office/drawing/2017/decorative" val="1"/>
-                </a:ext>
-              </a:extLst>
-            </p:cNvPr>
-            <p:cNvCxnSpPr>
-              <a:cxnSpLocks/>
-            </p:cNvCxnSpPr>
-            <p:nvPr>
-              <p:extLst>
-                <p:ext uri="{386F3935-93C4-4BCD-93E2-E3B085C9AB24}">
-                  <p16:designElem xmlns:p16="http://schemas.microsoft.com/office/powerpoint/2015/main" val="1"/>
-                </p:ext>
-              </p:extLst>
-            </p:nvPr>
-          </p:nvCxnSpPr>
-          <p:spPr>
-            <a:xfrm>
-              <a:off x="0" y="6857999"/>
-              <a:ext cx="12192000" cy="0"/>
-            </a:xfrm>
-            <a:prstGeom prst="line">
-              <a:avLst/>
-            </a:prstGeom>
-            <a:ln w="12700">
-              <a:solidFill>
-                <a:srgbClr val="BCBCBC">
-                  <a:alpha val="29804"/>
-                </a:srgbClr>
-              </a:solidFill>
-              <a:prstDash val="sysDot"/>
-            </a:ln>
-          </p:spPr>
-          <p:style>
-            <a:lnRef idx="1">
-              <a:schemeClr val="accent1"/>
-            </a:lnRef>
-            <a:fillRef idx="0">
-              <a:schemeClr val="accent1"/>
-            </a:fillRef>
-            <a:effectRef idx="0">
-              <a:schemeClr val="accent1"/>
-            </a:effectRef>
-            <a:fontRef idx="minor">
-              <a:schemeClr val="tx1"/>
-            </a:fontRef>
-          </p:style>
-        </p:cxnSp>
-        <p:cxnSp>
-          <p:nvCxnSpPr>
-            <p:cNvPr id="40" name="Straight Connector 39">
-              <a:extLst>
-                <a:ext uri="{FF2B5EF4-FFF2-40B4-BE49-F238E27FC236}">
-                  <a16:creationId xmlns:a16="http://schemas.microsoft.com/office/drawing/2014/main" id="{71AD0FE3-6144-4171-943E-0E65D08E806C}"/>
-                </a:ext>
-                <a:ext uri="{C183D7F6-B498-43B3-948B-1728B52AA6E4}">
-                  <adec:decorative xmlns:adec="http://schemas.microsoft.com/office/drawing/2017/decorative" val="1"/>
-                </a:ext>
-              </a:extLst>
-            </p:cNvPr>
-            <p:cNvCxnSpPr>
-              <a:cxnSpLocks/>
-            </p:cNvCxnSpPr>
-            <p:nvPr>
-              <p:extLst>
-                <p:ext uri="{386F3935-93C4-4BCD-93E2-E3B085C9AB24}">
-                  <p16:designElem xmlns:p16="http://schemas.microsoft.com/office/powerpoint/2015/main" val="1"/>
-                </p:ext>
-              </p:extLst>
-            </p:nvPr>
-          </p:nvCxnSpPr>
-          <p:spPr>
-            <a:xfrm>
-              <a:off x="16613" y="6143407"/>
-              <a:ext cx="12192000" cy="0"/>
-            </a:xfrm>
-            <a:prstGeom prst="line">
-              <a:avLst/>
-            </a:prstGeom>
-            <a:ln w="12700">
-              <a:solidFill>
-                <a:srgbClr val="BCBCBC">
-                  <a:alpha val="29804"/>
-                </a:srgbClr>
-              </a:solidFill>
-              <a:prstDash val="sysDot"/>
-            </a:ln>
-          </p:spPr>
-          <p:style>
-            <a:lnRef idx="1">
-              <a:schemeClr val="accent1"/>
-            </a:lnRef>
-            <a:fillRef idx="0">
-              <a:schemeClr val="accent1"/>
-            </a:fillRef>
-            <a:effectRef idx="0">
-              <a:schemeClr val="accent1"/>
-            </a:effectRef>
-            <a:fontRef idx="minor">
-              <a:schemeClr val="tx1"/>
-            </a:fontRef>
-          </p:style>
-        </p:cxnSp>
-        <p:cxnSp>
-          <p:nvCxnSpPr>
-            <p:cNvPr id="41" name="Straight Connector 40">
-              <a:extLst>
-                <a:ext uri="{FF2B5EF4-FFF2-40B4-BE49-F238E27FC236}">
-                  <a16:creationId xmlns:a16="http://schemas.microsoft.com/office/drawing/2014/main" id="{A7BA4499-5E6A-4998-A0F4-614E65552B8C}"/>
-                </a:ext>
-                <a:ext uri="{C183D7F6-B498-43B3-948B-1728B52AA6E4}">
-                  <adec:decorative xmlns:adec="http://schemas.microsoft.com/office/drawing/2017/decorative" val="1"/>
-                </a:ext>
-              </a:extLst>
-            </p:cNvPr>
-            <p:cNvCxnSpPr>
-              <a:cxnSpLocks/>
-            </p:cNvCxnSpPr>
-            <p:nvPr>
-              <p:extLst>
-                <p:ext uri="{386F3935-93C4-4BCD-93E2-E3B085C9AB24}">
-                  <p16:designElem xmlns:p16="http://schemas.microsoft.com/office/powerpoint/2015/main" val="1"/>
-                </p:ext>
-              </p:extLst>
-            </p:nvPr>
-          </p:nvCxnSpPr>
-          <p:spPr>
-            <a:xfrm>
-              <a:off x="684225" y="171716"/>
-              <a:ext cx="0" cy="6511464"/>
-            </a:xfrm>
-            <a:prstGeom prst="line">
-              <a:avLst/>
-            </a:prstGeom>
-            <a:ln w="12700">
-              <a:solidFill>
-                <a:srgbClr val="BCBCBC">
-                  <a:alpha val="29804"/>
-                </a:srgbClr>
-              </a:solidFill>
-              <a:prstDash val="sysDot"/>
-            </a:ln>
-          </p:spPr>
-          <p:style>
-            <a:lnRef idx="1">
-              <a:schemeClr val="accent1"/>
-            </a:lnRef>
-            <a:fillRef idx="0">
-              <a:schemeClr val="accent1"/>
-            </a:fillRef>
-            <a:effectRef idx="0">
-              <a:schemeClr val="accent1"/>
-            </a:effectRef>
-            <a:fontRef idx="minor">
-              <a:schemeClr val="tx1"/>
-            </a:fontRef>
-          </p:style>
-        </p:cxnSp>
-        <p:cxnSp>
-          <p:nvCxnSpPr>
-            <p:cNvPr id="42" name="Straight Connector 41">
-              <a:extLst>
-                <a:ext uri="{FF2B5EF4-FFF2-40B4-BE49-F238E27FC236}">
-                  <a16:creationId xmlns:a16="http://schemas.microsoft.com/office/drawing/2014/main" id="{CAFE7A6F-A7F0-4406-809F-E23FCB201E3B}"/>
-                </a:ext>
-                <a:ext uri="{C183D7F6-B498-43B3-948B-1728B52AA6E4}">
-                  <adec:decorative xmlns:adec="http://schemas.microsoft.com/office/drawing/2017/decorative" val="1"/>
-                </a:ext>
-              </a:extLst>
-            </p:cNvPr>
-            <p:cNvCxnSpPr>
-              <a:cxnSpLocks/>
-            </p:cNvCxnSpPr>
-            <p:nvPr>
-              <p:extLst>
-                <p:ext uri="{386F3935-93C4-4BCD-93E2-E3B085C9AB24}">
-                  <p16:designElem xmlns:p16="http://schemas.microsoft.com/office/powerpoint/2015/main" val="1"/>
-                </p:ext>
-              </p:extLst>
-            </p:nvPr>
-          </p:nvCxnSpPr>
-          <p:spPr>
-            <a:xfrm>
-              <a:off x="11508412" y="173267"/>
-              <a:ext cx="0" cy="6511464"/>
-            </a:xfrm>
-            <a:prstGeom prst="line">
-              <a:avLst/>
-            </a:prstGeom>
-            <a:ln w="12700">
-              <a:solidFill>
-                <a:srgbClr val="BCBCBC">
-                  <a:alpha val="29804"/>
-                </a:srgbClr>
-              </a:solidFill>
-              <a:prstDash val="sysDot"/>
-            </a:ln>
-          </p:spPr>
-          <p:style>
-            <a:lnRef idx="1">
-              <a:schemeClr val="accent1"/>
-            </a:lnRef>
-            <a:fillRef idx="0">
-              <a:schemeClr val="accent1"/>
-            </a:fillRef>
-            <a:effectRef idx="0">
-              <a:schemeClr val="accent1"/>
-            </a:effectRef>
-            <a:fontRef idx="minor">
-              <a:schemeClr val="tx1"/>
-            </a:fontRef>
-          </p:style>
-        </p:cxnSp>
-      </p:grpSp>
-      <p:sp>
-        <p:nvSpPr>
-          <p:cNvPr id="2" name="Title 1">
-            <a:extLst>
-              <a:ext uri="{FF2B5EF4-FFF2-40B4-BE49-F238E27FC236}">
-                <a16:creationId xmlns:a16="http://schemas.microsoft.com/office/drawing/2014/main" id="{6354474F-466A-B381-DDF9-E0D7D5BC02F2}"/>
-              </a:ext>
-            </a:extLst>
-          </p:cNvPr>
-          <p:cNvSpPr>
-            <a:spLocks noGrp="1"/>
-          </p:cNvSpPr>
-          <p:nvPr>
-            <p:ph type="title"/>
-          </p:nvPr>
-        </p:nvSpPr>
-        <p:spPr>
-          <a:xfrm>
-            <a:off x="691079" y="1349953"/>
-            <a:ext cx="4927425" cy="1938525"/>
-          </a:xfrm>
-        </p:spPr>
-        <p:txBody>
-          <a:bodyPr>
-            <a:normAutofit fontScale="90000"/>
-          </a:bodyPr>
-          <a:lstStyle/>
-          <a:p>
-            <a:r>
-              <a:rPr lang="en-US"/>
-              <a:t>Jiorgos Miskakis, </a:t>
-            </a:r>
-            <a:r>
-              <a:rPr lang="en-US" err="1"/>
-              <a:t>EvidentScientific</a:t>
-            </a:r>
-            <a:r>
-              <a:rPr lang="en-US"/>
-              <a:t> EMEA CISO</a:t>
-            </a:r>
-            <a:br>
-              <a:rPr lang="en-US"/>
-            </a:br>
-            <a:r>
-              <a:rPr lang="pt-BR" sz="1200"/>
-              <a:t>ISACA CISM,CISA,CDPSE,CRISC, </a:t>
-            </a:r>
-            <a:br>
-              <a:rPr lang="pt-BR" sz="1200"/>
-            </a:br>
-            <a:r>
-              <a:rPr lang="pt-BR" sz="1200"/>
-              <a:t>PECB ISO27K Auditor&amp;Implementer, </a:t>
-            </a:r>
-            <a:br>
-              <a:rPr lang="pt-BR" sz="1200"/>
-            </a:br>
-            <a:r>
-              <a:rPr lang="pt-BR" sz="1200"/>
-              <a:t>ITIL v3</a:t>
-            </a:r>
-            <a:br>
-              <a:rPr lang="en-US" sz="4400"/>
-            </a:br>
-            <a:endParaRPr lang="en-US"/>
-          </a:p>
-        </p:txBody>
-      </p:sp>
-      <p:sp>
-        <p:nvSpPr>
-          <p:cNvPr id="44" name="Right Triangle 43">
-            <a:extLst>
-              <a:ext uri="{FF2B5EF4-FFF2-40B4-BE49-F238E27FC236}">
-                <a16:creationId xmlns:a16="http://schemas.microsoft.com/office/drawing/2014/main" id="{BEAC0A80-07D3-49CB-87C3-BC34F219DFF7}"/>
-              </a:ext>
-              <a:ext uri="{C183D7F6-B498-43B3-948B-1728B52AA6E4}">
-                <adec:decorative xmlns:adec="http://schemas.microsoft.com/office/drawing/2017/decorative" val="1"/>
-              </a:ext>
-            </a:extLst>
-          </p:cNvPr>
-          <p:cNvSpPr>
-            <a:spLocks noGrp="1" noRot="1" noChangeAspect="1" noMove="1" noResize="1" noEditPoints="1" noAdjustHandles="1" noChangeArrowheads="1" noChangeShapeType="1" noTextEdit="1"/>
-          </p:cNvSpPr>
-          <p:nvPr>
-            <p:extLst>
-              <p:ext uri="{386F3935-93C4-4BCD-93E2-E3B085C9AB24}">
-                <p16:designElem xmlns:p16="http://schemas.microsoft.com/office/powerpoint/2015/main" val="1"/>
-              </p:ext>
-            </p:extLst>
-          </p:nvPr>
-        </p:nvSpPr>
-        <p:spPr>
-          <a:xfrm rot="13500000">
-            <a:off x="-279641" y="2064057"/>
-            <a:ext cx="568289" cy="568289"/>
-          </a:xfrm>
-          <a:prstGeom prst="rtTriangle">
-            <a:avLst/>
-          </a:prstGeom>
-          <a:solidFill>
-            <a:schemeClr val="accent1">
-              <a:alpha val="50000"/>
-            </a:schemeClr>
-          </a:solidFill>
-          <a:ln>
-            <a:noFill/>
-          </a:ln>
-        </p:spPr>
-        <p:style>
-          <a:lnRef idx="2">
-            <a:schemeClr val="accent1">
-              <a:shade val="50000"/>
-            </a:schemeClr>
-          </a:lnRef>
-          <a:fillRef idx="1">
-            <a:schemeClr val="accent1"/>
-          </a:fillRef>
-          <a:effectRef idx="0">
-            <a:schemeClr val="accent1"/>
-          </a:effectRef>
-          <a:fontRef idx="minor">
-            <a:schemeClr val="lt1"/>
-          </a:fontRef>
-        </p:style>
-        <p:txBody>
-          <a:bodyPr rtlCol="0" anchor="ctr"/>
-          <a:lstStyle/>
-          <a:p>
-            <a:pPr algn="ctr"/>
-            <a:endParaRPr lang="en-US">
-              <a:solidFill>
-                <a:schemeClr val="tx1"/>
-              </a:solidFill>
-            </a:endParaRPr>
-          </a:p>
-        </p:txBody>
-      </p:sp>
-      <p:sp>
-        <p:nvSpPr>
-          <p:cNvPr id="3" name="Content Placeholder 2">
-            <a:extLst>
-              <a:ext uri="{FF2B5EF4-FFF2-40B4-BE49-F238E27FC236}">
-                <a16:creationId xmlns:a16="http://schemas.microsoft.com/office/drawing/2014/main" id="{21D46984-A656-ACE8-3578-B20AE15C7B1D}"/>
-              </a:ext>
-            </a:extLst>
-          </p:cNvPr>
-          <p:cNvSpPr>
-            <a:spLocks noGrp="1"/>
-          </p:cNvSpPr>
-          <p:nvPr>
-            <p:ph idx="1"/>
-          </p:nvPr>
-        </p:nvSpPr>
-        <p:spPr>
-          <a:xfrm>
-            <a:off x="691079" y="2886116"/>
-            <a:ext cx="4927425" cy="3245931"/>
-          </a:xfrm>
-        </p:spPr>
-        <p:txBody>
-          <a:bodyPr>
-            <a:normAutofit/>
-          </a:bodyPr>
-          <a:lstStyle/>
-          <a:p>
-            <a:pPr marL="0" indent="0">
-              <a:buNone/>
-            </a:pPr>
-            <a:r>
-              <a:rPr lang="en-US" dirty="0"/>
-              <a:t>The company produces:</a:t>
-            </a:r>
-          </a:p>
-          <a:p>
-            <a:pPr marL="0" indent="0">
-              <a:buNone/>
-            </a:pPr>
-            <a:endParaRPr lang="en-US" dirty="0"/>
-          </a:p>
-          <a:p>
-            <a:r>
-              <a:rPr lang="en-US" dirty="0"/>
-              <a:t>Microscopes</a:t>
-            </a:r>
-          </a:p>
-          <a:p>
-            <a:r>
-              <a:rPr lang="en-US" dirty="0" err="1"/>
-              <a:t>Endscopes</a:t>
-            </a:r>
-            <a:endParaRPr lang="en-US" dirty="0"/>
-          </a:p>
-          <a:p>
-            <a:endParaRPr lang="en-US" dirty="0"/>
-          </a:p>
-          <a:p>
-            <a:pPr marL="0" indent="0">
-              <a:buNone/>
-            </a:pPr>
-            <a:r>
-              <a:rPr lang="en-US" dirty="0"/>
-              <a:t>for industrial or health science usage</a:t>
-            </a:r>
-          </a:p>
-        </p:txBody>
-      </p:sp>
-      <p:pic>
-        <p:nvPicPr>
-          <p:cNvPr id="4" name="Picture 2" descr="A pattern of coloured wooden pathways">
-            <a:extLst>
-              <a:ext uri="{FF2B5EF4-FFF2-40B4-BE49-F238E27FC236}">
-                <a16:creationId xmlns:a16="http://schemas.microsoft.com/office/drawing/2014/main" id="{238FFF24-DFEB-3EA9-D0C3-8010BEF560D1}"/>
-              </a:ext>
-            </a:extLst>
-          </p:cNvPr>
-          <p:cNvPicPr>
-            <a:picLocks noChangeAspect="1"/>
-          </p:cNvPicPr>
-          <p:nvPr/>
-        </p:nvPicPr>
-        <p:blipFill rotWithShape="1">
-          <a:blip r:embed="rId2">
-            <a:alphaModFix amt="80000"/>
-          </a:blip>
-          <a:srcRect l="26658" r="14236" b="1"/>
-          <a:stretch/>
-        </p:blipFill>
-        <p:spPr>
-          <a:xfrm>
-            <a:off x="6097316" y="-3108"/>
-            <a:ext cx="6098262" cy="6861108"/>
-          </a:xfrm>
-          <a:custGeom>
-            <a:avLst/>
-            <a:gdLst/>
-            <a:ahLst/>
-            <a:cxnLst/>
-            <a:rect l="l" t="t" r="r" b="b"/>
-            <a:pathLst>
-              <a:path w="6129950" h="6861439">
-                <a:moveTo>
-                  <a:pt x="1687527" y="0"/>
-                </a:moveTo>
-                <a:lnTo>
-                  <a:pt x="6129950" y="0"/>
-                </a:lnTo>
-                <a:lnTo>
-                  <a:pt x="6129950" y="6858000"/>
-                </a:lnTo>
-                <a:lnTo>
-                  <a:pt x="5040333" y="6858000"/>
-                </a:lnTo>
-                <a:lnTo>
-                  <a:pt x="5040333" y="6861439"/>
-                </a:lnTo>
-                <a:lnTo>
-                  <a:pt x="272442" y="6861439"/>
-                </a:lnTo>
-                <a:lnTo>
-                  <a:pt x="196402" y="6549696"/>
-                </a:lnTo>
-                <a:cubicBezTo>
-                  <a:pt x="-517926" y="3427393"/>
-                  <a:pt x="946083" y="3323532"/>
-                  <a:pt x="946083" y="1"/>
-                </a:cubicBezTo>
-                <a:lnTo>
-                  <a:pt x="1687527" y="1"/>
-                </a:lnTo>
-                <a:close/>
-              </a:path>
-            </a:pathLst>
-          </a:custGeom>
-        </p:spPr>
-      </p:pic>
-    </p:spTree>
-    <p:extLst>
-      <p:ext uri="{BB962C8B-B14F-4D97-AF65-F5344CB8AC3E}">
-        <p14:creationId xmlns:p14="http://schemas.microsoft.com/office/powerpoint/2010/main" val="850788337"/>
-      </p:ext>
-    </p:extLst>
-  </p:cSld>
-  <p:clrMapOvr>
-    <a:masterClrMapping/>
-  </p:clrMapOvr>
-</p:sld>
-</file>
-
-<file path=ppt/slides/slide3.xml><?xml version="1.0" encoding="utf-8"?>
-<p:sld xmlns:a="http://schemas.openxmlformats.org/drawingml/2006/main" xmlns:r="http://schemas.openxmlformats.org/officeDocument/2006/relationships" xmlns:p="http://schemas.openxmlformats.org/presentationml/2006/main">
-  <p:cSld>
-    <p:bg>
-      <p:bgPr>
-        <a:solidFill>
-          <a:schemeClr val="bg1"/>
-        </a:solidFill>
-        <a:effectLst/>
-      </p:bgPr>
-    </p:bg>
-    <p:spTree>
-      <p:nvGrpSpPr>
-        <p:cNvPr id="1" name=""/>
-        <p:cNvGrpSpPr/>
-        <p:nvPr/>
-      </p:nvGrpSpPr>
-      <p:grpSpPr>
-        <a:xfrm>
-          <a:off x="0" y="0"/>
-          <a:ext cx="0" cy="0"/>
-          <a:chOff x="0" y="0"/>
-          <a:chExt cx="0" cy="0"/>
-        </a:xfrm>
-      </p:grpSpPr>
-      <p:sp useBgFill="1">
-        <p:nvSpPr>
           <p:cNvPr id="196" name="Rectangle 158">
             <a:extLst>
               <a:ext uri="{FF2B5EF4-FFF2-40B4-BE49-F238E27FC236}">
@@ -33071,7 +31200,7 @@
 </p:sld>
 </file>
 
-<file path=ppt/slides/slide4.xml><?xml version="1.0" encoding="utf-8"?>
+<file path=ppt/slides/slide3.xml><?xml version="1.0" encoding="utf-8"?>
 <p:sld xmlns:a="http://schemas.openxmlformats.org/drawingml/2006/main" xmlns:r="http://schemas.openxmlformats.org/officeDocument/2006/relationships" xmlns:p="http://schemas.openxmlformats.org/presentationml/2006/main">
   <p:cSld>
     <p:bg>
@@ -35046,12 +33175,12 @@
               <a:buChar char="§"/>
             </a:pPr>
             <a:r>
-              <a:rPr lang="en-GB">
+              <a:rPr lang="en-GB" dirty="0">
                 <a:solidFill>
                   <a:schemeClr val="tx2"/>
                 </a:solidFill>
               </a:rPr>
-              <a:t>Mostly to Staffing need</a:t>
+              <a:t>Explanation needed</a:t>
             </a:r>
           </a:p>
           <a:p>
@@ -35073,7 +33202,7 @@
               <a:buChar char="§"/>
             </a:pPr>
             <a:r>
-              <a:rPr lang="en-GB">
+              <a:rPr lang="en-GB" dirty="0">
                 <a:solidFill>
                   <a:schemeClr val="tx2"/>
                 </a:solidFill>
@@ -35100,14 +33229,14 @@
               <a:buChar char="§"/>
             </a:pPr>
             <a:r>
-              <a:rPr lang="en-GB">
+              <a:rPr lang="en-GB" dirty="0">
                 <a:solidFill>
                   <a:schemeClr val="tx2"/>
                 </a:solidFill>
               </a:rPr>
               <a:t>Lengthy ….. discussions</a:t>
             </a:r>
-            <a:endParaRPr lang="en-US">
+            <a:endParaRPr lang="en-US" dirty="0">
               <a:solidFill>
                 <a:schemeClr val="tx2"/>
               </a:solidFill>
@@ -35115,64 +33244,6 @@
           </a:p>
         </p:txBody>
       </p:sp>
-      <p:pic>
-        <p:nvPicPr>
-          <p:cNvPr id="5" name="Picture 4" descr="A basketball on a bench">
-            <a:extLst>
-              <a:ext uri="{FF2B5EF4-FFF2-40B4-BE49-F238E27FC236}">
-                <a16:creationId xmlns:a16="http://schemas.microsoft.com/office/drawing/2014/main" id="{E43E56E6-9DF0-5449-E46B-172AEA0B3DEA}"/>
-              </a:ext>
-            </a:extLst>
-          </p:cNvPr>
-          <p:cNvPicPr>
-            <a:picLocks noChangeAspect="1"/>
-          </p:cNvPicPr>
-          <p:nvPr/>
-        </p:nvPicPr>
-        <p:blipFill rotWithShape="1">
-          <a:blip r:embed="rId2"/>
-          <a:srcRect t="15730"/>
-          <a:stretch/>
-        </p:blipFill>
-        <p:spPr>
-          <a:xfrm>
-            <a:off x="3818710" y="-19533"/>
-            <a:ext cx="8363912" cy="6877533"/>
-          </a:xfrm>
-          <a:custGeom>
-            <a:avLst/>
-            <a:gdLst/>
-            <a:ahLst/>
-            <a:cxnLst/>
-            <a:rect l="l" t="t" r="r" b="b"/>
-            <a:pathLst>
-              <a:path w="5923149" h="6857997">
-                <a:moveTo>
-                  <a:pt x="320173" y="0"/>
-                </a:moveTo>
-                <a:lnTo>
-                  <a:pt x="5923149" y="0"/>
-                </a:lnTo>
-                <a:lnTo>
-                  <a:pt x="5923149" y="6857997"/>
-                </a:lnTo>
-                <a:lnTo>
-                  <a:pt x="1111789" y="6857997"/>
-                </a:lnTo>
-                <a:lnTo>
-                  <a:pt x="1106562" y="6546368"/>
-                </a:lnTo>
-                <a:cubicBezTo>
-                  <a:pt x="1000021" y="3425651"/>
-                  <a:pt x="-688878" y="3321843"/>
-                  <a:pt x="320173" y="0"/>
-                </a:cubicBezTo>
-                <a:close/>
-              </a:path>
-            </a:pathLst>
-          </a:custGeom>
-        </p:spPr>
-      </p:pic>
       <p:pic>
         <p:nvPicPr>
           <p:cNvPr id="6" name="Graphic 5" descr="Office worker male with solid fill">
@@ -35188,13 +33259,13 @@
           <p:nvPr/>
         </p:nvPicPr>
         <p:blipFill>
-          <a:blip r:embed="rId3">
+          <a:blip r:embed="rId2">
             <a:extLst>
               <a:ext uri="{28A0092B-C50C-407E-A947-70E740481C1C}">
                 <a14:useLocalDpi xmlns:a14="http://schemas.microsoft.com/office/drawing/2010/main" val="0"/>
               </a:ext>
               <a:ext uri="{96DAC541-7B7A-43D3-8B79-37D633B846F1}">
-                <asvg:svgBlip xmlns:asvg="http://schemas.microsoft.com/office/drawing/2016/SVG/main" r:embed="rId4"/>
+                <asvg:svgBlip xmlns:asvg="http://schemas.microsoft.com/office/drawing/2016/SVG/main" r:embed="rId3"/>
               </a:ext>
             </a:extLst>
           </a:blip>
@@ -35204,7 +33275,7 @@
         </p:blipFill>
         <p:spPr>
           <a:xfrm>
-            <a:off x="9449961" y="2801206"/>
+            <a:off x="9536586" y="2839706"/>
             <a:ext cx="914400" cy="914400"/>
           </a:xfrm>
           <a:prstGeom prst="rect">
@@ -35227,13 +33298,13 @@
           <p:nvPr/>
         </p:nvPicPr>
         <p:blipFill>
-          <a:blip r:embed="rId5">
+          <a:blip r:embed="rId4">
             <a:extLst>
               <a:ext uri="{28A0092B-C50C-407E-A947-70E740481C1C}">
                 <a14:useLocalDpi xmlns:a14="http://schemas.microsoft.com/office/drawing/2010/main" val="0"/>
               </a:ext>
               <a:ext uri="{96DAC541-7B7A-43D3-8B79-37D633B846F1}">
-                <asvg:svgBlip xmlns:asvg="http://schemas.microsoft.com/office/drawing/2016/SVG/main" r:embed="rId6"/>
+                <asvg:svgBlip xmlns:asvg="http://schemas.microsoft.com/office/drawing/2016/SVG/main" r:embed="rId5"/>
               </a:ext>
             </a:extLst>
           </a:blip>
@@ -35344,13 +33415,13 @@
           <p:nvPr/>
         </p:nvPicPr>
         <p:blipFill>
-          <a:blip r:embed="rId7">
+          <a:blip r:embed="rId6">
             <a:extLst>
               <a:ext uri="{28A0092B-C50C-407E-A947-70E740481C1C}">
                 <a14:useLocalDpi xmlns:a14="http://schemas.microsoft.com/office/drawing/2010/main" val="0"/>
               </a:ext>
               <a:ext uri="{96DAC541-7B7A-43D3-8B79-37D633B846F1}">
-                <asvg:svgBlip xmlns:asvg="http://schemas.microsoft.com/office/drawing/2016/SVG/main" r:embed="rId8"/>
+                <asvg:svgBlip xmlns:asvg="http://schemas.microsoft.com/office/drawing/2016/SVG/main" r:embed="rId7"/>
               </a:ext>
             </a:extLst>
           </a:blip>
@@ -35454,7 +33525,7 @@
 </p:sld>
 </file>
 
-<file path=ppt/slides/slide5.xml><?xml version="1.0" encoding="utf-8"?>
+<file path=ppt/slides/slide4.xml><?xml version="1.0" encoding="utf-8"?>
 <p:sld xmlns:a="http://schemas.openxmlformats.org/drawingml/2006/main" xmlns:r="http://schemas.openxmlformats.org/officeDocument/2006/relationships" xmlns:p="http://schemas.openxmlformats.org/presentationml/2006/main">
   <p:cSld>
     <p:bg>
@@ -37356,7 +35427,7 @@
         </p:blipFill>
         <p:spPr>
           <a:xfrm>
-            <a:off x="20" y="10"/>
+            <a:off x="-133422" y="-135102"/>
             <a:ext cx="12191980" cy="6857989"/>
           </a:xfrm>
           <a:prstGeom prst="rect">
@@ -39190,7 +37261,7 @@
         </p:nvSpPr>
         <p:spPr>
           <a:xfrm>
-            <a:off x="6285420" y="1660888"/>
+            <a:off x="6967788" y="2390054"/>
             <a:ext cx="4783048" cy="2682160"/>
           </a:xfrm>
         </p:spPr>
@@ -39228,7 +37299,7 @@
 </p:sld>
 </file>
 
-<file path=ppt/slides/slide6.xml><?xml version="1.0" encoding="utf-8"?>
+<file path=ppt/slides/slide5.xml><?xml version="1.0" encoding="utf-8"?>
 <p:sld xmlns:a="http://schemas.openxmlformats.org/drawingml/2006/main" xmlns:r="http://schemas.openxmlformats.org/officeDocument/2006/relationships" xmlns:p="http://schemas.openxmlformats.org/presentationml/2006/main">
   <p:cSld>
     <p:bg>
@@ -41214,7 +39285,7 @@
 </p:sld>
 </file>
 
-<file path=ppt/slides/slide7.xml><?xml version="1.0" encoding="utf-8"?>
+<file path=ppt/slides/slide6.xml><?xml version="1.0" encoding="utf-8"?>
 <p:sld xmlns:a="http://schemas.openxmlformats.org/drawingml/2006/main" xmlns:r="http://schemas.openxmlformats.org/officeDocument/2006/relationships" xmlns:p="http://schemas.openxmlformats.org/presentationml/2006/main">
   <p:cSld>
     <p:bg>
@@ -43200,7 +41271,7 @@
 </p:sld>
 </file>
 
-<file path=ppt/slides/slide8.xml><?xml version="1.0" encoding="utf-8"?>
+<file path=ppt/slides/slide7.xml><?xml version="1.0" encoding="utf-8"?>
 <p:sld xmlns:a="http://schemas.openxmlformats.org/drawingml/2006/main" xmlns:r="http://schemas.openxmlformats.org/officeDocument/2006/relationships" xmlns:p="http://schemas.openxmlformats.org/presentationml/2006/main">
   <p:cSld>
     <p:bg>
@@ -43233,7 +41304,7 @@
       </p:grpSpPr>
       <p:sp useBgFill="1">
         <p:nvSpPr>
-          <p:cNvPr id="126" name="Rectangle 125">
+          <p:cNvPr id="166" name="Rectangle 165">
             <a:extLst>
               <a:ext uri="{FF2B5EF4-FFF2-40B4-BE49-F238E27FC236}">
                 <a16:creationId xmlns:a16="http://schemas.microsoft.com/office/drawing/2014/main" id="{1C582B07-D0F0-4B6B-A5D9-D2F192CB3A4E}"/>
@@ -43295,12 +41366,198 @@
           </a:p>
         </p:txBody>
       </p:sp>
+      <p:sp useBgFill="1">
+        <p:nvSpPr>
+          <p:cNvPr id="168" name="Freeform: Shape 167">
+            <a:extLst>
+              <a:ext uri="{FF2B5EF4-FFF2-40B4-BE49-F238E27FC236}">
+                <a16:creationId xmlns:a16="http://schemas.microsoft.com/office/drawing/2014/main" id="{CFDF70F4-97B6-40D8-B1FA-9580DBD23934}"/>
+              </a:ext>
+              <a:ext uri="{C183D7F6-B498-43B3-948B-1728B52AA6E4}">
+                <adec:decorative xmlns:adec="http://schemas.microsoft.com/office/drawing/2017/decorative" val="1"/>
+              </a:ext>
+            </a:extLst>
+          </p:cNvPr>
+          <p:cNvSpPr>
+            <a:spLocks noGrp="1" noRot="1" noChangeAspect="1" noMove="1" noResize="1" noEditPoints="1" noAdjustHandles="1" noChangeArrowheads="1" noChangeShapeType="1" noTextEdit="1"/>
+          </p:cNvSpPr>
+          <p:nvPr>
+            <p:extLst>
+              <p:ext uri="{386F3935-93C4-4BCD-93E2-E3B085C9AB24}">
+                <p16:designElem xmlns:p16="http://schemas.microsoft.com/office/powerpoint/2015/main" val="1"/>
+              </p:ext>
+            </p:extLst>
+          </p:nvPr>
+        </p:nvSpPr>
+        <p:spPr>
+          <a:xfrm rot="5400000" flipV="1">
+            <a:off x="5552244" y="224448"/>
+            <a:ext cx="6857996" cy="6409096"/>
+          </a:xfrm>
+          <a:custGeom>
+            <a:avLst/>
+            <a:gdLst>
+              <a:gd name="connsiteX0" fmla="*/ 0 w 6857996"/>
+              <a:gd name="connsiteY0" fmla="*/ 2827344 h 6142577"/>
+              <a:gd name="connsiteX1" fmla="*/ 0 w 6857996"/>
+              <a:gd name="connsiteY1" fmla="*/ 5080510 h 6142577"/>
+              <a:gd name="connsiteX2" fmla="*/ 3 w 6857996"/>
+              <a:gd name="connsiteY2" fmla="*/ 5080510 h 6142577"/>
+              <a:gd name="connsiteX3" fmla="*/ 3 w 6857996"/>
+              <a:gd name="connsiteY3" fmla="*/ 6142577 h 6142577"/>
+              <a:gd name="connsiteX4" fmla="*/ 6857996 w 6857996"/>
+              <a:gd name="connsiteY4" fmla="*/ 6142577 h 6142577"/>
+              <a:gd name="connsiteX5" fmla="*/ 6857996 w 6857996"/>
+              <a:gd name="connsiteY5" fmla="*/ 3928749 h 6142577"/>
+              <a:gd name="connsiteX6" fmla="*/ 6857996 w 6857996"/>
+              <a:gd name="connsiteY6" fmla="*/ 2572597 h 6142577"/>
+              <a:gd name="connsiteX7" fmla="*/ 6857996 w 6857996"/>
+              <a:gd name="connsiteY7" fmla="*/ 307516 h 6142577"/>
+              <a:gd name="connsiteX8" fmla="*/ 6550769 w 6857996"/>
+              <a:gd name="connsiteY8" fmla="*/ 222609 h 6142577"/>
+              <a:gd name="connsiteX9" fmla="*/ 5031274 w 6857996"/>
+              <a:gd name="connsiteY9" fmla="*/ 33 h 6142577"/>
+              <a:gd name="connsiteX10" fmla="*/ 310659 w 6857996"/>
+              <a:gd name="connsiteY10" fmla="*/ 1067285 h 6142577"/>
+              <a:gd name="connsiteX11" fmla="*/ 2 w 6857996"/>
+              <a:gd name="connsiteY11" fmla="*/ 1072307 h 6142577"/>
+              <a:gd name="connsiteX12" fmla="*/ 2 w 6857996"/>
+              <a:gd name="connsiteY12" fmla="*/ 2827344 h 6142577"/>
+            </a:gdLst>
+            <a:ahLst/>
+            <a:cxnLst>
+              <a:cxn ang="0">
+                <a:pos x="connsiteX0" y="connsiteY0"/>
+              </a:cxn>
+              <a:cxn ang="0">
+                <a:pos x="connsiteX1" y="connsiteY1"/>
+              </a:cxn>
+              <a:cxn ang="0">
+                <a:pos x="connsiteX2" y="connsiteY2"/>
+              </a:cxn>
+              <a:cxn ang="0">
+                <a:pos x="connsiteX3" y="connsiteY3"/>
+              </a:cxn>
+              <a:cxn ang="0">
+                <a:pos x="connsiteX4" y="connsiteY4"/>
+              </a:cxn>
+              <a:cxn ang="0">
+                <a:pos x="connsiteX5" y="connsiteY5"/>
+              </a:cxn>
+              <a:cxn ang="0">
+                <a:pos x="connsiteX6" y="connsiteY6"/>
+              </a:cxn>
+              <a:cxn ang="0">
+                <a:pos x="connsiteX7" y="connsiteY7"/>
+              </a:cxn>
+              <a:cxn ang="0">
+                <a:pos x="connsiteX8" y="connsiteY8"/>
+              </a:cxn>
+              <a:cxn ang="0">
+                <a:pos x="connsiteX9" y="connsiteY9"/>
+              </a:cxn>
+              <a:cxn ang="0">
+                <a:pos x="connsiteX10" y="connsiteY10"/>
+              </a:cxn>
+              <a:cxn ang="0">
+                <a:pos x="connsiteX11" y="connsiteY11"/>
+              </a:cxn>
+              <a:cxn ang="0">
+                <a:pos x="connsiteX12" y="connsiteY12"/>
+              </a:cxn>
+            </a:cxnLst>
+            <a:rect l="l" t="t" r="r" b="b"/>
+            <a:pathLst>
+              <a:path w="6857996" h="6142577">
+                <a:moveTo>
+                  <a:pt x="0" y="2827344"/>
+                </a:moveTo>
+                <a:lnTo>
+                  <a:pt x="0" y="5080510"/>
+                </a:lnTo>
+                <a:lnTo>
+                  <a:pt x="3" y="5080510"/>
+                </a:lnTo>
+                <a:lnTo>
+                  <a:pt x="3" y="6142577"/>
+                </a:lnTo>
+                <a:lnTo>
+                  <a:pt x="6857996" y="6142577"/>
+                </a:lnTo>
+                <a:lnTo>
+                  <a:pt x="6857996" y="3928749"/>
+                </a:lnTo>
+                <a:lnTo>
+                  <a:pt x="6857996" y="2572597"/>
+                </a:lnTo>
+                <a:lnTo>
+                  <a:pt x="6857996" y="307516"/>
+                </a:lnTo>
+                <a:lnTo>
+                  <a:pt x="6550769" y="222609"/>
+                </a:lnTo>
+                <a:cubicBezTo>
+                  <a:pt x="5946238" y="65902"/>
+                  <a:pt x="5454822" y="1688"/>
+                  <a:pt x="5031274" y="33"/>
+                </a:cubicBezTo>
+                <a:cubicBezTo>
+                  <a:pt x="3337081" y="-6590"/>
+                  <a:pt x="2728780" y="987729"/>
+                  <a:pt x="310659" y="1067285"/>
+                </a:cubicBezTo>
+                <a:lnTo>
+                  <a:pt x="2" y="1072307"/>
+                </a:lnTo>
+                <a:lnTo>
+                  <a:pt x="2" y="2827344"/>
+                </a:lnTo>
+                <a:close/>
+              </a:path>
+            </a:pathLst>
+          </a:custGeom>
+          <a:solidFill>
+            <a:srgbClr val="BCBCBC">
+              <a:alpha val="30000"/>
+            </a:srgbClr>
+          </a:solidFill>
+          <a:ln>
+            <a:noFill/>
+          </a:ln>
+        </p:spPr>
+        <p:style>
+          <a:lnRef idx="2">
+            <a:schemeClr val="accent1">
+              <a:shade val="50000"/>
+            </a:schemeClr>
+          </a:lnRef>
+          <a:fillRef idx="1">
+            <a:schemeClr val="accent1"/>
+          </a:fillRef>
+          <a:effectRef idx="0">
+            <a:schemeClr val="accent1"/>
+          </a:effectRef>
+          <a:fontRef idx="minor">
+            <a:schemeClr val="lt1"/>
+          </a:fontRef>
+        </p:style>
+        <p:txBody>
+          <a:bodyPr wrap="square" rtlCol="0" anchor="ctr">
+            <a:noAutofit/>
+          </a:bodyPr>
+          <a:lstStyle/>
+          <a:p>
+            <a:pPr algn="ctr"/>
+            <a:endParaRPr lang="en-US"/>
+          </a:p>
+        </p:txBody>
+      </p:sp>
       <p:grpSp>
         <p:nvGrpSpPr>
-          <p:cNvPr id="128" name="Group 127">
+          <p:cNvPr id="170" name="Group 169">
             <a:extLst>
               <a:ext uri="{FF2B5EF4-FFF2-40B4-BE49-F238E27FC236}">
-                <a16:creationId xmlns:a16="http://schemas.microsoft.com/office/drawing/2014/main" id="{614A5768-EA51-48A2-8E17-AE20B9FE0242}"/>
+                <a16:creationId xmlns:a16="http://schemas.microsoft.com/office/drawing/2014/main" id="{807F70BA-21EF-4B7D-ACFF-D02E136D44B5}"/>
               </a:ext>
               <a:ext uri="{C183D7F6-B498-43B3-948B-1728B52AA6E4}">
                 <adec:decorative xmlns:adec="http://schemas.microsoft.com/office/drawing/2017/decorative" val="1"/>
@@ -43328,10 +41585,10 @@
         </p:grpSpPr>
         <p:cxnSp>
           <p:nvCxnSpPr>
-            <p:cNvPr id="129" name="Straight Connector 128">
-              <a:extLst>
-                <a:ext uri="{FF2B5EF4-FFF2-40B4-BE49-F238E27FC236}">
-                  <a16:creationId xmlns:a16="http://schemas.microsoft.com/office/drawing/2014/main" id="{ED70F1A8-626B-430B-AACC-E280EB946BBC}"/>
+            <p:cNvPr id="171" name="Straight Connector 170">
+              <a:extLst>
+                <a:ext uri="{FF2B5EF4-FFF2-40B4-BE49-F238E27FC236}">
+                  <a16:creationId xmlns:a16="http://schemas.microsoft.com/office/drawing/2014/main" id="{7D487A9C-B45A-450B-B04B-02570D8F4194}"/>
                 </a:ext>
                 <a:ext uri="{C183D7F6-B498-43B3-948B-1728B52AA6E4}">
                   <adec:decorative xmlns:adec="http://schemas.microsoft.com/office/drawing/2017/decorative" val="1"/>
@@ -43383,10 +41640,10 @@
         </p:cxnSp>
         <p:cxnSp>
           <p:nvCxnSpPr>
-            <p:cNvPr id="130" name="Straight Connector 129">
-              <a:extLst>
-                <a:ext uri="{FF2B5EF4-FFF2-40B4-BE49-F238E27FC236}">
-                  <a16:creationId xmlns:a16="http://schemas.microsoft.com/office/drawing/2014/main" id="{1D9D2887-DD9B-48D0-9844-B5D2024C7E53}"/>
+            <p:cNvPr id="172" name="Straight Connector 171">
+              <a:extLst>
+                <a:ext uri="{FF2B5EF4-FFF2-40B4-BE49-F238E27FC236}">
+                  <a16:creationId xmlns:a16="http://schemas.microsoft.com/office/drawing/2014/main" id="{09C56948-B944-4EAA-A601-1C3F289A7CDF}"/>
                 </a:ext>
                 <a:ext uri="{C183D7F6-B498-43B3-948B-1728B52AA6E4}">
                   <adec:decorative xmlns:adec="http://schemas.microsoft.com/office/drawing/2017/decorative" val="1"/>
@@ -43438,10 +41695,10 @@
         </p:cxnSp>
         <p:cxnSp>
           <p:nvCxnSpPr>
-            <p:cNvPr id="131" name="Straight Connector 130">
-              <a:extLst>
-                <a:ext uri="{FF2B5EF4-FFF2-40B4-BE49-F238E27FC236}">
-                  <a16:creationId xmlns:a16="http://schemas.microsoft.com/office/drawing/2014/main" id="{990C04EA-C56F-4932-AB66-F426CACB403C}"/>
+            <p:cNvPr id="173" name="Straight Connector 172">
+              <a:extLst>
+                <a:ext uri="{FF2B5EF4-FFF2-40B4-BE49-F238E27FC236}">
+                  <a16:creationId xmlns:a16="http://schemas.microsoft.com/office/drawing/2014/main" id="{43EFFD07-1C36-4595-9832-727669712CFC}"/>
                 </a:ext>
                 <a:ext uri="{C183D7F6-B498-43B3-948B-1728B52AA6E4}">
                   <adec:decorative xmlns:adec="http://schemas.microsoft.com/office/drawing/2017/decorative" val="1"/>
@@ -43493,10 +41750,10 @@
         </p:cxnSp>
         <p:cxnSp>
           <p:nvCxnSpPr>
-            <p:cNvPr id="132" name="Straight Connector 131">
-              <a:extLst>
-                <a:ext uri="{FF2B5EF4-FFF2-40B4-BE49-F238E27FC236}">
-                  <a16:creationId xmlns:a16="http://schemas.microsoft.com/office/drawing/2014/main" id="{7CF894E2-AF43-4E3B-94A7-890F7AD25A26}"/>
+            <p:cNvPr id="174" name="Straight Connector 173">
+              <a:extLst>
+                <a:ext uri="{FF2B5EF4-FFF2-40B4-BE49-F238E27FC236}">
+                  <a16:creationId xmlns:a16="http://schemas.microsoft.com/office/drawing/2014/main" id="{FA5917E5-3154-42BC-8308-71C3D44DB41B}"/>
                 </a:ext>
                 <a:ext uri="{C183D7F6-B498-43B3-948B-1728B52AA6E4}">
                   <adec:decorative xmlns:adec="http://schemas.microsoft.com/office/drawing/2017/decorative" val="1"/>
@@ -43548,10 +41805,10 @@
         </p:cxnSp>
         <p:cxnSp>
           <p:nvCxnSpPr>
-            <p:cNvPr id="133" name="Straight Connector 132">
-              <a:extLst>
-                <a:ext uri="{FF2B5EF4-FFF2-40B4-BE49-F238E27FC236}">
-                  <a16:creationId xmlns:a16="http://schemas.microsoft.com/office/drawing/2014/main" id="{51C292B8-EA04-4F65-8D17-4954B29EEEDD}"/>
+            <p:cNvPr id="175" name="Straight Connector 174">
+              <a:extLst>
+                <a:ext uri="{FF2B5EF4-FFF2-40B4-BE49-F238E27FC236}">
+                  <a16:creationId xmlns:a16="http://schemas.microsoft.com/office/drawing/2014/main" id="{4B05D64D-A9ED-421A-9ABE-761977A81535}"/>
                 </a:ext>
                 <a:ext uri="{C183D7F6-B498-43B3-948B-1728B52AA6E4}">
                   <adec:decorative xmlns:adec="http://schemas.microsoft.com/office/drawing/2017/decorative" val="1"/>
@@ -43603,10 +41860,10 @@
         </p:cxnSp>
         <p:cxnSp>
           <p:nvCxnSpPr>
-            <p:cNvPr id="134" name="Straight Connector 133">
-              <a:extLst>
-                <a:ext uri="{FF2B5EF4-FFF2-40B4-BE49-F238E27FC236}">
-                  <a16:creationId xmlns:a16="http://schemas.microsoft.com/office/drawing/2014/main" id="{0126744D-59AC-407B-977F-9F7B7989037E}"/>
+            <p:cNvPr id="176" name="Straight Connector 175">
+              <a:extLst>
+                <a:ext uri="{FF2B5EF4-FFF2-40B4-BE49-F238E27FC236}">
+                  <a16:creationId xmlns:a16="http://schemas.microsoft.com/office/drawing/2014/main" id="{25E49393-F5BE-4823-92E3-7A624F7EAAE0}"/>
                 </a:ext>
                 <a:ext uri="{C183D7F6-B498-43B3-948B-1728B52AA6E4}">
                   <adec:decorative xmlns:adec="http://schemas.microsoft.com/office/drawing/2017/decorative" val="1"/>
@@ -43658,10 +41915,10 @@
         </p:cxnSp>
         <p:cxnSp>
           <p:nvCxnSpPr>
-            <p:cNvPr id="135" name="Straight Connector 134">
-              <a:extLst>
-                <a:ext uri="{FF2B5EF4-FFF2-40B4-BE49-F238E27FC236}">
-                  <a16:creationId xmlns:a16="http://schemas.microsoft.com/office/drawing/2014/main" id="{6BFD4FA3-B553-4776-83CC-43156375A0CB}"/>
+            <p:cNvPr id="177" name="Straight Connector 176">
+              <a:extLst>
+                <a:ext uri="{FF2B5EF4-FFF2-40B4-BE49-F238E27FC236}">
+                  <a16:creationId xmlns:a16="http://schemas.microsoft.com/office/drawing/2014/main" id="{46035503-21C0-4568-B46B-90BB750327C9}"/>
                 </a:ext>
                 <a:ext uri="{C183D7F6-B498-43B3-948B-1728B52AA6E4}">
                   <adec:decorative xmlns:adec="http://schemas.microsoft.com/office/drawing/2017/decorative" val="1"/>
@@ -43713,10 +41970,10 @@
         </p:cxnSp>
         <p:cxnSp>
           <p:nvCxnSpPr>
-            <p:cNvPr id="136" name="Straight Connector 135">
-              <a:extLst>
-                <a:ext uri="{FF2B5EF4-FFF2-40B4-BE49-F238E27FC236}">
-                  <a16:creationId xmlns:a16="http://schemas.microsoft.com/office/drawing/2014/main" id="{5145C5FE-691A-4620-9B50-AFE8DBB10EDD}"/>
+            <p:cNvPr id="178" name="Straight Connector 177">
+              <a:extLst>
+                <a:ext uri="{FF2B5EF4-FFF2-40B4-BE49-F238E27FC236}">
+                  <a16:creationId xmlns:a16="http://schemas.microsoft.com/office/drawing/2014/main" id="{F5CACA2B-D1AF-419E-BFBF-413F69DFDB81}"/>
                 </a:ext>
                 <a:ext uri="{C183D7F6-B498-43B3-948B-1728B52AA6E4}">
                   <adec:decorative xmlns:adec="http://schemas.microsoft.com/office/drawing/2017/decorative" val="1"/>
@@ -43768,10 +42025,10 @@
         </p:cxnSp>
         <p:cxnSp>
           <p:nvCxnSpPr>
-            <p:cNvPr id="137" name="Straight Connector 136">
-              <a:extLst>
-                <a:ext uri="{FF2B5EF4-FFF2-40B4-BE49-F238E27FC236}">
-                  <a16:creationId xmlns:a16="http://schemas.microsoft.com/office/drawing/2014/main" id="{04E186B6-4496-412B-993D-EBA54ACED13D}"/>
+            <p:cNvPr id="179" name="Straight Connector 178">
+              <a:extLst>
+                <a:ext uri="{FF2B5EF4-FFF2-40B4-BE49-F238E27FC236}">
+                  <a16:creationId xmlns:a16="http://schemas.microsoft.com/office/drawing/2014/main" id="{2284408D-F3CE-466F-A0C8-D27F2BCFC62F}"/>
                 </a:ext>
                 <a:ext uri="{C183D7F6-B498-43B3-948B-1728B52AA6E4}">
                   <adec:decorative xmlns:adec="http://schemas.microsoft.com/office/drawing/2017/decorative" val="1"/>
@@ -43823,10 +42080,10 @@
         </p:cxnSp>
         <p:cxnSp>
           <p:nvCxnSpPr>
-            <p:cNvPr id="138" name="Straight Connector 137">
-              <a:extLst>
-                <a:ext uri="{FF2B5EF4-FFF2-40B4-BE49-F238E27FC236}">
-                  <a16:creationId xmlns:a16="http://schemas.microsoft.com/office/drawing/2014/main" id="{67CCFC45-B62F-4FB2-8A1C-24299AB6A8B9}"/>
+            <p:cNvPr id="180" name="Straight Connector 179">
+              <a:extLst>
+                <a:ext uri="{FF2B5EF4-FFF2-40B4-BE49-F238E27FC236}">
+                  <a16:creationId xmlns:a16="http://schemas.microsoft.com/office/drawing/2014/main" id="{A2C5065B-1474-4D66-99DB-CFEF811C0FD0}"/>
                 </a:ext>
                 <a:ext uri="{C183D7F6-B498-43B3-948B-1728B52AA6E4}">
                   <adec:decorative xmlns:adec="http://schemas.microsoft.com/office/drawing/2017/decorative" val="1"/>
@@ -43878,10 +42135,10 @@
         </p:cxnSp>
         <p:cxnSp>
           <p:nvCxnSpPr>
-            <p:cNvPr id="139" name="Straight Connector 138">
-              <a:extLst>
-                <a:ext uri="{FF2B5EF4-FFF2-40B4-BE49-F238E27FC236}">
-                  <a16:creationId xmlns:a16="http://schemas.microsoft.com/office/drawing/2014/main" id="{03E987B3-0DB8-4E10-8F2F-939C9975E915}"/>
+            <p:cNvPr id="181" name="Straight Connector 180">
+              <a:extLst>
+                <a:ext uri="{FF2B5EF4-FFF2-40B4-BE49-F238E27FC236}">
+                  <a16:creationId xmlns:a16="http://schemas.microsoft.com/office/drawing/2014/main" id="{6C6F4B51-92DC-4003-A3E7-28710D57AB94}"/>
                 </a:ext>
                 <a:ext uri="{C183D7F6-B498-43B3-948B-1728B52AA6E4}">
                   <adec:decorative xmlns:adec="http://schemas.microsoft.com/office/drawing/2017/decorative" val="1"/>
@@ -43933,10 +42190,10 @@
         </p:cxnSp>
         <p:cxnSp>
           <p:nvCxnSpPr>
-            <p:cNvPr id="140" name="Straight Connector 139">
-              <a:extLst>
-                <a:ext uri="{FF2B5EF4-FFF2-40B4-BE49-F238E27FC236}">
-                  <a16:creationId xmlns:a16="http://schemas.microsoft.com/office/drawing/2014/main" id="{50CF3A0F-1366-43D4-B9ED-39506390F986}"/>
+            <p:cNvPr id="182" name="Straight Connector 181">
+              <a:extLst>
+                <a:ext uri="{FF2B5EF4-FFF2-40B4-BE49-F238E27FC236}">
+                  <a16:creationId xmlns:a16="http://schemas.microsoft.com/office/drawing/2014/main" id="{0D5C13CE-E4FE-4F85-BC09-9C950ED7526E}"/>
                 </a:ext>
                 <a:ext uri="{C183D7F6-B498-43B3-948B-1728B52AA6E4}">
                   <adec:decorative xmlns:adec="http://schemas.microsoft.com/office/drawing/2017/decorative" val="1"/>
@@ -43988,10 +42245,10 @@
         </p:cxnSp>
         <p:cxnSp>
           <p:nvCxnSpPr>
-            <p:cNvPr id="141" name="Straight Connector 140">
-              <a:extLst>
-                <a:ext uri="{FF2B5EF4-FFF2-40B4-BE49-F238E27FC236}">
-                  <a16:creationId xmlns:a16="http://schemas.microsoft.com/office/drawing/2014/main" id="{A3370E57-5DAF-4AD1-A44A-32A93556E919}"/>
+            <p:cNvPr id="183" name="Straight Connector 182">
+              <a:extLst>
+                <a:ext uri="{FF2B5EF4-FFF2-40B4-BE49-F238E27FC236}">
+                  <a16:creationId xmlns:a16="http://schemas.microsoft.com/office/drawing/2014/main" id="{851C5D97-1CDA-475E-BAC6-EE58999872A1}"/>
                 </a:ext>
                 <a:ext uri="{C183D7F6-B498-43B3-948B-1728B52AA6E4}">
                   <adec:decorative xmlns:adec="http://schemas.microsoft.com/office/drawing/2017/decorative" val="1"/>
@@ -44043,10 +42300,10 @@
         </p:cxnSp>
         <p:cxnSp>
           <p:nvCxnSpPr>
-            <p:cNvPr id="142" name="Straight Connector 141">
-              <a:extLst>
-                <a:ext uri="{FF2B5EF4-FFF2-40B4-BE49-F238E27FC236}">
-                  <a16:creationId xmlns:a16="http://schemas.microsoft.com/office/drawing/2014/main" id="{5438A8C5-7279-4DA9-B1BA-5A76E020CE08}"/>
+            <p:cNvPr id="184" name="Straight Connector 183">
+              <a:extLst>
+                <a:ext uri="{FF2B5EF4-FFF2-40B4-BE49-F238E27FC236}">
+                  <a16:creationId xmlns:a16="http://schemas.microsoft.com/office/drawing/2014/main" id="{DB712EBA-54FF-45FE-9A4E-98C0C0EC23FC}"/>
                 </a:ext>
                 <a:ext uri="{C183D7F6-B498-43B3-948B-1728B52AA6E4}">
                   <adec:decorative xmlns:adec="http://schemas.microsoft.com/office/drawing/2017/decorative" val="1"/>
@@ -44098,10 +42355,10 @@
         </p:cxnSp>
         <p:cxnSp>
           <p:nvCxnSpPr>
-            <p:cNvPr id="143" name="Straight Connector 142">
-              <a:extLst>
-                <a:ext uri="{FF2B5EF4-FFF2-40B4-BE49-F238E27FC236}">
-                  <a16:creationId xmlns:a16="http://schemas.microsoft.com/office/drawing/2014/main" id="{4119694A-5560-4890-99CF-E4B89F5F160A}"/>
+            <p:cNvPr id="185" name="Straight Connector 184">
+              <a:extLst>
+                <a:ext uri="{FF2B5EF4-FFF2-40B4-BE49-F238E27FC236}">
+                  <a16:creationId xmlns:a16="http://schemas.microsoft.com/office/drawing/2014/main" id="{7E0AB49E-A89E-4B6C-AAAA-96E326D154AF}"/>
                 </a:ext>
                 <a:ext uri="{C183D7F6-B498-43B3-948B-1728B52AA6E4}">
                   <adec:decorative xmlns:adec="http://schemas.microsoft.com/office/drawing/2017/decorative" val="1"/>
@@ -44153,10 +42410,10 @@
         </p:cxnSp>
         <p:cxnSp>
           <p:nvCxnSpPr>
-            <p:cNvPr id="144" name="Straight Connector 143">
-              <a:extLst>
-                <a:ext uri="{FF2B5EF4-FFF2-40B4-BE49-F238E27FC236}">
-                  <a16:creationId xmlns:a16="http://schemas.microsoft.com/office/drawing/2014/main" id="{3A41929D-D2D8-4211-8E30-449C7F67EA08}"/>
+            <p:cNvPr id="186" name="Straight Connector 185">
+              <a:extLst>
+                <a:ext uri="{FF2B5EF4-FFF2-40B4-BE49-F238E27FC236}">
+                  <a16:creationId xmlns:a16="http://schemas.microsoft.com/office/drawing/2014/main" id="{1E63E817-E471-4A64-9EF6-FFB1FBB34815}"/>
                 </a:ext>
                 <a:ext uri="{C183D7F6-B498-43B3-948B-1728B52AA6E4}">
                   <adec:decorative xmlns:adec="http://schemas.microsoft.com/office/drawing/2017/decorative" val="1"/>
@@ -44208,10 +42465,10 @@
         </p:cxnSp>
         <p:cxnSp>
           <p:nvCxnSpPr>
-            <p:cNvPr id="145" name="Straight Connector 144">
-              <a:extLst>
-                <a:ext uri="{FF2B5EF4-FFF2-40B4-BE49-F238E27FC236}">
-                  <a16:creationId xmlns:a16="http://schemas.microsoft.com/office/drawing/2014/main" id="{6346B496-7BD4-408E-9387-4B2DBD88DBB3}"/>
+            <p:cNvPr id="187" name="Straight Connector 186">
+              <a:extLst>
+                <a:ext uri="{FF2B5EF4-FFF2-40B4-BE49-F238E27FC236}">
+                  <a16:creationId xmlns:a16="http://schemas.microsoft.com/office/drawing/2014/main" id="{E4BB2927-CDAC-455A-8D26-8582DD13DDFC}"/>
                 </a:ext>
                 <a:ext uri="{C183D7F6-B498-43B3-948B-1728B52AA6E4}">
                   <adec:decorative xmlns:adec="http://schemas.microsoft.com/office/drawing/2017/decorative" val="1"/>
@@ -44263,10 +42520,10 @@
         </p:cxnSp>
         <p:cxnSp>
           <p:nvCxnSpPr>
-            <p:cNvPr id="146" name="Straight Connector 145">
-              <a:extLst>
-                <a:ext uri="{FF2B5EF4-FFF2-40B4-BE49-F238E27FC236}">
-                  <a16:creationId xmlns:a16="http://schemas.microsoft.com/office/drawing/2014/main" id="{FF4954B0-8891-4B5C-B5C2-2B098DA9D63C}"/>
+            <p:cNvPr id="188" name="Straight Connector 187">
+              <a:extLst>
+                <a:ext uri="{FF2B5EF4-FFF2-40B4-BE49-F238E27FC236}">
+                  <a16:creationId xmlns:a16="http://schemas.microsoft.com/office/drawing/2014/main" id="{A8E42F79-594B-4397-8A30-281228EF9937}"/>
                 </a:ext>
                 <a:ext uri="{C183D7F6-B498-43B3-948B-1728B52AA6E4}">
                   <adec:decorative xmlns:adec="http://schemas.microsoft.com/office/drawing/2017/decorative" val="1"/>
@@ -44318,10 +42575,10 @@
         </p:cxnSp>
         <p:cxnSp>
           <p:nvCxnSpPr>
-            <p:cNvPr id="147" name="Straight Connector 146">
-              <a:extLst>
-                <a:ext uri="{FF2B5EF4-FFF2-40B4-BE49-F238E27FC236}">
-                  <a16:creationId xmlns:a16="http://schemas.microsoft.com/office/drawing/2014/main" id="{FE2F714F-4C40-46D7-A9B0-5A41FCE1CC8B}"/>
+            <p:cNvPr id="189" name="Straight Connector 188">
+              <a:extLst>
+                <a:ext uri="{FF2B5EF4-FFF2-40B4-BE49-F238E27FC236}">
+                  <a16:creationId xmlns:a16="http://schemas.microsoft.com/office/drawing/2014/main" id="{6E578AA8-0A5F-4BAA-AAFC-8A1E07838B1B}"/>
                 </a:ext>
                 <a:ext uri="{C183D7F6-B498-43B3-948B-1728B52AA6E4}">
                   <adec:decorative xmlns:adec="http://schemas.microsoft.com/office/drawing/2017/decorative" val="1"/>
@@ -44373,10 +42630,10 @@
         </p:cxnSp>
         <p:cxnSp>
           <p:nvCxnSpPr>
-            <p:cNvPr id="148" name="Straight Connector 147">
-              <a:extLst>
-                <a:ext uri="{FF2B5EF4-FFF2-40B4-BE49-F238E27FC236}">
-                  <a16:creationId xmlns:a16="http://schemas.microsoft.com/office/drawing/2014/main" id="{8B45C2AB-7F9E-4A2B-845D-39DA52F78594}"/>
+            <p:cNvPr id="190" name="Straight Connector 189">
+              <a:extLst>
+                <a:ext uri="{FF2B5EF4-FFF2-40B4-BE49-F238E27FC236}">
+                  <a16:creationId xmlns:a16="http://schemas.microsoft.com/office/drawing/2014/main" id="{9BA6CB24-165E-4D82-A315-18FFF8ABC6C4}"/>
                 </a:ext>
                 <a:ext uri="{C183D7F6-B498-43B3-948B-1728B52AA6E4}">
                   <adec:decorative xmlns:adec="http://schemas.microsoft.com/office/drawing/2017/decorative" val="1"/>
@@ -44428,10 +42685,10 @@
         </p:cxnSp>
         <p:cxnSp>
           <p:nvCxnSpPr>
-            <p:cNvPr id="149" name="Straight Connector 148">
-              <a:extLst>
-                <a:ext uri="{FF2B5EF4-FFF2-40B4-BE49-F238E27FC236}">
-                  <a16:creationId xmlns:a16="http://schemas.microsoft.com/office/drawing/2014/main" id="{F7540879-E48F-44C9-8978-75F20ECA847C}"/>
+            <p:cNvPr id="191" name="Straight Connector 190">
+              <a:extLst>
+                <a:ext uri="{FF2B5EF4-FFF2-40B4-BE49-F238E27FC236}">
+                  <a16:creationId xmlns:a16="http://schemas.microsoft.com/office/drawing/2014/main" id="{6A7AFC89-7922-47E2-8920-9883AF13C2E7}"/>
                 </a:ext>
                 <a:ext uri="{C183D7F6-B498-43B3-948B-1728B52AA6E4}">
                   <adec:decorative xmlns:adec="http://schemas.microsoft.com/office/drawing/2017/decorative" val="1"/>
@@ -44483,10 +42740,10 @@
         </p:cxnSp>
         <p:cxnSp>
           <p:nvCxnSpPr>
-            <p:cNvPr id="150" name="Straight Connector 149">
-              <a:extLst>
-                <a:ext uri="{FF2B5EF4-FFF2-40B4-BE49-F238E27FC236}">
-                  <a16:creationId xmlns:a16="http://schemas.microsoft.com/office/drawing/2014/main" id="{E99A807C-71D8-48EB-B90A-18ABEC581FE0}"/>
+            <p:cNvPr id="192" name="Straight Connector 191">
+              <a:extLst>
+                <a:ext uri="{FF2B5EF4-FFF2-40B4-BE49-F238E27FC236}">
+                  <a16:creationId xmlns:a16="http://schemas.microsoft.com/office/drawing/2014/main" id="{82D63DEE-348A-4118-952F-DCD6FC1B6D24}"/>
                 </a:ext>
                 <a:ext uri="{C183D7F6-B498-43B3-948B-1728B52AA6E4}">
                   <adec:decorative xmlns:adec="http://schemas.microsoft.com/office/drawing/2017/decorative" val="1"/>
@@ -44538,10 +42795,10 @@
         </p:cxnSp>
         <p:cxnSp>
           <p:nvCxnSpPr>
-            <p:cNvPr id="151" name="Straight Connector 150">
-              <a:extLst>
-                <a:ext uri="{FF2B5EF4-FFF2-40B4-BE49-F238E27FC236}">
-                  <a16:creationId xmlns:a16="http://schemas.microsoft.com/office/drawing/2014/main" id="{77DBB3B2-0577-449E-822F-EC7F39931AB7}"/>
+            <p:cNvPr id="193" name="Straight Connector 192">
+              <a:extLst>
+                <a:ext uri="{FF2B5EF4-FFF2-40B4-BE49-F238E27FC236}">
+                  <a16:creationId xmlns:a16="http://schemas.microsoft.com/office/drawing/2014/main" id="{47A17409-8146-400D-A3C1-1E93FE2056DB}"/>
                 </a:ext>
                 <a:ext uri="{C183D7F6-B498-43B3-948B-1728B52AA6E4}">
                   <adec:decorative xmlns:adec="http://schemas.microsoft.com/office/drawing/2017/decorative" val="1"/>
@@ -44593,10 +42850,10 @@
         </p:cxnSp>
         <p:cxnSp>
           <p:nvCxnSpPr>
-            <p:cNvPr id="152" name="Straight Connector 151">
-              <a:extLst>
-                <a:ext uri="{FF2B5EF4-FFF2-40B4-BE49-F238E27FC236}">
-                  <a16:creationId xmlns:a16="http://schemas.microsoft.com/office/drawing/2014/main" id="{1E9C75EC-55AD-4526-81DC-A716FD738111}"/>
+            <p:cNvPr id="194" name="Straight Connector 193">
+              <a:extLst>
+                <a:ext uri="{FF2B5EF4-FFF2-40B4-BE49-F238E27FC236}">
+                  <a16:creationId xmlns:a16="http://schemas.microsoft.com/office/drawing/2014/main" id="{621B7B93-01A0-4FDD-A6E1-572957781822}"/>
                 </a:ext>
                 <a:ext uri="{C183D7F6-B498-43B3-948B-1728B52AA6E4}">
                   <adec:decorative xmlns:adec="http://schemas.microsoft.com/office/drawing/2017/decorative" val="1"/>
@@ -44648,10 +42905,10 @@
         </p:cxnSp>
         <p:cxnSp>
           <p:nvCxnSpPr>
-            <p:cNvPr id="153" name="Straight Connector 152">
-              <a:extLst>
-                <a:ext uri="{FF2B5EF4-FFF2-40B4-BE49-F238E27FC236}">
-                  <a16:creationId xmlns:a16="http://schemas.microsoft.com/office/drawing/2014/main" id="{0EC495AC-53AC-46EB-AF18-9F9B72454104}"/>
+            <p:cNvPr id="195" name="Straight Connector 194">
+              <a:extLst>
+                <a:ext uri="{FF2B5EF4-FFF2-40B4-BE49-F238E27FC236}">
+                  <a16:creationId xmlns:a16="http://schemas.microsoft.com/office/drawing/2014/main" id="{6D3948D1-38CD-41AC-BBE8-291A85A7035B}"/>
                 </a:ext>
                 <a:ext uri="{C183D7F6-B498-43B3-948B-1728B52AA6E4}">
                   <adec:decorative xmlns:adec="http://schemas.microsoft.com/office/drawing/2017/decorative" val="1"/>
@@ -44703,10 +42960,10 @@
         </p:cxnSp>
         <p:cxnSp>
           <p:nvCxnSpPr>
-            <p:cNvPr id="154" name="Straight Connector 153">
-              <a:extLst>
-                <a:ext uri="{FF2B5EF4-FFF2-40B4-BE49-F238E27FC236}">
-                  <a16:creationId xmlns:a16="http://schemas.microsoft.com/office/drawing/2014/main" id="{5476CB3D-FE8C-4CAF-B287-0576A80CCD13}"/>
+            <p:cNvPr id="196" name="Straight Connector 195">
+              <a:extLst>
+                <a:ext uri="{FF2B5EF4-FFF2-40B4-BE49-F238E27FC236}">
+                  <a16:creationId xmlns:a16="http://schemas.microsoft.com/office/drawing/2014/main" id="{A633F3FE-70B6-41BD-A2D7-F9A53AB38EB5}"/>
                 </a:ext>
                 <a:ext uri="{C183D7F6-B498-43B3-948B-1728B52AA6E4}">
                   <adec:decorative xmlns:adec="http://schemas.microsoft.com/office/drawing/2017/decorative" val="1"/>
@@ -44758,10 +43015,10 @@
         </p:cxnSp>
         <p:cxnSp>
           <p:nvCxnSpPr>
-            <p:cNvPr id="155" name="Straight Connector 154">
-              <a:extLst>
-                <a:ext uri="{FF2B5EF4-FFF2-40B4-BE49-F238E27FC236}">
-                  <a16:creationId xmlns:a16="http://schemas.microsoft.com/office/drawing/2014/main" id="{D34B38EE-AF53-4E0C-A55A-A17CC17EF742}"/>
+            <p:cNvPr id="197" name="Straight Connector 196">
+              <a:extLst>
+                <a:ext uri="{FF2B5EF4-FFF2-40B4-BE49-F238E27FC236}">
+                  <a16:creationId xmlns:a16="http://schemas.microsoft.com/office/drawing/2014/main" id="{09D1DD0D-9D4A-41EA-9650-F8215D949B7D}"/>
                 </a:ext>
                 <a:ext uri="{C183D7F6-B498-43B3-948B-1728B52AA6E4}">
                   <adec:decorative xmlns:adec="http://schemas.microsoft.com/office/drawing/2017/decorative" val="1"/>
@@ -44813,10 +43070,10 @@
         </p:cxnSp>
         <p:cxnSp>
           <p:nvCxnSpPr>
-            <p:cNvPr id="156" name="Straight Connector 155">
-              <a:extLst>
-                <a:ext uri="{FF2B5EF4-FFF2-40B4-BE49-F238E27FC236}">
-                  <a16:creationId xmlns:a16="http://schemas.microsoft.com/office/drawing/2014/main" id="{D7DE7212-9D6E-4F4E-A073-5B5B858AFFF9}"/>
+            <p:cNvPr id="198" name="Straight Connector 197">
+              <a:extLst>
+                <a:ext uri="{FF2B5EF4-FFF2-40B4-BE49-F238E27FC236}">
+                  <a16:creationId xmlns:a16="http://schemas.microsoft.com/office/drawing/2014/main" id="{8148EE7C-8DC4-4A31-A981-8F838EA8FA0D}"/>
                 </a:ext>
                 <a:ext uri="{C183D7F6-B498-43B3-948B-1728B52AA6E4}">
                   <adec:decorative xmlns:adec="http://schemas.microsoft.com/office/drawing/2017/decorative" val="1"/>
@@ -44868,10 +43125,10 @@
         </p:cxnSp>
         <p:cxnSp>
           <p:nvCxnSpPr>
-            <p:cNvPr id="157" name="Straight Connector 156">
-              <a:extLst>
-                <a:ext uri="{FF2B5EF4-FFF2-40B4-BE49-F238E27FC236}">
-                  <a16:creationId xmlns:a16="http://schemas.microsoft.com/office/drawing/2014/main" id="{A7C6AD08-49F6-4369-9405-2E06CED9FEB7}"/>
+            <p:cNvPr id="199" name="Straight Connector 198">
+              <a:extLst>
+                <a:ext uri="{FF2B5EF4-FFF2-40B4-BE49-F238E27FC236}">
+                  <a16:creationId xmlns:a16="http://schemas.microsoft.com/office/drawing/2014/main" id="{F7F7EC5C-3015-4A5E-A9E3-B53F5293D2FA}"/>
                 </a:ext>
                 <a:ext uri="{C183D7F6-B498-43B3-948B-1728B52AA6E4}">
                   <adec:decorative xmlns:adec="http://schemas.microsoft.com/office/drawing/2017/decorative" val="1"/>
@@ -44923,10 +43180,10 @@
         </p:cxnSp>
         <p:cxnSp>
           <p:nvCxnSpPr>
-            <p:cNvPr id="158" name="Straight Connector 157">
-              <a:extLst>
-                <a:ext uri="{FF2B5EF4-FFF2-40B4-BE49-F238E27FC236}">
-                  <a16:creationId xmlns:a16="http://schemas.microsoft.com/office/drawing/2014/main" id="{04E501EB-B771-494E-8AF3-5350560EBA02}"/>
+            <p:cNvPr id="200" name="Straight Connector 199">
+              <a:extLst>
+                <a:ext uri="{FF2B5EF4-FFF2-40B4-BE49-F238E27FC236}">
+                  <a16:creationId xmlns:a16="http://schemas.microsoft.com/office/drawing/2014/main" id="{FD7AF31F-4674-411A-837A-ED991478D266}"/>
                 </a:ext>
                 <a:ext uri="{C183D7F6-B498-43B3-948B-1728B52AA6E4}">
                   <adec:decorative xmlns:adec="http://schemas.microsoft.com/office/drawing/2017/decorative" val="1"/>
@@ -44978,10 +43235,10 @@
         </p:cxnSp>
         <p:cxnSp>
           <p:nvCxnSpPr>
-            <p:cNvPr id="159" name="Straight Connector 158">
-              <a:extLst>
-                <a:ext uri="{FF2B5EF4-FFF2-40B4-BE49-F238E27FC236}">
-                  <a16:creationId xmlns:a16="http://schemas.microsoft.com/office/drawing/2014/main" id="{FEA122D9-8BE6-498E-AB20-311EBD5EF858}"/>
+            <p:cNvPr id="201" name="Straight Connector 200">
+              <a:extLst>
+                <a:ext uri="{FF2B5EF4-FFF2-40B4-BE49-F238E27FC236}">
+                  <a16:creationId xmlns:a16="http://schemas.microsoft.com/office/drawing/2014/main" id="{5D3DAED2-414E-42E1-998A-6D7EF4A4D063}"/>
                 </a:ext>
                 <a:ext uri="{C183D7F6-B498-43B3-948B-1728B52AA6E4}">
                   <adec:decorative xmlns:adec="http://schemas.microsoft.com/office/drawing/2017/decorative" val="1"/>
@@ -45034,10 +43291,10 @@
       </p:grpSp>
       <p:sp>
         <p:nvSpPr>
-          <p:cNvPr id="161" name="Right Triangle 160">
+          <p:cNvPr id="203" name="Right Triangle 202">
             <a:extLst>
               <a:ext uri="{FF2B5EF4-FFF2-40B4-BE49-F238E27FC236}">
-                <a16:creationId xmlns:a16="http://schemas.microsoft.com/office/drawing/2014/main" id="{5FB205E9-694A-469E-97E7-7339DE0BC2DC}"/>
+                <a16:creationId xmlns:a16="http://schemas.microsoft.com/office/drawing/2014/main" id="{9E92C66B-792F-479F-B983-F47FEE1AB562}"/>
               </a:ext>
               <a:ext uri="{C183D7F6-B498-43B3-948B-1728B52AA6E4}">
                 <adec:decorative xmlns:adec="http://schemas.microsoft.com/office/drawing/2017/decorative" val="1"/>
@@ -45056,8 +43313,8 @@
           </p:nvPr>
         </p:nvSpPr>
         <p:spPr>
-          <a:xfrm rot="18900000">
-            <a:off x="6293591" y="-284145"/>
+          <a:xfrm rot="13500000">
+            <a:off x="-281094" y="1525300"/>
             <a:ext cx="568289" cy="568289"/>
           </a:xfrm>
           <a:prstGeom prst="rtTriangle">
@@ -45115,8 +43372,8 @@
         </p:nvSpPr>
         <p:spPr>
           <a:xfrm>
-            <a:off x="4383263" y="1279048"/>
-            <a:ext cx="6626600" cy="4864354"/>
+            <a:off x="665202" y="1452741"/>
+            <a:ext cx="5610470" cy="3791918"/>
           </a:xfrm>
           <a:prstGeom prst="rect">
             <a:avLst/>
@@ -45160,7 +43417,7 @@
               <a:buFont typeface="Wingdings" panose="05000000000000000000" pitchFamily="2" charset="2"/>
               <a:buChar char="§"/>
             </a:pPr>
-            <a:endParaRPr lang="en-US" sz="1500" dirty="0">
+            <a:endParaRPr lang="en-US" dirty="0">
               <a:solidFill>
                 <a:schemeClr val="tx2"/>
               </a:solidFill>
@@ -45319,8 +43576,8 @@
         </p:blipFill>
         <p:spPr>
           <a:xfrm>
-            <a:off x="691079" y="1235910"/>
-            <a:ext cx="3789096" cy="3789096"/>
+            <a:off x="7087094" y="1231415"/>
+            <a:ext cx="4401655" cy="4401655"/>
           </a:xfrm>
           <a:prstGeom prst="rect">
             <a:avLst/>
@@ -45340,7 +43597,7 @@
 </p:sld>
 </file>
 
-<file path=ppt/slides/slide9.xml><?xml version="1.0" encoding="utf-8"?>
+<file path=ppt/slides/slide8.xml><?xml version="1.0" encoding="utf-8"?>
 <p:sld xmlns:a="http://schemas.openxmlformats.org/drawingml/2006/main" xmlns:r="http://schemas.openxmlformats.org/officeDocument/2006/relationships" xmlns:p="http://schemas.openxmlformats.org/presentationml/2006/main">
   <p:cSld>
     <p:spTree>
@@ -45648,6 +43905,280 @@
   <p:clrMapOvr>
     <a:masterClrMapping/>
   </p:clrMapOvr>
+</p:sld>
+</file>
+
+<file path=ppt/slides/slide9.xml><?xml version="1.0" encoding="utf-8"?>
+<p:sld xmlns:a="http://schemas.openxmlformats.org/drawingml/2006/main" xmlns:r="http://schemas.openxmlformats.org/officeDocument/2006/relationships" xmlns:p="http://schemas.openxmlformats.org/presentationml/2006/main">
+  <p:cSld>
+    <p:spTree>
+      <p:nvGrpSpPr>
+        <p:cNvPr id="1" name=""/>
+        <p:cNvGrpSpPr/>
+        <p:nvPr/>
+      </p:nvGrpSpPr>
+      <p:grpSpPr>
+        <a:xfrm>
+          <a:off x="0" y="0"/>
+          <a:ext cx="0" cy="0"/>
+          <a:chOff x="0" y="0"/>
+          <a:chExt cx="0" cy="0"/>
+        </a:xfrm>
+      </p:grpSpPr>
+      <p:sp>
+        <p:nvSpPr>
+          <p:cNvPr id="4" name="Rectangle: Rounded Corners 3">
+            <a:extLst>
+              <a:ext uri="{FF2B5EF4-FFF2-40B4-BE49-F238E27FC236}">
+                <a16:creationId xmlns:a16="http://schemas.microsoft.com/office/drawing/2014/main" id="{6FE6F5BF-D764-B4C2-E171-B067798960B4}"/>
+              </a:ext>
+            </a:extLst>
+          </p:cNvPr>
+          <p:cNvSpPr/>
+          <p:nvPr/>
+        </p:nvSpPr>
+        <p:spPr>
+          <a:xfrm>
+            <a:off x="777635" y="2340131"/>
+            <a:ext cx="4114876" cy="563326"/>
+          </a:xfrm>
+          <a:prstGeom prst="roundRect">
+            <a:avLst/>
+          </a:prstGeom>
+          <a:solidFill>
+            <a:schemeClr val="accent1">
+              <a:alpha val="85000"/>
+            </a:schemeClr>
+          </a:solidFill>
+          <a:ln>
+            <a:noFill/>
+          </a:ln>
+        </p:spPr>
+        <p:style>
+          <a:lnRef idx="2">
+            <a:schemeClr val="accent1">
+              <a:shade val="15000"/>
+            </a:schemeClr>
+          </a:lnRef>
+          <a:fillRef idx="1">
+            <a:schemeClr val="accent1"/>
+          </a:fillRef>
+          <a:effectRef idx="0">
+            <a:schemeClr val="accent1"/>
+          </a:effectRef>
+          <a:fontRef idx="minor">
+            <a:schemeClr val="lt1"/>
+          </a:fontRef>
+        </p:style>
+        <p:txBody>
+          <a:bodyPr rtlCol="0" anchor="ctr"/>
+          <a:lstStyle/>
+          <a:p>
+            <a:pPr algn="ctr"/>
+            <a:endParaRPr lang="en-US" dirty="0"/>
+          </a:p>
+        </p:txBody>
+      </p:sp>
+      <p:sp>
+        <p:nvSpPr>
+          <p:cNvPr id="2" name="Title 1">
+            <a:extLst>
+              <a:ext uri="{FF2B5EF4-FFF2-40B4-BE49-F238E27FC236}">
+                <a16:creationId xmlns:a16="http://schemas.microsoft.com/office/drawing/2014/main" id="{96A4AA22-F6C8-2909-979F-FC43ECEF778D}"/>
+              </a:ext>
+            </a:extLst>
+          </p:cNvPr>
+          <p:cNvSpPr>
+            <a:spLocks noGrp="1"/>
+          </p:cNvSpPr>
+          <p:nvPr>
+            <p:ph type="title"/>
+          </p:nvPr>
+        </p:nvSpPr>
+        <p:spPr/>
+        <p:txBody>
+          <a:bodyPr/>
+          <a:lstStyle/>
+          <a:p>
+            <a:r>
+              <a:rPr lang="en-US" dirty="0"/>
+              <a:t>Key Takeaways</a:t>
+            </a:r>
+          </a:p>
+        </p:txBody>
+      </p:sp>
+      <p:sp>
+        <p:nvSpPr>
+          <p:cNvPr id="3" name="Content Placeholder 2">
+            <a:extLst>
+              <a:ext uri="{FF2B5EF4-FFF2-40B4-BE49-F238E27FC236}">
+                <a16:creationId xmlns:a16="http://schemas.microsoft.com/office/drawing/2014/main" id="{A45DA132-E54F-824C-D739-603C10CA87DC}"/>
+              </a:ext>
+            </a:extLst>
+          </p:cNvPr>
+          <p:cNvSpPr>
+            <a:spLocks noGrp="1"/>
+          </p:cNvSpPr>
+          <p:nvPr>
+            <p:ph idx="1"/>
+          </p:nvPr>
+        </p:nvSpPr>
+        <p:spPr>
+          <a:xfrm>
+            <a:off x="691079" y="2340131"/>
+            <a:ext cx="4351976" cy="3564436"/>
+          </a:xfrm>
+        </p:spPr>
+        <p:txBody>
+          <a:bodyPr>
+            <a:normAutofit/>
+          </a:bodyPr>
+          <a:lstStyle/>
+          <a:p>
+            <a:pPr marL="457200" indent="-457200">
+              <a:buFont typeface="Segoe UI Symbol" panose="020B0502040204020203" pitchFamily="34" charset="0"/>
+              <a:buChar char=""/>
+            </a:pPr>
+            <a:r>
+              <a:rPr lang="en-US" sz="2400" b="1" dirty="0">
+                <a:solidFill>
+                  <a:schemeClr val="bg1"/>
+                </a:solidFill>
+              </a:rPr>
+              <a:t>User-Friendly </a:t>
+            </a:r>
+          </a:p>
+          <a:p>
+            <a:pPr marL="457200" indent="-457200">
+              <a:buFont typeface="Segoe UI Symbol" panose="020B0502040204020203" pitchFamily="34" charset="0"/>
+              <a:buChar char=""/>
+            </a:pPr>
+            <a:r>
+              <a:rPr lang="en-US" sz="2400" b="1" dirty="0"/>
+              <a:t>Time Considerations</a:t>
+            </a:r>
+          </a:p>
+          <a:p>
+            <a:pPr marL="457200" indent="-457200">
+              <a:buFont typeface="Segoe UI Symbol" panose="020B0502040204020203" pitchFamily="34" charset="0"/>
+              <a:buChar char=""/>
+            </a:pPr>
+            <a:r>
+              <a:rPr lang="en-US" sz="2400" b="1" dirty="0"/>
+              <a:t>Complexity Is Hidden</a:t>
+            </a:r>
+          </a:p>
+          <a:p>
+            <a:pPr marL="457200" indent="-457200">
+              <a:buFont typeface="Segoe UI Symbol" panose="020B0502040204020203" pitchFamily="34" charset="0"/>
+              <a:buChar char=""/>
+            </a:pPr>
+            <a:r>
+              <a:rPr lang="en-US" sz="2400" b="1" dirty="0"/>
+              <a:t>Tech Agnostic</a:t>
+            </a:r>
+          </a:p>
+          <a:p>
+            <a:pPr marL="457200" indent="-457200">
+              <a:buNone/>
+            </a:pPr>
+            <a:endParaRPr lang="en-US" dirty="0"/>
+          </a:p>
+        </p:txBody>
+      </p:sp>
+      <p:cxnSp>
+        <p:nvCxnSpPr>
+          <p:cNvPr id="6" name="Straight Connector 5">
+            <a:extLst>
+              <a:ext uri="{FF2B5EF4-FFF2-40B4-BE49-F238E27FC236}">
+                <a16:creationId xmlns:a16="http://schemas.microsoft.com/office/drawing/2014/main" id="{AF3038D8-3194-24C1-B7BA-B89C3B01A2B3}"/>
+              </a:ext>
+            </a:extLst>
+          </p:cNvPr>
+          <p:cNvCxnSpPr/>
+          <p:nvPr/>
+        </p:nvCxnSpPr>
+        <p:spPr>
+          <a:xfrm>
+            <a:off x="5126182" y="1801091"/>
+            <a:ext cx="0" cy="4913745"/>
+          </a:xfrm>
+          <a:prstGeom prst="line">
+            <a:avLst/>
+          </a:prstGeom>
+        </p:spPr>
+        <p:style>
+          <a:lnRef idx="1">
+            <a:schemeClr val="accent1"/>
+          </a:lnRef>
+          <a:fillRef idx="0">
+            <a:schemeClr val="accent1"/>
+          </a:fillRef>
+          <a:effectRef idx="0">
+            <a:schemeClr val="accent1"/>
+          </a:effectRef>
+          <a:fontRef idx="minor">
+            <a:schemeClr val="tx1"/>
+          </a:fontRef>
+        </p:style>
+      </p:cxnSp>
+      <p:sp>
+        <p:nvSpPr>
+          <p:cNvPr id="7" name="TextBox 6">
+            <a:extLst>
+              <a:ext uri="{FF2B5EF4-FFF2-40B4-BE49-F238E27FC236}">
+                <a16:creationId xmlns:a16="http://schemas.microsoft.com/office/drawing/2014/main" id="{8193DA39-87D3-C195-797C-1C5F77BB332F}"/>
+              </a:ext>
+            </a:extLst>
+          </p:cNvPr>
+          <p:cNvSpPr txBox="1"/>
+          <p:nvPr/>
+        </p:nvSpPr>
+        <p:spPr>
+          <a:xfrm rot="16200000">
+            <a:off x="8076162" y="895030"/>
+            <a:ext cx="738664" cy="5676216"/>
+          </a:xfrm>
+          <a:prstGeom prst="rect">
+            <a:avLst/>
+          </a:prstGeom>
+          <a:noFill/>
+        </p:spPr>
+        <p:txBody>
+          <a:bodyPr vert="eaVert" wrap="square" rtlCol="0">
+            <a:spAutoFit/>
+          </a:bodyPr>
+          <a:lstStyle/>
+          <a:p>
+            <a:r>
+              <a:rPr lang="en-US" sz="1800" b="1" dirty="0"/>
+              <a:t>Simplifies interactions with intuitive, accessible questions</a:t>
+            </a:r>
+          </a:p>
+        </p:txBody>
+      </p:sp>
+    </p:spTree>
+    <p:extLst>
+      <p:ext uri="{BB962C8B-B14F-4D97-AF65-F5344CB8AC3E}">
+        <p14:creationId xmlns:p14="http://schemas.microsoft.com/office/powerpoint/2010/main" val="1127555306"/>
+      </p:ext>
+    </p:extLst>
+  </p:cSld>
+  <p:clrMapOvr>
+    <a:masterClrMapping/>
+  </p:clrMapOvr>
+  <mc:AlternateContent xmlns:mc="http://schemas.openxmlformats.org/markup-compatibility/2006" xmlns:p159="http://schemas.microsoft.com/office/powerpoint/2015/09/main">
+    <mc:Choice Requires="p159">
+      <p:transition xmlns:p14="http://schemas.microsoft.com/office/powerpoint/2010/main" spd="slow" p14:dur="2000">
+        <p159:morph option="byObject"/>
+      </p:transition>
+    </mc:Choice>
+    <mc:Fallback xmlns="">
+      <p:transition spd="slow">
+        <p:fade/>
+      </p:transition>
+    </mc:Fallback>
+  </mc:AlternateContent>
 </p:sld>
 </file>
 

--- a/Cyber Risk from Theory to Practice LSZ2025.pptx
+++ b/Cyber Risk from Theory to Practice LSZ2025.pptx
@@ -12,9 +12,9 @@
     <p:sldId id="261" r:id="rId3"/>
     <p:sldId id="262" r:id="rId4"/>
     <p:sldId id="263" r:id="rId5"/>
-    <p:sldId id="280" r:id="rId6"/>
-    <p:sldId id="281" r:id="rId7"/>
-    <p:sldId id="279" r:id="rId8"/>
+    <p:sldId id="279" r:id="rId6"/>
+    <p:sldId id="280" r:id="rId7"/>
+    <p:sldId id="281" r:id="rId8"/>
     <p:sldId id="276" r:id="rId9"/>
     <p:sldId id="284" r:id="rId10"/>
     <p:sldId id="289" r:id="rId11"/>
@@ -130,7 +130,7 @@
 <file path=ppt/revisionInfo.xml><?xml version="1.0" encoding="utf-8"?>
 <p1510:revInfo xmlns:a="http://schemas.openxmlformats.org/drawingml/2006/main" xmlns:r="http://schemas.openxmlformats.org/officeDocument/2006/relationships" xmlns:p1510="http://schemas.microsoft.com/office/powerpoint/2015/10/main">
   <p1510:revLst>
-    <p1510:client id="{7827F99D-84E5-4E97-A708-2A297FB4E1D1}" v="5" dt="2025-06-16T12:56:31.783"/>
+    <p1510:client id="{7827F99D-84E5-4E97-A708-2A297FB4E1D1}" v="6" dt="2025-06-16T14:00:12.976"/>
     <p1510:client id="{A73945AE-DCFA-4FD1-A90A-23CC5D84B6E8}" v="11" dt="2025-06-16T11:29:20.038"/>
     <p1510:client id="{AECBCC42-95E9-4C39-AB58-8B4AFB574EF5}" v="283" dt="2025-06-16T13:46:58.305"/>
   </p1510:revLst>
@@ -920,13 +920,13 @@
   </pc:docChgLst>
   <pc:docChgLst>
     <pc:chgData name="Georgios Miskakis" userId="44b2163f-3f3f-427f-9606-72ab2f8439a5" providerId="ADAL" clId="{7827F99D-84E5-4E97-A708-2A297FB4E1D1}"/>
-    <pc:docChg chg="undo custSel addSld delSld modSld">
-      <pc:chgData name="Georgios Miskakis" userId="44b2163f-3f3f-427f-9606-72ab2f8439a5" providerId="ADAL" clId="{7827F99D-84E5-4E97-A708-2A297FB4E1D1}" dt="2025-06-16T12:58:00.354" v="94" actId="27636"/>
+    <pc:docChg chg="undo custSel addSld delSld modSld sldOrd">
+      <pc:chgData name="Georgios Miskakis" userId="44b2163f-3f3f-427f-9606-72ab2f8439a5" providerId="ADAL" clId="{7827F99D-84E5-4E97-A708-2A297FB4E1D1}" dt="2025-06-16T14:00:30.541" v="164" actId="1076"/>
       <pc:docMkLst>
         <pc:docMk/>
       </pc:docMkLst>
       <pc:sldChg chg="addSp modSp mod">
-        <pc:chgData name="Georgios Miskakis" userId="44b2163f-3f3f-427f-9606-72ab2f8439a5" providerId="ADAL" clId="{7827F99D-84E5-4E97-A708-2A297FB4E1D1}" dt="2025-06-16T12:51:07.212" v="6" actId="1076"/>
+        <pc:chgData name="Georgios Miskakis" userId="44b2163f-3f3f-427f-9606-72ab2f8439a5" providerId="ADAL" clId="{7827F99D-84E5-4E97-A708-2A297FB4E1D1}" dt="2025-06-16T13:50:33.796" v="95" actId="6549"/>
         <pc:sldMkLst>
           <pc:docMk/>
           <pc:sldMk cId="813993434" sldId="256"/>
@@ -940,7 +940,7 @@
           </ac:spMkLst>
         </pc:spChg>
         <pc:spChg chg="add mod">
-          <ac:chgData name="Georgios Miskakis" userId="44b2163f-3f3f-427f-9606-72ab2f8439a5" providerId="ADAL" clId="{7827F99D-84E5-4E97-A708-2A297FB4E1D1}" dt="2025-06-16T12:51:07.212" v="6" actId="1076"/>
+          <ac:chgData name="Georgios Miskakis" userId="44b2163f-3f3f-427f-9606-72ab2f8439a5" providerId="ADAL" clId="{7827F99D-84E5-4E97-A708-2A297FB4E1D1}" dt="2025-06-16T13:50:33.796" v="95" actId="6549"/>
           <ac:spMkLst>
             <pc:docMk/>
             <pc:sldMk cId="813993434" sldId="256"/>
@@ -987,13 +987,13 @@
         </pc:picChg>
       </pc:sldChg>
       <pc:sldChg chg="addSp delSp modSp mod">
-        <pc:chgData name="Georgios Miskakis" userId="44b2163f-3f3f-427f-9606-72ab2f8439a5" providerId="ADAL" clId="{7827F99D-84E5-4E97-A708-2A297FB4E1D1}" dt="2025-06-16T12:57:39.275" v="89" actId="14100"/>
+        <pc:chgData name="Georgios Miskakis" userId="44b2163f-3f3f-427f-9606-72ab2f8439a5" providerId="ADAL" clId="{7827F99D-84E5-4E97-A708-2A297FB4E1D1}" dt="2025-06-16T13:57:21.478" v="147" actId="20577"/>
         <pc:sldMkLst>
           <pc:docMk/>
           <pc:sldMk cId="564532028" sldId="263"/>
         </pc:sldMkLst>
         <pc:spChg chg="mod">
-          <ac:chgData name="Georgios Miskakis" userId="44b2163f-3f3f-427f-9606-72ab2f8439a5" providerId="ADAL" clId="{7827F99D-84E5-4E97-A708-2A297FB4E1D1}" dt="2025-06-16T12:56:23.138" v="75" actId="1076"/>
+          <ac:chgData name="Georgios Miskakis" userId="44b2163f-3f3f-427f-9606-72ab2f8439a5" providerId="ADAL" clId="{7827F99D-84E5-4E97-A708-2A297FB4E1D1}" dt="2025-06-16T13:57:21.478" v="147" actId="20577"/>
           <ac:spMkLst>
             <pc:docMk/>
             <pc:sldMk cId="564532028" sldId="263"/>
@@ -1073,8 +1073,31 @@
           </ac:picMkLst>
         </pc:picChg>
       </pc:sldChg>
-      <pc:sldChg chg="addSp delSp modSp mod">
-        <pc:chgData name="Georgios Miskakis" userId="44b2163f-3f3f-427f-9606-72ab2f8439a5" providerId="ADAL" clId="{7827F99D-84E5-4E97-A708-2A297FB4E1D1}" dt="2025-06-16T12:58:00.354" v="94" actId="27636"/>
+      <pc:sldChg chg="addSp modSp mod">
+        <pc:chgData name="Georgios Miskakis" userId="44b2163f-3f3f-427f-9606-72ab2f8439a5" providerId="ADAL" clId="{7827F99D-84E5-4E97-A708-2A297FB4E1D1}" dt="2025-06-16T14:00:30.541" v="164" actId="1076"/>
+        <pc:sldMkLst>
+          <pc:docMk/>
+          <pc:sldMk cId="3975878529" sldId="277"/>
+        </pc:sldMkLst>
+        <pc:spChg chg="mod">
+          <ac:chgData name="Georgios Miskakis" userId="44b2163f-3f3f-427f-9606-72ab2f8439a5" providerId="ADAL" clId="{7827F99D-84E5-4E97-A708-2A297FB4E1D1}" dt="2025-06-16T14:00:30.541" v="164" actId="1076"/>
+          <ac:spMkLst>
+            <pc:docMk/>
+            <pc:sldMk cId="3975878529" sldId="277"/>
+            <ac:spMk id="2" creationId="{2416BF2B-768A-1E24-849F-A4A7D4EDBB2B}"/>
+          </ac:spMkLst>
+        </pc:spChg>
+        <pc:spChg chg="add mod">
+          <ac:chgData name="Georgios Miskakis" userId="44b2163f-3f3f-427f-9606-72ab2f8439a5" providerId="ADAL" clId="{7827F99D-84E5-4E97-A708-2A297FB4E1D1}" dt="2025-06-16T14:00:17.325" v="153" actId="1076"/>
+          <ac:spMkLst>
+            <pc:docMk/>
+            <pc:sldMk cId="3975878529" sldId="277"/>
+            <ac:spMk id="4" creationId="{836FA39E-9F5E-D415-070F-699E91C3F4E9}"/>
+          </ac:spMkLst>
+        </pc:spChg>
+      </pc:sldChg>
+      <pc:sldChg chg="addSp delSp modSp mod ord">
+        <pc:chgData name="Georgios Miskakis" userId="44b2163f-3f3f-427f-9606-72ab2f8439a5" providerId="ADAL" clId="{7827F99D-84E5-4E97-A708-2A297FB4E1D1}" dt="2025-06-16T13:55:59.705" v="97"/>
         <pc:sldMkLst>
           <pc:docMk/>
           <pc:sldMk cId="2219809388" sldId="279"/>
@@ -9981,7 +10004,7 @@
           <a:p>
             <a:fld id="{8B9DFE6E-D9C8-4D75-BED2-1753E150FCDA}" type="slidenum">
               <a:rPr lang="en-US" smtClean="0"/>
-              <a:t>6</a:t>
+              <a:t>7</a:t>
             </a:fld>
             <a:endParaRPr lang="en-US"/>
           </a:p>
@@ -15980,81 +16003,6 @@
                 <a:cs typeface="+mn-cs"/>
               </a:rPr>
             </a:br>
-            <a:r>
-              <a:rPr lang="en-US" sz="2000" dirty="0">
-                <a:solidFill>
-                  <a:schemeClr val="tx1"/>
-                </a:solidFill>
-                <a:latin typeface="+mn-lt"/>
-                <a:ea typeface="+mn-ea"/>
-                <a:cs typeface="+mn-cs"/>
-              </a:rPr>
-              <a:t>ISACA CISM,CISA,CDPSE,CRISC, </a:t>
-            </a:r>
-            <a:br>
-              <a:rPr lang="en-US" sz="2000" dirty="0">
-                <a:solidFill>
-                  <a:schemeClr val="tx1"/>
-                </a:solidFill>
-                <a:latin typeface="+mn-lt"/>
-                <a:ea typeface="+mn-ea"/>
-                <a:cs typeface="+mn-cs"/>
-              </a:rPr>
-            </a:br>
-            <a:r>
-              <a:rPr lang="en-US" sz="2000" dirty="0">
-                <a:solidFill>
-                  <a:schemeClr val="tx1"/>
-                </a:solidFill>
-                <a:latin typeface="+mn-lt"/>
-                <a:ea typeface="+mn-ea"/>
-                <a:cs typeface="+mn-cs"/>
-              </a:rPr>
-              <a:t>PECB ISO27K </a:t>
-            </a:r>
-            <a:r>
-              <a:rPr lang="en-US" sz="2000" dirty="0" err="1">
-                <a:solidFill>
-                  <a:schemeClr val="tx1"/>
-                </a:solidFill>
-                <a:latin typeface="+mn-lt"/>
-                <a:ea typeface="+mn-ea"/>
-                <a:cs typeface="+mn-cs"/>
-              </a:rPr>
-              <a:t>Auditor&amp;Implementer</a:t>
-            </a:r>
-            <a:r>
-              <a:rPr lang="en-US" sz="2000" dirty="0">
-                <a:solidFill>
-                  <a:schemeClr val="tx1"/>
-                </a:solidFill>
-                <a:latin typeface="+mn-lt"/>
-                <a:ea typeface="+mn-ea"/>
-                <a:cs typeface="+mn-cs"/>
-              </a:rPr>
-              <a:t>, </a:t>
-            </a:r>
-            <a:br>
-              <a:rPr lang="en-US" sz="2000" dirty="0">
-                <a:solidFill>
-                  <a:schemeClr val="tx1"/>
-                </a:solidFill>
-                <a:latin typeface="+mn-lt"/>
-                <a:ea typeface="+mn-ea"/>
-                <a:cs typeface="+mn-cs"/>
-              </a:rPr>
-            </a:br>
-            <a:r>
-              <a:rPr lang="en-US" sz="2000" dirty="0">
-                <a:solidFill>
-                  <a:schemeClr val="tx1"/>
-                </a:solidFill>
-                <a:latin typeface="+mn-lt"/>
-                <a:ea typeface="+mn-ea"/>
-                <a:cs typeface="+mn-cs"/>
-              </a:rPr>
-              <a:t>ITIL v3</a:t>
-            </a:r>
             <a:br>
               <a:rPr lang="en-US" sz="2600" dirty="0">
                 <a:solidFill>
@@ -16446,13 +16394,13 @@
   <p:clrMapOvr>
     <a:masterClrMapping/>
   </p:clrMapOvr>
-  <mc:AlternateContent xmlns:mc="http://schemas.openxmlformats.org/markup-compatibility/2006">
-    <mc:Choice xmlns:p159="http://schemas.microsoft.com/office/powerpoint/2015/09/main" Requires="p159">
+  <mc:AlternateContent xmlns:mc="http://schemas.openxmlformats.org/markup-compatibility/2006" xmlns:p159="http://schemas.microsoft.com/office/powerpoint/2015/09/main">
+    <mc:Choice Requires="p159">
       <p:transition xmlns:p14="http://schemas.microsoft.com/office/powerpoint/2010/main" spd="slow" p14:dur="2000">
         <p159:morph option="byObject"/>
       </p:transition>
     </mc:Choice>
-    <mc:Fallback>
+    <mc:Fallback xmlns="">
       <p:transition spd="slow">
         <p:fade/>
       </p:transition>
@@ -16754,13 +16702,13 @@
   <p:clrMapOvr>
     <a:masterClrMapping/>
   </p:clrMapOvr>
-  <mc:AlternateContent xmlns:mc="http://schemas.openxmlformats.org/markup-compatibility/2006">
-    <mc:Choice xmlns:p159="http://schemas.microsoft.com/office/powerpoint/2015/09/main" Requires="p159">
+  <mc:AlternateContent xmlns:mc="http://schemas.openxmlformats.org/markup-compatibility/2006" xmlns:p159="http://schemas.microsoft.com/office/powerpoint/2015/09/main">
+    <mc:Choice Requires="p159">
       <p:transition xmlns:p14="http://schemas.microsoft.com/office/powerpoint/2010/main" spd="slow" p14:dur="2000">
         <p159:morph option="byObject"/>
       </p:transition>
     </mc:Choice>
-    <mc:Fallback>
+    <mc:Fallback xmlns="">
       <p:transition spd="slow">
         <p:fade/>
       </p:transition>
@@ -17046,13 +16994,13 @@
   <p:clrMapOvr>
     <a:masterClrMapping/>
   </p:clrMapOvr>
-  <mc:AlternateContent xmlns:mc="http://schemas.openxmlformats.org/markup-compatibility/2006">
-    <mc:Choice xmlns:p159="http://schemas.microsoft.com/office/powerpoint/2015/09/main" Requires="p159">
+  <mc:AlternateContent xmlns:mc="http://schemas.openxmlformats.org/markup-compatibility/2006" xmlns:p159="http://schemas.microsoft.com/office/powerpoint/2015/09/main">
+    <mc:Choice Requires="p159">
       <p:transition xmlns:p14="http://schemas.microsoft.com/office/powerpoint/2010/main" spd="slow" p14:dur="2000">
         <p159:morph option="byObject"/>
       </p:transition>
     </mc:Choice>
-    <mc:Fallback>
+    <mc:Fallback xmlns="">
       <p:transition spd="slow">
         <p:fade/>
       </p:transition>
@@ -17104,19 +17052,19 @@
         </p:nvSpPr>
         <p:spPr>
           <a:xfrm>
-            <a:off x="691078" y="725951"/>
-            <a:ext cx="5398648" cy="1878413"/>
+            <a:off x="8218151" y="71037"/>
+            <a:ext cx="5398648" cy="590967"/>
           </a:xfrm>
         </p:spPr>
         <p:txBody>
           <a:bodyPr vert="horz" lIns="91440" tIns="45720" rIns="91440" bIns="45720" rtlCol="0" anchor="b">
-            <a:normAutofit/>
+            <a:normAutofit fontScale="90000"/>
           </a:bodyPr>
           <a:lstStyle/>
           <a:p>
             <a:r>
-              <a:rPr lang="en-US"/>
-              <a:t>Thank you!</a:t>
+              <a:rPr lang="en-US" dirty="0"/>
+              <a:t>Download</a:t>
             </a:r>
           </a:p>
         </p:txBody>
@@ -17377,6 +17325,119 @@
           </a:prstGeom>
         </p:spPr>
       </p:pic>
+      <p:sp>
+        <p:nvSpPr>
+          <p:cNvPr id="4" name="Title 1">
+            <a:extLst>
+              <a:ext uri="{FF2B5EF4-FFF2-40B4-BE49-F238E27FC236}">
+                <a16:creationId xmlns:a16="http://schemas.microsoft.com/office/drawing/2014/main" id="{836FA39E-9F5E-D415-070F-699E91C3F4E9}"/>
+              </a:ext>
+            </a:extLst>
+          </p:cNvPr>
+          <p:cNvSpPr txBox="1">
+            <a:spLocks/>
+          </p:cNvSpPr>
+          <p:nvPr/>
+        </p:nvSpPr>
+        <p:spPr>
+          <a:xfrm>
+            <a:off x="809134" y="1639089"/>
+            <a:ext cx="5398648" cy="590967"/>
+          </a:xfrm>
+          <a:prstGeom prst="rect">
+            <a:avLst/>
+          </a:prstGeom>
+          <a:effectLst/>
+        </p:spPr>
+        <p:txBody>
+          <a:bodyPr vert="horz" lIns="91440" tIns="45720" rIns="91440" bIns="45720" rtlCol="0" anchor="b">
+            <a:normAutofit fontScale="97500" lnSpcReduction="10000"/>
+          </a:bodyPr>
+          <a:lstStyle>
+            <a:lvl1pPr algn="l" defTabSz="457200" rtl="0" eaLnBrk="1" latinLnBrk="0" hangingPunct="1">
+              <a:spcBef>
+                <a:spcPct val="0"/>
+              </a:spcBef>
+              <a:buNone/>
+              <a:defRPr sz="3600" kern="1200" cap="all">
+                <a:ln w="3175" cmpd="sng">
+                  <a:noFill/>
+                </a:ln>
+                <a:solidFill>
+                  <a:schemeClr val="tx1"/>
+                </a:solidFill>
+                <a:effectLst/>
+                <a:latin typeface="+mj-lt"/>
+                <a:ea typeface="+mj-ea"/>
+                <a:cs typeface="+mj-cs"/>
+              </a:defRPr>
+            </a:lvl1pPr>
+            <a:lvl2pPr eaLnBrk="1" hangingPunct="1">
+              <a:defRPr>
+                <a:solidFill>
+                  <a:schemeClr val="tx2"/>
+                </a:solidFill>
+              </a:defRPr>
+            </a:lvl2pPr>
+            <a:lvl3pPr eaLnBrk="1" hangingPunct="1">
+              <a:defRPr>
+                <a:solidFill>
+                  <a:schemeClr val="tx2"/>
+                </a:solidFill>
+              </a:defRPr>
+            </a:lvl3pPr>
+            <a:lvl4pPr eaLnBrk="1" hangingPunct="1">
+              <a:defRPr>
+                <a:solidFill>
+                  <a:schemeClr val="tx2"/>
+                </a:solidFill>
+              </a:defRPr>
+            </a:lvl4pPr>
+            <a:lvl5pPr eaLnBrk="1" hangingPunct="1">
+              <a:defRPr>
+                <a:solidFill>
+                  <a:schemeClr val="tx2"/>
+                </a:solidFill>
+              </a:defRPr>
+            </a:lvl5pPr>
+            <a:lvl6pPr eaLnBrk="1" hangingPunct="1">
+              <a:defRPr>
+                <a:solidFill>
+                  <a:schemeClr val="tx2"/>
+                </a:solidFill>
+              </a:defRPr>
+            </a:lvl6pPr>
+            <a:lvl7pPr eaLnBrk="1" hangingPunct="1">
+              <a:defRPr>
+                <a:solidFill>
+                  <a:schemeClr val="tx2"/>
+                </a:solidFill>
+              </a:defRPr>
+            </a:lvl7pPr>
+            <a:lvl8pPr eaLnBrk="1" hangingPunct="1">
+              <a:defRPr>
+                <a:solidFill>
+                  <a:schemeClr val="tx2"/>
+                </a:solidFill>
+              </a:defRPr>
+            </a:lvl8pPr>
+            <a:lvl9pPr eaLnBrk="1" hangingPunct="1">
+              <a:defRPr>
+                <a:solidFill>
+                  <a:schemeClr val="tx2"/>
+                </a:solidFill>
+              </a:defRPr>
+            </a:lvl9pPr>
+          </a:lstStyle>
+          <a:p>
+            <a:r>
+              <a:rPr lang="en-US"/>
+              <a:t>Thank you!</a:t>
+            </a:r>
+            <a:endParaRPr lang="en-US" dirty="0"/>
+          </a:p>
+        </p:txBody>
+      </p:sp>
     </p:spTree>
     <p:extLst>
       <p:ext uri="{BB962C8B-B14F-4D97-AF65-F5344CB8AC3E}">
@@ -18176,7 +18237,7 @@
         </p:nvSpPr>
         <p:spPr>
           <a:xfrm>
-            <a:off x="1361624" y="2410137"/>
+            <a:off x="983844" y="1925032"/>
             <a:ext cx="8884009" cy="2645189"/>
           </a:xfrm>
         </p:spPr>
@@ -18189,15 +18250,26 @@
             <a:pPr algn="r"/>
             <a:r>
               <a:rPr lang="en-US" sz="5400" dirty="0"/>
-              <a:t>A combined approach based on controls,</a:t>
+              <a:t>What IF, there is </a:t>
             </a:r>
             <a:br>
               <a:rPr lang="en-US" sz="5400" dirty="0"/>
             </a:br>
+            <a:br>
+              <a:rPr lang="en-US" sz="5400" dirty="0"/>
+            </a:br>
             <a:r>
-              <a:rPr lang="en-US" sz="5400" dirty="0"/>
-              <a:t>efficiency and risk scenarios can reduce challenges</a:t>
+              <a:rPr lang="en-US" sz="3100" dirty="0"/>
+              <a:t>A Framework based on controls,</a:t>
             </a:r>
+            <a:br>
+              <a:rPr lang="en-US" sz="3100" dirty="0"/>
+            </a:br>
+            <a:r>
+              <a:rPr lang="en-US" sz="3100" dirty="0"/>
+              <a:t>efficiency and risk scenarios that can reduce challenges</a:t>
+            </a:r>
+            <a:endParaRPr lang="en-US" sz="5400" dirty="0"/>
           </a:p>
         </p:txBody>
       </p:sp>
@@ -18215,6 +18287,276 @@
 </file>
 
 <file path=ppt/slides/slide5.xml><?xml version="1.0" encoding="utf-8"?>
+<p:sld xmlns:a="http://schemas.openxmlformats.org/drawingml/2006/main" xmlns:r="http://schemas.openxmlformats.org/officeDocument/2006/relationships" xmlns:p="http://schemas.openxmlformats.org/presentationml/2006/main">
+  <p:cSld>
+    <p:bg>
+      <p:bgPr>
+        <a:solidFill>
+          <a:schemeClr val="bg1"/>
+        </a:solidFill>
+        <a:effectLst/>
+      </p:bgPr>
+    </p:bg>
+    <p:spTree>
+      <p:nvGrpSpPr>
+        <p:cNvPr id="1" name="">
+          <a:extLst>
+            <a:ext uri="{FF2B5EF4-FFF2-40B4-BE49-F238E27FC236}">
+              <a16:creationId xmlns:a16="http://schemas.microsoft.com/office/drawing/2014/main" id="{2377624C-F98F-0F40-6395-A3BBAA43309F}"/>
+            </a:ext>
+          </a:extLst>
+        </p:cNvPr>
+        <p:cNvGrpSpPr/>
+        <p:nvPr/>
+      </p:nvGrpSpPr>
+      <p:grpSpPr>
+        <a:xfrm>
+          <a:off x="0" y="0"/>
+          <a:ext cx="0" cy="0"/>
+          <a:chOff x="0" y="0"/>
+          <a:chExt cx="0" cy="0"/>
+        </a:xfrm>
+      </p:grpSpPr>
+      <p:sp>
+        <p:nvSpPr>
+          <p:cNvPr id="2" name="TextBox 1">
+            <a:extLst>
+              <a:ext uri="{FF2B5EF4-FFF2-40B4-BE49-F238E27FC236}">
+                <a16:creationId xmlns:a16="http://schemas.microsoft.com/office/drawing/2014/main" id="{D935AA5F-1B13-654A-A15B-963FAA15DBC8}"/>
+              </a:ext>
+            </a:extLst>
+          </p:cNvPr>
+          <p:cNvSpPr txBox="1"/>
+          <p:nvPr/>
+        </p:nvSpPr>
+        <p:spPr>
+          <a:xfrm>
+            <a:off x="665202" y="1452741"/>
+            <a:ext cx="5610470" cy="3791918"/>
+          </a:xfrm>
+          <a:prstGeom prst="rect">
+            <a:avLst/>
+          </a:prstGeom>
+        </p:spPr>
+        <p:txBody>
+          <a:bodyPr vert="horz" lIns="91440" tIns="45720" rIns="91440" bIns="45720" rtlCol="0">
+            <a:normAutofit/>
+          </a:bodyPr>
+          <a:lstStyle/>
+          <a:p>
+            <a:pPr indent="-228600">
+              <a:buClr>
+                <a:schemeClr val="tx2">
+                  <a:lumMod val="50000"/>
+                  <a:lumOff val="50000"/>
+                </a:schemeClr>
+              </a:buClr>
+              <a:buSzPct val="75000"/>
+              <a:buFont typeface="Wingdings" panose="05000000000000000000" pitchFamily="2" charset="2"/>
+              <a:buChar char="§"/>
+            </a:pPr>
+            <a:r>
+              <a:rPr lang="en-US" sz="2400" b="1" dirty="0">
+                <a:solidFill>
+                  <a:schemeClr val="tx2"/>
+                </a:solidFill>
+              </a:rPr>
+              <a:t>Framework Design Principles</a:t>
+            </a:r>
+          </a:p>
+          <a:p>
+            <a:pPr indent="-228600">
+              <a:buClr>
+                <a:schemeClr val="tx2">
+                  <a:lumMod val="50000"/>
+                  <a:lumOff val="50000"/>
+                </a:schemeClr>
+              </a:buClr>
+              <a:buSzPct val="75000"/>
+              <a:buFont typeface="Wingdings" panose="05000000000000000000" pitchFamily="2" charset="2"/>
+              <a:buChar char="§"/>
+            </a:pPr>
+            <a:endParaRPr lang="en-US" dirty="0">
+              <a:solidFill>
+                <a:schemeClr val="tx2"/>
+              </a:solidFill>
+            </a:endParaRPr>
+          </a:p>
+          <a:p>
+            <a:pPr marL="457200" indent="-228600">
+              <a:spcBef>
+                <a:spcPts val="1000"/>
+              </a:spcBef>
+              <a:buClr>
+                <a:schemeClr val="tx2">
+                  <a:lumMod val="50000"/>
+                  <a:lumOff val="50000"/>
+                </a:schemeClr>
+              </a:buClr>
+              <a:buSzPct val="75000"/>
+              <a:buFont typeface="Wingdings" panose="05000000000000000000" pitchFamily="2" charset="2"/>
+              <a:buChar char="§"/>
+            </a:pPr>
+            <a:r>
+              <a:rPr lang="en-US" dirty="0">
+                <a:solidFill>
+                  <a:schemeClr val="tx2"/>
+                </a:solidFill>
+              </a:rPr>
+              <a:t>Context-Based Scenarios – Tailor risks to business needs.</a:t>
+            </a:r>
+          </a:p>
+          <a:p>
+            <a:pPr marL="457200" indent="-228600">
+              <a:spcBef>
+                <a:spcPts val="1000"/>
+              </a:spcBef>
+              <a:buClr>
+                <a:schemeClr val="tx2">
+                  <a:lumMod val="50000"/>
+                  <a:lumOff val="50000"/>
+                </a:schemeClr>
+              </a:buClr>
+              <a:buSzPct val="75000"/>
+              <a:buFont typeface="Wingdings" panose="05000000000000000000" pitchFamily="2" charset="2"/>
+              <a:buChar char="§"/>
+            </a:pPr>
+            <a:r>
+              <a:rPr lang="en-US" dirty="0">
+                <a:solidFill>
+                  <a:schemeClr val="tx2"/>
+                </a:solidFill>
+              </a:rPr>
+              <a:t>Asset Prioritization (Triage) – Identify and classify critical assets.</a:t>
+            </a:r>
+          </a:p>
+          <a:p>
+            <a:pPr marL="457200" indent="-228600">
+              <a:spcBef>
+                <a:spcPts val="1000"/>
+              </a:spcBef>
+              <a:buClr>
+                <a:schemeClr val="tx2">
+                  <a:lumMod val="50000"/>
+                  <a:lumOff val="50000"/>
+                </a:schemeClr>
+              </a:buClr>
+              <a:buSzPct val="75000"/>
+              <a:buFont typeface="Wingdings" panose="05000000000000000000" pitchFamily="2" charset="2"/>
+              <a:buChar char="§"/>
+            </a:pPr>
+            <a:r>
+              <a:rPr lang="en-US" dirty="0">
+                <a:solidFill>
+                  <a:schemeClr val="tx2"/>
+                </a:solidFill>
+              </a:rPr>
+              <a:t>Control Mapping</a:t>
+            </a:r>
+          </a:p>
+          <a:p>
+            <a:pPr marL="457200" indent="-228600">
+              <a:spcBef>
+                <a:spcPts val="1000"/>
+              </a:spcBef>
+              <a:buClr>
+                <a:schemeClr val="tx2">
+                  <a:lumMod val="50000"/>
+                  <a:lumOff val="50000"/>
+                </a:schemeClr>
+              </a:buClr>
+              <a:buSzPct val="75000"/>
+              <a:buFont typeface="Wingdings" panose="05000000000000000000" pitchFamily="2" charset="2"/>
+              <a:buChar char="§"/>
+            </a:pPr>
+            <a:r>
+              <a:rPr lang="en-US" dirty="0">
+                <a:solidFill>
+                  <a:schemeClr val="tx2"/>
+                </a:solidFill>
+              </a:rPr>
+              <a:t>Efficiency in Controls – Measurable controls (e.g., patch cadence, response time).</a:t>
+            </a:r>
+          </a:p>
+          <a:p>
+            <a:pPr marL="457200" indent="-228600">
+              <a:spcBef>
+                <a:spcPts val="1000"/>
+              </a:spcBef>
+              <a:buClr>
+                <a:schemeClr val="tx2">
+                  <a:lumMod val="50000"/>
+                  <a:lumOff val="50000"/>
+                </a:schemeClr>
+              </a:buClr>
+              <a:buSzPct val="75000"/>
+              <a:buFont typeface="Wingdings" panose="05000000000000000000" pitchFamily="2" charset="2"/>
+              <a:buChar char="§"/>
+            </a:pPr>
+            <a:r>
+              <a:rPr lang="en-US" dirty="0">
+                <a:solidFill>
+                  <a:schemeClr val="tx2"/>
+                </a:solidFill>
+              </a:rPr>
+              <a:t>Risk Categorization</a:t>
+            </a:r>
+          </a:p>
+        </p:txBody>
+      </p:sp>
+      <p:pic>
+        <p:nvPicPr>
+          <p:cNvPr id="123" name="Graphic 122" descr="Head with Gears">
+            <a:extLst>
+              <a:ext uri="{FF2B5EF4-FFF2-40B4-BE49-F238E27FC236}">
+                <a16:creationId xmlns:a16="http://schemas.microsoft.com/office/drawing/2014/main" id="{DDCD1C87-A38A-6F64-6297-6437F0E66BEB}"/>
+              </a:ext>
+            </a:extLst>
+          </p:cNvPr>
+          <p:cNvPicPr>
+            <a:picLocks noChangeAspect="1"/>
+          </p:cNvPicPr>
+          <p:nvPr/>
+        </p:nvPicPr>
+        <p:blipFill>
+          <a:blip r:embed="rId2">
+            <a:extLst>
+              <a:ext uri="{28A0092B-C50C-407E-A947-70E740481C1C}">
+                <a14:useLocalDpi xmlns:a14="http://schemas.microsoft.com/office/drawing/2010/main" val="0"/>
+              </a:ext>
+              <a:ext uri="{96DAC541-7B7A-43D3-8B79-37D633B846F1}">
+                <asvg:svgBlip xmlns:asvg="http://schemas.microsoft.com/office/drawing/2016/SVG/main" r:embed="rId3"/>
+              </a:ext>
+            </a:extLst>
+          </a:blip>
+          <a:stretch>
+            <a:fillRect/>
+          </a:stretch>
+        </p:blipFill>
+        <p:spPr>
+          <a:xfrm>
+            <a:off x="7087094" y="1231415"/>
+            <a:ext cx="4401655" cy="4401655"/>
+          </a:xfrm>
+          <a:prstGeom prst="rect">
+            <a:avLst/>
+          </a:prstGeom>
+        </p:spPr>
+      </p:pic>
+    </p:spTree>
+    <p:extLst>
+      <p:ext uri="{BB962C8B-B14F-4D97-AF65-F5344CB8AC3E}">
+        <p14:creationId xmlns:p14="http://schemas.microsoft.com/office/powerpoint/2010/main" val="2219809388"/>
+      </p:ext>
+    </p:extLst>
+  </p:cSld>
+  <p:clrMapOvr>
+    <a:masterClrMapping/>
+  </p:clrMapOvr>
+</p:sld>
+</file>
+
+<file path=ppt/slides/slide6.xml><?xml version="1.0" encoding="utf-8"?>
 <p:sld xmlns:a="http://schemas.openxmlformats.org/drawingml/2006/main" xmlns:r="http://schemas.openxmlformats.org/officeDocument/2006/relationships" xmlns:p="http://schemas.openxmlformats.org/presentationml/2006/main">
   <p:cSld>
     <p:bg>
@@ -18331,7 +18673,7 @@
 </p:sld>
 </file>
 
-<file path=ppt/slides/slide6.xml><?xml version="1.0" encoding="utf-8"?>
+<file path=ppt/slides/slide7.xml><?xml version="1.0" encoding="utf-8"?>
 <p:sld xmlns:a="http://schemas.openxmlformats.org/drawingml/2006/main" xmlns:r="http://schemas.openxmlformats.org/officeDocument/2006/relationships" xmlns:p="http://schemas.openxmlformats.org/presentationml/2006/main">
   <p:cSld>
     <p:bg>
@@ -18439,276 +18781,6 @@
     <p:extLst>
       <p:ext uri="{BB962C8B-B14F-4D97-AF65-F5344CB8AC3E}">
         <p14:creationId xmlns:p14="http://schemas.microsoft.com/office/powerpoint/2010/main" val="1659566485"/>
-      </p:ext>
-    </p:extLst>
-  </p:cSld>
-  <p:clrMapOvr>
-    <a:masterClrMapping/>
-  </p:clrMapOvr>
-</p:sld>
-</file>
-
-<file path=ppt/slides/slide7.xml><?xml version="1.0" encoding="utf-8"?>
-<p:sld xmlns:a="http://schemas.openxmlformats.org/drawingml/2006/main" xmlns:r="http://schemas.openxmlformats.org/officeDocument/2006/relationships" xmlns:p="http://schemas.openxmlformats.org/presentationml/2006/main">
-  <p:cSld>
-    <p:bg>
-      <p:bgPr>
-        <a:solidFill>
-          <a:schemeClr val="bg1"/>
-        </a:solidFill>
-        <a:effectLst/>
-      </p:bgPr>
-    </p:bg>
-    <p:spTree>
-      <p:nvGrpSpPr>
-        <p:cNvPr id="1" name="">
-          <a:extLst>
-            <a:ext uri="{FF2B5EF4-FFF2-40B4-BE49-F238E27FC236}">
-              <a16:creationId xmlns:a16="http://schemas.microsoft.com/office/drawing/2014/main" id="{2377624C-F98F-0F40-6395-A3BBAA43309F}"/>
-            </a:ext>
-          </a:extLst>
-        </p:cNvPr>
-        <p:cNvGrpSpPr/>
-        <p:nvPr/>
-      </p:nvGrpSpPr>
-      <p:grpSpPr>
-        <a:xfrm>
-          <a:off x="0" y="0"/>
-          <a:ext cx="0" cy="0"/>
-          <a:chOff x="0" y="0"/>
-          <a:chExt cx="0" cy="0"/>
-        </a:xfrm>
-      </p:grpSpPr>
-      <p:sp>
-        <p:nvSpPr>
-          <p:cNvPr id="2" name="TextBox 1">
-            <a:extLst>
-              <a:ext uri="{FF2B5EF4-FFF2-40B4-BE49-F238E27FC236}">
-                <a16:creationId xmlns:a16="http://schemas.microsoft.com/office/drawing/2014/main" id="{D935AA5F-1B13-654A-A15B-963FAA15DBC8}"/>
-              </a:ext>
-            </a:extLst>
-          </p:cNvPr>
-          <p:cNvSpPr txBox="1"/>
-          <p:nvPr/>
-        </p:nvSpPr>
-        <p:spPr>
-          <a:xfrm>
-            <a:off x="665202" y="1452741"/>
-            <a:ext cx="5610470" cy="3791918"/>
-          </a:xfrm>
-          <a:prstGeom prst="rect">
-            <a:avLst/>
-          </a:prstGeom>
-        </p:spPr>
-        <p:txBody>
-          <a:bodyPr vert="horz" lIns="91440" tIns="45720" rIns="91440" bIns="45720" rtlCol="0">
-            <a:normAutofit/>
-          </a:bodyPr>
-          <a:lstStyle/>
-          <a:p>
-            <a:pPr indent="-228600">
-              <a:buClr>
-                <a:schemeClr val="tx2">
-                  <a:lumMod val="50000"/>
-                  <a:lumOff val="50000"/>
-                </a:schemeClr>
-              </a:buClr>
-              <a:buSzPct val="75000"/>
-              <a:buFont typeface="Wingdings" panose="05000000000000000000" pitchFamily="2" charset="2"/>
-              <a:buChar char="§"/>
-            </a:pPr>
-            <a:r>
-              <a:rPr lang="en-US" sz="2400" b="1" dirty="0">
-                <a:solidFill>
-                  <a:schemeClr val="tx2"/>
-                </a:solidFill>
-              </a:rPr>
-              <a:t>Framework Design Principles</a:t>
-            </a:r>
-          </a:p>
-          <a:p>
-            <a:pPr indent="-228600">
-              <a:buClr>
-                <a:schemeClr val="tx2">
-                  <a:lumMod val="50000"/>
-                  <a:lumOff val="50000"/>
-                </a:schemeClr>
-              </a:buClr>
-              <a:buSzPct val="75000"/>
-              <a:buFont typeface="Wingdings" panose="05000000000000000000" pitchFamily="2" charset="2"/>
-              <a:buChar char="§"/>
-            </a:pPr>
-            <a:endParaRPr lang="en-US" dirty="0">
-              <a:solidFill>
-                <a:schemeClr val="tx2"/>
-              </a:solidFill>
-            </a:endParaRPr>
-          </a:p>
-          <a:p>
-            <a:pPr marL="457200" indent="-228600">
-              <a:spcBef>
-                <a:spcPts val="1000"/>
-              </a:spcBef>
-              <a:buClr>
-                <a:schemeClr val="tx2">
-                  <a:lumMod val="50000"/>
-                  <a:lumOff val="50000"/>
-                </a:schemeClr>
-              </a:buClr>
-              <a:buSzPct val="75000"/>
-              <a:buFont typeface="Wingdings" panose="05000000000000000000" pitchFamily="2" charset="2"/>
-              <a:buChar char="§"/>
-            </a:pPr>
-            <a:r>
-              <a:rPr lang="en-US" dirty="0">
-                <a:solidFill>
-                  <a:schemeClr val="tx2"/>
-                </a:solidFill>
-              </a:rPr>
-              <a:t>Context-Based Scenarios – Tailor risks to business needs.</a:t>
-            </a:r>
-          </a:p>
-          <a:p>
-            <a:pPr marL="457200" indent="-228600">
-              <a:spcBef>
-                <a:spcPts val="1000"/>
-              </a:spcBef>
-              <a:buClr>
-                <a:schemeClr val="tx2">
-                  <a:lumMod val="50000"/>
-                  <a:lumOff val="50000"/>
-                </a:schemeClr>
-              </a:buClr>
-              <a:buSzPct val="75000"/>
-              <a:buFont typeface="Wingdings" panose="05000000000000000000" pitchFamily="2" charset="2"/>
-              <a:buChar char="§"/>
-            </a:pPr>
-            <a:r>
-              <a:rPr lang="en-US" dirty="0">
-                <a:solidFill>
-                  <a:schemeClr val="tx2"/>
-                </a:solidFill>
-              </a:rPr>
-              <a:t>Asset Prioritization (Triage) – Identify and classify critical assets.</a:t>
-            </a:r>
-          </a:p>
-          <a:p>
-            <a:pPr marL="457200" indent="-228600">
-              <a:spcBef>
-                <a:spcPts val="1000"/>
-              </a:spcBef>
-              <a:buClr>
-                <a:schemeClr val="tx2">
-                  <a:lumMod val="50000"/>
-                  <a:lumOff val="50000"/>
-                </a:schemeClr>
-              </a:buClr>
-              <a:buSzPct val="75000"/>
-              <a:buFont typeface="Wingdings" panose="05000000000000000000" pitchFamily="2" charset="2"/>
-              <a:buChar char="§"/>
-            </a:pPr>
-            <a:r>
-              <a:rPr lang="en-US" dirty="0">
-                <a:solidFill>
-                  <a:schemeClr val="tx2"/>
-                </a:solidFill>
-              </a:rPr>
-              <a:t>Control Mapping</a:t>
-            </a:r>
-          </a:p>
-          <a:p>
-            <a:pPr marL="457200" indent="-228600">
-              <a:spcBef>
-                <a:spcPts val="1000"/>
-              </a:spcBef>
-              <a:buClr>
-                <a:schemeClr val="tx2">
-                  <a:lumMod val="50000"/>
-                  <a:lumOff val="50000"/>
-                </a:schemeClr>
-              </a:buClr>
-              <a:buSzPct val="75000"/>
-              <a:buFont typeface="Wingdings" panose="05000000000000000000" pitchFamily="2" charset="2"/>
-              <a:buChar char="§"/>
-            </a:pPr>
-            <a:r>
-              <a:rPr lang="en-US" dirty="0">
-                <a:solidFill>
-                  <a:schemeClr val="tx2"/>
-                </a:solidFill>
-              </a:rPr>
-              <a:t>Efficiency in Controls – Measurable controls (e.g., patch cadence, response time).</a:t>
-            </a:r>
-          </a:p>
-          <a:p>
-            <a:pPr marL="457200" indent="-228600">
-              <a:spcBef>
-                <a:spcPts val="1000"/>
-              </a:spcBef>
-              <a:buClr>
-                <a:schemeClr val="tx2">
-                  <a:lumMod val="50000"/>
-                  <a:lumOff val="50000"/>
-                </a:schemeClr>
-              </a:buClr>
-              <a:buSzPct val="75000"/>
-              <a:buFont typeface="Wingdings" panose="05000000000000000000" pitchFamily="2" charset="2"/>
-              <a:buChar char="§"/>
-            </a:pPr>
-            <a:r>
-              <a:rPr lang="en-US" dirty="0">
-                <a:solidFill>
-                  <a:schemeClr val="tx2"/>
-                </a:solidFill>
-              </a:rPr>
-              <a:t>Risk Categorization</a:t>
-            </a:r>
-          </a:p>
-        </p:txBody>
-      </p:sp>
-      <p:pic>
-        <p:nvPicPr>
-          <p:cNvPr id="123" name="Graphic 122" descr="Head with Gears">
-            <a:extLst>
-              <a:ext uri="{FF2B5EF4-FFF2-40B4-BE49-F238E27FC236}">
-                <a16:creationId xmlns:a16="http://schemas.microsoft.com/office/drawing/2014/main" id="{DDCD1C87-A38A-6F64-6297-6437F0E66BEB}"/>
-              </a:ext>
-            </a:extLst>
-          </p:cNvPr>
-          <p:cNvPicPr>
-            <a:picLocks noChangeAspect="1"/>
-          </p:cNvPicPr>
-          <p:nvPr/>
-        </p:nvPicPr>
-        <p:blipFill>
-          <a:blip r:embed="rId2">
-            <a:extLst>
-              <a:ext uri="{28A0092B-C50C-407E-A947-70E740481C1C}">
-                <a14:useLocalDpi xmlns:a14="http://schemas.microsoft.com/office/drawing/2010/main" val="0"/>
-              </a:ext>
-              <a:ext uri="{96DAC541-7B7A-43D3-8B79-37D633B846F1}">
-                <asvg:svgBlip xmlns:asvg="http://schemas.microsoft.com/office/drawing/2016/SVG/main" r:embed="rId3"/>
-              </a:ext>
-            </a:extLst>
-          </a:blip>
-          <a:stretch>
-            <a:fillRect/>
-          </a:stretch>
-        </p:blipFill>
-        <p:spPr>
-          <a:xfrm>
-            <a:off x="7087094" y="1231415"/>
-            <a:ext cx="4401655" cy="4401655"/>
-          </a:xfrm>
-          <a:prstGeom prst="rect">
-            <a:avLst/>
-          </a:prstGeom>
-        </p:spPr>
-      </p:pic>
-    </p:spTree>
-    <p:extLst>
-      <p:ext uri="{BB962C8B-B14F-4D97-AF65-F5344CB8AC3E}">
-        <p14:creationId xmlns:p14="http://schemas.microsoft.com/office/powerpoint/2010/main" val="2219809388"/>
       </p:ext>
     </p:extLst>
   </p:cSld>
@@ -18829,13 +18901,13 @@
   <p:clrMapOvr>
     <a:masterClrMapping/>
   </p:clrMapOvr>
-  <mc:AlternateContent xmlns:mc="http://schemas.openxmlformats.org/markup-compatibility/2006">
-    <mc:Choice xmlns:p159="http://schemas.microsoft.com/office/powerpoint/2015/09/main" Requires="p159">
+  <mc:AlternateContent xmlns:mc="http://schemas.openxmlformats.org/markup-compatibility/2006" xmlns:p159="http://schemas.microsoft.com/office/powerpoint/2015/09/main">
+    <mc:Choice Requires="p159">
       <p:transition xmlns:p14="http://schemas.microsoft.com/office/powerpoint/2010/main" spd="slow" p14:dur="2000">
         <p159:morph option="byObject"/>
       </p:transition>
     </mc:Choice>
-    <mc:Fallback>
+    <mc:Fallback xmlns="">
       <p:transition spd="slow">
         <p:fade/>
       </p:transition>
@@ -19109,13 +19181,13 @@
   <p:clrMapOvr>
     <a:masterClrMapping/>
   </p:clrMapOvr>
-  <mc:AlternateContent xmlns:mc="http://schemas.openxmlformats.org/markup-compatibility/2006">
-    <mc:Choice xmlns:p159="http://schemas.microsoft.com/office/powerpoint/2015/09/main" Requires="p159">
+  <mc:AlternateContent xmlns:mc="http://schemas.openxmlformats.org/markup-compatibility/2006" xmlns:p159="http://schemas.microsoft.com/office/powerpoint/2015/09/main">
+    <mc:Choice Requires="p159">
       <p:transition xmlns:p14="http://schemas.microsoft.com/office/powerpoint/2010/main" spd="slow" p14:dur="2000">
         <p159:morph option="byObject"/>
       </p:transition>
     </mc:Choice>
-    <mc:Fallback>
+    <mc:Fallback xmlns="">
       <p:transition spd="slow">
         <p:fade/>
       </p:transition>

--- a/Cyber Risk from Theory to Practice LSZ2025.pptx
+++ b/Cyber Risk from Theory to Practice LSZ2025.pptx
@@ -5,7 +5,7 @@
     <p:sldMasterId id="2147483686" r:id="rId1"/>
   </p:sldMasterIdLst>
   <p:notesMasterIdLst>
-    <p:notesMasterId r:id="rId15"/>
+    <p:notesMasterId r:id="rId17"/>
   </p:notesMasterIdLst>
   <p:sldIdLst>
     <p:sldId id="256" r:id="rId2"/>
@@ -13,14 +13,16 @@
     <p:sldId id="262" r:id="rId4"/>
     <p:sldId id="263" r:id="rId5"/>
     <p:sldId id="279" r:id="rId6"/>
-    <p:sldId id="280" r:id="rId7"/>
-    <p:sldId id="281" r:id="rId8"/>
-    <p:sldId id="276" r:id="rId9"/>
-    <p:sldId id="284" r:id="rId10"/>
-    <p:sldId id="289" r:id="rId11"/>
-    <p:sldId id="285" r:id="rId12"/>
-    <p:sldId id="288" r:id="rId13"/>
-    <p:sldId id="277" r:id="rId14"/>
+    <p:sldId id="290" r:id="rId7"/>
+    <p:sldId id="291" r:id="rId8"/>
+    <p:sldId id="280" r:id="rId9"/>
+    <p:sldId id="281" r:id="rId10"/>
+    <p:sldId id="276" r:id="rId11"/>
+    <p:sldId id="284" r:id="rId12"/>
+    <p:sldId id="289" r:id="rId13"/>
+    <p:sldId id="285" r:id="rId14"/>
+    <p:sldId id="288" r:id="rId15"/>
+    <p:sldId id="277" r:id="rId16"/>
   </p:sldIdLst>
   <p:sldSz cx="12192000" cy="6858000"/>
   <p:notesSz cx="6858000" cy="9144000"/>
@@ -1372,6 +1374,84 @@
             <ac:cxnSpMk id="6" creationId="{DF7848EA-00CB-9D9C-1232-8E569A8C99A9}"/>
           </ac:cxnSpMkLst>
         </pc:cxnChg>
+      </pc:sldChg>
+    </pc:docChg>
+  </pc:docChgLst>
+  <pc:docChgLst>
+    <pc:chgData name="Georgios Miskakis" userId="44b2163f-3f3f-427f-9606-72ab2f8439a5" providerId="ADAL" clId="{341BC416-3A9F-440F-8C56-C86DDAF79F0D}"/>
+    <pc:docChg chg="undo custSel addSld modSld">
+      <pc:chgData name="Georgios Miskakis" userId="44b2163f-3f3f-427f-9606-72ab2f8439a5" providerId="ADAL" clId="{341BC416-3A9F-440F-8C56-C86DDAF79F0D}" dt="2025-06-17T04:09:27.195" v="335" actId="729"/>
+      <pc:docMkLst>
+        <pc:docMk/>
+      </pc:docMkLst>
+      <pc:sldChg chg="mod modShow">
+        <pc:chgData name="Georgios Miskakis" userId="44b2163f-3f3f-427f-9606-72ab2f8439a5" providerId="ADAL" clId="{341BC416-3A9F-440F-8C56-C86DDAF79F0D}" dt="2025-06-17T04:09:27.195" v="335" actId="729"/>
+        <pc:sldMkLst>
+          <pc:docMk/>
+          <pc:sldMk cId="1659566485" sldId="281"/>
+        </pc:sldMkLst>
+      </pc:sldChg>
+      <pc:sldChg chg="addSp delSp modSp add mod">
+        <pc:chgData name="Georgios Miskakis" userId="44b2163f-3f3f-427f-9606-72ab2f8439a5" providerId="ADAL" clId="{341BC416-3A9F-440F-8C56-C86DDAF79F0D}" dt="2025-06-17T04:07:36.692" v="233" actId="1076"/>
+        <pc:sldMkLst>
+          <pc:docMk/>
+          <pc:sldMk cId="530681765" sldId="290"/>
+        </pc:sldMkLst>
+        <pc:spChg chg="mod">
+          <ac:chgData name="Georgios Miskakis" userId="44b2163f-3f3f-427f-9606-72ab2f8439a5" providerId="ADAL" clId="{341BC416-3A9F-440F-8C56-C86DDAF79F0D}" dt="2025-06-17T04:05:23.932" v="230" actId="27636"/>
+          <ac:spMkLst>
+            <pc:docMk/>
+            <pc:sldMk cId="530681765" sldId="290"/>
+            <ac:spMk id="2" creationId="{039996A8-6B14-91A8-FDE0-68EC6133FFFE}"/>
+          </ac:spMkLst>
+        </pc:spChg>
+        <pc:picChg chg="add mod">
+          <ac:chgData name="Georgios Miskakis" userId="44b2163f-3f3f-427f-9606-72ab2f8439a5" providerId="ADAL" clId="{341BC416-3A9F-440F-8C56-C86DDAF79F0D}" dt="2025-06-17T04:07:36.692" v="233" actId="1076"/>
+          <ac:picMkLst>
+            <pc:docMk/>
+            <pc:sldMk cId="530681765" sldId="290"/>
+            <ac:picMk id="4" creationId="{F6C2FE3B-645C-6858-AA9A-3365A9EF4B42}"/>
+          </ac:picMkLst>
+        </pc:picChg>
+        <pc:picChg chg="del">
+          <ac:chgData name="Georgios Miskakis" userId="44b2163f-3f3f-427f-9606-72ab2f8439a5" providerId="ADAL" clId="{341BC416-3A9F-440F-8C56-C86DDAF79F0D}" dt="2025-06-17T04:07:30.578" v="232" actId="478"/>
+          <ac:picMkLst>
+            <pc:docMk/>
+            <pc:sldMk cId="530681765" sldId="290"/>
+            <ac:picMk id="123" creationId="{BCD89CF3-7AAC-A5BF-BDC3-03CD884C1B61}"/>
+          </ac:picMkLst>
+        </pc:picChg>
+      </pc:sldChg>
+      <pc:sldChg chg="addSp delSp modSp add mod">
+        <pc:chgData name="Georgios Miskakis" userId="44b2163f-3f3f-427f-9606-72ab2f8439a5" providerId="ADAL" clId="{341BC416-3A9F-440F-8C56-C86DDAF79F0D}" dt="2025-06-17T04:09:08.981" v="334" actId="1076"/>
+        <pc:sldMkLst>
+          <pc:docMk/>
+          <pc:sldMk cId="1181612546" sldId="291"/>
+        </pc:sldMkLst>
+        <pc:spChg chg="mod">
+          <ac:chgData name="Georgios Miskakis" userId="44b2163f-3f3f-427f-9606-72ab2f8439a5" providerId="ADAL" clId="{341BC416-3A9F-440F-8C56-C86DDAF79F0D}" dt="2025-06-17T04:08:31.240" v="331" actId="20577"/>
+          <ac:spMkLst>
+            <pc:docMk/>
+            <pc:sldMk cId="1181612546" sldId="291"/>
+            <ac:spMk id="2" creationId="{82EA3E4A-AA88-C9C9-2081-E1A1212EFFCD}"/>
+          </ac:spMkLst>
+        </pc:spChg>
+        <pc:picChg chg="del">
+          <ac:chgData name="Georgios Miskakis" userId="44b2163f-3f3f-427f-9606-72ab2f8439a5" providerId="ADAL" clId="{341BC416-3A9F-440F-8C56-C86DDAF79F0D}" dt="2025-06-17T04:09:03.026" v="332" actId="478"/>
+          <ac:picMkLst>
+            <pc:docMk/>
+            <pc:sldMk cId="1181612546" sldId="291"/>
+            <ac:picMk id="4" creationId="{11FD0A62-6743-9215-7D8B-9AE53F54C86F}"/>
+          </ac:picMkLst>
+        </pc:picChg>
+        <pc:picChg chg="add mod">
+          <ac:chgData name="Georgios Miskakis" userId="44b2163f-3f3f-427f-9606-72ab2f8439a5" providerId="ADAL" clId="{341BC416-3A9F-440F-8C56-C86DDAF79F0D}" dt="2025-06-17T04:09:08.981" v="334" actId="1076"/>
+          <ac:picMkLst>
+            <pc:docMk/>
+            <pc:sldMk cId="1181612546" sldId="291"/>
+            <ac:picMk id="5" creationId="{9D615AA2-257D-D4FB-3861-FD93CD5A1F09}"/>
+          </ac:picMkLst>
+        </pc:picChg>
       </pc:sldChg>
     </pc:docChg>
   </pc:docChgLst>
@@ -9672,7 +9752,7 @@
           <a:p>
             <a:fld id="{B6C30EF8-FB1B-4DAB-90B9-418494406AAC}" type="datetimeFigureOut">
               <a:rPr lang="en-US" smtClean="0"/>
-              <a:t>6/16/2025</a:t>
+              <a:t>6/17/2025</a:t>
             </a:fld>
             <a:endParaRPr lang="en-US"/>
           </a:p>
@@ -10004,7 +10084,7 @@
           <a:p>
             <a:fld id="{8B9DFE6E-D9C8-4D75-BED2-1753E150FCDA}" type="slidenum">
               <a:rPr lang="en-US" smtClean="0"/>
-              <a:t>7</a:t>
+              <a:t>9</a:t>
             </a:fld>
             <a:endParaRPr lang="en-US"/>
           </a:p>
@@ -10252,7 +10332,7 @@
           <a:p>
             <a:fld id="{8F72BA41-EC5B-4197-BCC8-0FD2E523CD7A}" type="datetimeFigureOut">
               <a:rPr lang="en-US" smtClean="0"/>
-              <a:t>6/16/2025</a:t>
+              <a:t>6/17/2025</a:t>
             </a:fld>
             <a:endParaRPr lang="en-US"/>
           </a:p>
@@ -10587,7 +10667,7 @@
             <a:fld id="{8F72BA41-EC5B-4197-BCC8-0FD2E523CD7A}" type="datetimeFigureOut">
               <a:rPr lang="en-US" smtClean="0"/>
               <a:pPr/>
-              <a:t>6/16/2025</a:t>
+              <a:t>6/17/2025</a:t>
             </a:fld>
             <a:endParaRPr lang="en-US"/>
           </a:p>
@@ -10867,7 +10947,7 @@
             <a:fld id="{8F72BA41-EC5B-4197-BCC8-0FD2E523CD7A}" type="datetimeFigureOut">
               <a:rPr lang="en-US" smtClean="0"/>
               <a:pPr/>
-              <a:t>6/16/2025</a:t>
+              <a:t>6/17/2025</a:t>
             </a:fld>
             <a:endParaRPr lang="en-US"/>
           </a:p>
@@ -11437,7 +11517,7 @@
             <a:fld id="{8F72BA41-EC5B-4197-BCC8-0FD2E523CD7A}" type="datetimeFigureOut">
               <a:rPr lang="en-US" smtClean="0"/>
               <a:pPr/>
-              <a:t>6/16/2025</a:t>
+              <a:t>6/17/2025</a:t>
             </a:fld>
             <a:endParaRPr lang="en-US"/>
           </a:p>
@@ -11717,7 +11797,7 @@
             <a:fld id="{8F72BA41-EC5B-4197-BCC8-0FD2E523CD7A}" type="datetimeFigureOut">
               <a:rPr lang="en-US" smtClean="0"/>
               <a:pPr/>
-              <a:t>6/16/2025</a:t>
+              <a:t>6/17/2025</a:t>
             </a:fld>
             <a:endParaRPr lang="en-US"/>
           </a:p>
@@ -12281,7 +12361,7 @@
             <a:fld id="{8F72BA41-EC5B-4197-BCC8-0FD2E523CD7A}" type="datetimeFigureOut">
               <a:rPr lang="en-US" smtClean="0"/>
               <a:pPr/>
-              <a:t>6/16/2025</a:t>
+              <a:t>6/17/2025</a:t>
             </a:fld>
             <a:endParaRPr lang="en-US"/>
           </a:p>
@@ -12610,7 +12690,7 @@
             <a:fld id="{8F72BA41-EC5B-4197-BCC8-0FD2E523CD7A}" type="datetimeFigureOut">
               <a:rPr lang="en-US" smtClean="0"/>
               <a:pPr/>
-              <a:t>6/16/2025</a:t>
+              <a:t>6/17/2025</a:t>
             </a:fld>
             <a:endParaRPr lang="en-US"/>
           </a:p>
@@ -12788,7 +12868,7 @@
           <a:p>
             <a:fld id="{8F72BA41-EC5B-4197-BCC8-0FD2E523CD7A}" type="datetimeFigureOut">
               <a:rPr lang="en-US" smtClean="0"/>
-              <a:t>6/16/2025</a:t>
+              <a:t>6/17/2025</a:t>
             </a:fld>
             <a:endParaRPr lang="en-US"/>
           </a:p>
@@ -13026,7 +13106,7 @@
           <a:p>
             <a:fld id="{8F72BA41-EC5B-4197-BCC8-0FD2E523CD7A}" type="datetimeFigureOut">
               <a:rPr lang="en-US" smtClean="0"/>
-              <a:t>6/16/2025</a:t>
+              <a:t>6/17/2025</a:t>
             </a:fld>
             <a:endParaRPr lang="en-US"/>
           </a:p>
@@ -13226,7 +13306,7 @@
           <a:p>
             <a:fld id="{8F72BA41-EC5B-4197-BCC8-0FD2E523CD7A}" type="datetimeFigureOut">
               <a:rPr lang="en-US" smtClean="0"/>
-              <a:t>6/16/2025</a:t>
+              <a:t>6/17/2025</a:t>
             </a:fld>
             <a:endParaRPr lang="en-US"/>
           </a:p>
@@ -13502,7 +13582,7 @@
           <a:p>
             <a:fld id="{8F72BA41-EC5B-4197-BCC8-0FD2E523CD7A}" type="datetimeFigureOut">
               <a:rPr lang="en-US" smtClean="0"/>
-              <a:t>6/16/2025</a:t>
+              <a:t>6/17/2025</a:t>
             </a:fld>
             <a:endParaRPr lang="en-US"/>
           </a:p>
@@ -13768,7 +13848,7 @@
           <a:p>
             <a:fld id="{8F72BA41-EC5B-4197-BCC8-0FD2E523CD7A}" type="datetimeFigureOut">
               <a:rPr lang="en-US" smtClean="0"/>
-              <a:t>6/16/2025</a:t>
+              <a:t>6/17/2025</a:t>
             </a:fld>
             <a:endParaRPr lang="en-US"/>
           </a:p>
@@ -14142,7 +14222,7 @@
           <a:p>
             <a:fld id="{8F72BA41-EC5B-4197-BCC8-0FD2E523CD7A}" type="datetimeFigureOut">
               <a:rPr lang="en-US" smtClean="0"/>
-              <a:t>6/16/2025</a:t>
+              <a:t>6/17/2025</a:t>
             </a:fld>
             <a:endParaRPr lang="en-US"/>
           </a:p>
@@ -14290,7 +14370,7 @@
           <a:p>
             <a:fld id="{8F72BA41-EC5B-4197-BCC8-0FD2E523CD7A}" type="datetimeFigureOut">
               <a:rPr lang="en-US" smtClean="0"/>
-              <a:t>6/16/2025</a:t>
+              <a:t>6/17/2025</a:t>
             </a:fld>
             <a:endParaRPr lang="en-US"/>
           </a:p>
@@ -14415,7 +14495,7 @@
           <a:p>
             <a:fld id="{8F72BA41-EC5B-4197-BCC8-0FD2E523CD7A}" type="datetimeFigureOut">
               <a:rPr lang="en-US" smtClean="0"/>
-              <a:t>6/16/2025</a:t>
+              <a:t>6/17/2025</a:t>
             </a:fld>
             <a:endParaRPr lang="en-US"/>
           </a:p>
@@ -14700,7 +14780,7 @@
           <a:p>
             <a:fld id="{8F72BA41-EC5B-4197-BCC8-0FD2E523CD7A}" type="datetimeFigureOut">
               <a:rPr lang="en-US" smtClean="0"/>
-              <a:t>6/16/2025</a:t>
+              <a:t>6/17/2025</a:t>
             </a:fld>
             <a:endParaRPr lang="en-US"/>
           </a:p>
@@ -15024,7 +15104,7 @@
           <a:p>
             <a:fld id="{8F72BA41-EC5B-4197-BCC8-0FD2E523CD7A}" type="datetimeFigureOut">
               <a:rPr lang="en-US" smtClean="0"/>
-              <a:t>6/16/2025</a:t>
+              <a:t>6/17/2025</a:t>
             </a:fld>
             <a:endParaRPr lang="en-US"/>
           </a:p>
@@ -15239,7 +15319,7 @@
             <a:fld id="{8F72BA41-EC5B-4197-BCC8-0FD2E523CD7A}" type="datetimeFigureOut">
               <a:rPr lang="en-US" smtClean="0"/>
               <a:pPr/>
-              <a:t>6/16/2025</a:t>
+              <a:t>6/17/2025</a:t>
             </a:fld>
             <a:endParaRPr lang="en-US"/>
           </a:p>
@@ -16132,6 +16212,412 @@
 <file path=ppt/slides/slide10.xml><?xml version="1.0" encoding="utf-8"?>
 <p:sld xmlns:a="http://schemas.openxmlformats.org/drawingml/2006/main" xmlns:r="http://schemas.openxmlformats.org/officeDocument/2006/relationships" xmlns:p="http://schemas.openxmlformats.org/presentationml/2006/main">
   <p:cSld>
+    <p:bg>
+      <p:bgPr>
+        <a:gradFill>
+          <a:gsLst>
+            <a:gs pos="16000">
+              <a:schemeClr val="bg1"/>
+            </a:gs>
+            <a:gs pos="100000">
+              <a:schemeClr val="accent1">
+                <a:lumMod val="45000"/>
+                <a:lumOff val="55000"/>
+              </a:schemeClr>
+            </a:gs>
+          </a:gsLst>
+          <a:lin ang="5400000" scaled="1"/>
+        </a:gradFill>
+        <a:effectLst/>
+      </p:bgPr>
+    </p:bg>
+    <p:spTree>
+      <p:nvGrpSpPr>
+        <p:cNvPr id="1" name=""/>
+        <p:cNvGrpSpPr/>
+        <p:nvPr/>
+      </p:nvGrpSpPr>
+      <p:grpSpPr>
+        <a:xfrm>
+          <a:off x="0" y="0"/>
+          <a:ext cx="0" cy="0"/>
+          <a:chOff x="0" y="0"/>
+          <a:chExt cx="0" cy="0"/>
+        </a:xfrm>
+      </p:grpSpPr>
+      <p:sp>
+        <p:nvSpPr>
+          <p:cNvPr id="2" name="Title 1">
+            <a:extLst>
+              <a:ext uri="{FF2B5EF4-FFF2-40B4-BE49-F238E27FC236}">
+                <a16:creationId xmlns:a16="http://schemas.microsoft.com/office/drawing/2014/main" id="{044B6532-5A4F-4BF5-B244-72854D2C5A3B}"/>
+              </a:ext>
+            </a:extLst>
+          </p:cNvPr>
+          <p:cNvSpPr>
+            <a:spLocks noGrp="1"/>
+          </p:cNvSpPr>
+          <p:nvPr>
+            <p:ph type="title"/>
+          </p:nvPr>
+        </p:nvSpPr>
+        <p:spPr>
+          <a:xfrm>
+            <a:off x="3433728" y="4665781"/>
+            <a:ext cx="4927425" cy="1938525"/>
+          </a:xfrm>
+        </p:spPr>
+        <p:txBody>
+          <a:bodyPr vert="horz" lIns="91440" tIns="45720" rIns="91440" bIns="45720" rtlCol="0">
+            <a:normAutofit/>
+          </a:bodyPr>
+          <a:lstStyle/>
+          <a:p>
+            <a:r>
+              <a:rPr lang="en-US" dirty="0"/>
+              <a:t>Execute (example)</a:t>
+            </a:r>
+          </a:p>
+        </p:txBody>
+      </p:sp>
+      <p:pic>
+        <p:nvPicPr>
+          <p:cNvPr id="4" name="Picture 3">
+            <a:extLst>
+              <a:ext uri="{FF2B5EF4-FFF2-40B4-BE49-F238E27FC236}">
+                <a16:creationId xmlns:a16="http://schemas.microsoft.com/office/drawing/2014/main" id="{1419A635-8E52-2ADD-1D11-1226A1C51A63}"/>
+              </a:ext>
+            </a:extLst>
+          </p:cNvPr>
+          <p:cNvPicPr>
+            <a:picLocks noChangeAspect="1"/>
+          </p:cNvPicPr>
+          <p:nvPr/>
+        </p:nvPicPr>
+        <p:blipFill>
+          <a:blip r:embed="rId2"/>
+          <a:stretch>
+            <a:fillRect/>
+          </a:stretch>
+        </p:blipFill>
+        <p:spPr>
+          <a:xfrm>
+            <a:off x="-96128" y="0"/>
+            <a:ext cx="12192000" cy="4768551"/>
+          </a:xfrm>
+          <a:prstGeom prst="rect">
+            <a:avLst/>
+          </a:prstGeom>
+        </p:spPr>
+      </p:pic>
+    </p:spTree>
+    <p:extLst>
+      <p:ext uri="{BB962C8B-B14F-4D97-AF65-F5344CB8AC3E}">
+        <p14:creationId xmlns:p14="http://schemas.microsoft.com/office/powerpoint/2010/main" val="1302414792"/>
+      </p:ext>
+    </p:extLst>
+  </p:cSld>
+  <p:clrMapOvr>
+    <a:masterClrMapping/>
+  </p:clrMapOvr>
+  <mc:AlternateContent xmlns:mc="http://schemas.openxmlformats.org/markup-compatibility/2006" xmlns:p159="http://schemas.microsoft.com/office/powerpoint/2015/09/main">
+    <mc:Choice Requires="p159">
+      <p:transition xmlns:p14="http://schemas.microsoft.com/office/powerpoint/2010/main" spd="slow" p14:dur="2000">
+        <p159:morph option="byObject"/>
+      </p:transition>
+    </mc:Choice>
+    <mc:Fallback xmlns="">
+      <p:transition spd="slow">
+        <p:fade/>
+      </p:transition>
+    </mc:Fallback>
+  </mc:AlternateContent>
+</p:sld>
+</file>
+
+<file path=ppt/slides/slide11.xml><?xml version="1.0" encoding="utf-8"?>
+<p:sld xmlns:a="http://schemas.openxmlformats.org/drawingml/2006/main" xmlns:r="http://schemas.openxmlformats.org/officeDocument/2006/relationships" xmlns:p="http://schemas.openxmlformats.org/presentationml/2006/main">
+  <p:cSld>
+    <p:spTree>
+      <p:nvGrpSpPr>
+        <p:cNvPr id="1" name="">
+          <a:extLst>
+            <a:ext uri="{FF2B5EF4-FFF2-40B4-BE49-F238E27FC236}">
+              <a16:creationId xmlns:a16="http://schemas.microsoft.com/office/drawing/2014/main" id="{C7627003-7804-09DD-1EF3-F1A026A7B10D}"/>
+            </a:ext>
+          </a:extLst>
+        </p:cNvPr>
+        <p:cNvGrpSpPr/>
+        <p:nvPr/>
+      </p:nvGrpSpPr>
+      <p:grpSpPr>
+        <a:xfrm>
+          <a:off x="0" y="0"/>
+          <a:ext cx="0" cy="0"/>
+          <a:chOff x="0" y="0"/>
+          <a:chExt cx="0" cy="0"/>
+        </a:xfrm>
+      </p:grpSpPr>
+      <p:sp>
+        <p:nvSpPr>
+          <p:cNvPr id="4" name="Rectangle: Rounded Corners 3">
+            <a:extLst>
+              <a:ext uri="{FF2B5EF4-FFF2-40B4-BE49-F238E27FC236}">
+                <a16:creationId xmlns:a16="http://schemas.microsoft.com/office/drawing/2014/main" id="{BC5C581E-C8B7-6561-8A37-F37B8F71F7F9}"/>
+              </a:ext>
+            </a:extLst>
+          </p:cNvPr>
+          <p:cNvSpPr/>
+          <p:nvPr/>
+        </p:nvSpPr>
+        <p:spPr>
+          <a:xfrm>
+            <a:off x="777635" y="2829650"/>
+            <a:ext cx="4114876" cy="563326"/>
+          </a:xfrm>
+          <a:prstGeom prst="roundRect">
+            <a:avLst/>
+          </a:prstGeom>
+          <a:solidFill>
+            <a:schemeClr val="accent1">
+              <a:alpha val="85000"/>
+            </a:schemeClr>
+          </a:solidFill>
+          <a:ln>
+            <a:noFill/>
+          </a:ln>
+        </p:spPr>
+        <p:style>
+          <a:lnRef idx="2">
+            <a:schemeClr val="accent1">
+              <a:shade val="15000"/>
+            </a:schemeClr>
+          </a:lnRef>
+          <a:fillRef idx="1">
+            <a:schemeClr val="accent1"/>
+          </a:fillRef>
+          <a:effectRef idx="0">
+            <a:schemeClr val="accent1"/>
+          </a:effectRef>
+          <a:fontRef idx="minor">
+            <a:schemeClr val="lt1"/>
+          </a:fontRef>
+        </p:style>
+        <p:txBody>
+          <a:bodyPr rtlCol="0" anchor="ctr"/>
+          <a:lstStyle/>
+          <a:p>
+            <a:pPr algn="ctr"/>
+            <a:endParaRPr lang="en-US" dirty="0"/>
+          </a:p>
+        </p:txBody>
+      </p:sp>
+      <p:sp>
+        <p:nvSpPr>
+          <p:cNvPr id="2" name="Title 1">
+            <a:extLst>
+              <a:ext uri="{FF2B5EF4-FFF2-40B4-BE49-F238E27FC236}">
+                <a16:creationId xmlns:a16="http://schemas.microsoft.com/office/drawing/2014/main" id="{8D763C41-D60E-6D98-F57F-8591C2AE5AB9}"/>
+              </a:ext>
+            </a:extLst>
+          </p:cNvPr>
+          <p:cNvSpPr>
+            <a:spLocks noGrp="1"/>
+          </p:cNvSpPr>
+          <p:nvPr>
+            <p:ph type="title"/>
+          </p:nvPr>
+        </p:nvSpPr>
+        <p:spPr/>
+        <p:txBody>
+          <a:bodyPr/>
+          <a:lstStyle/>
+          <a:p>
+            <a:r>
+              <a:rPr lang="en-US" dirty="0"/>
+              <a:t>Key Takeaways</a:t>
+            </a:r>
+          </a:p>
+        </p:txBody>
+      </p:sp>
+      <p:sp>
+        <p:nvSpPr>
+          <p:cNvPr id="3" name="Content Placeholder 2">
+            <a:extLst>
+              <a:ext uri="{FF2B5EF4-FFF2-40B4-BE49-F238E27FC236}">
+                <a16:creationId xmlns:a16="http://schemas.microsoft.com/office/drawing/2014/main" id="{E7443E5E-35E0-9665-1228-58BB93E13FA6}"/>
+              </a:ext>
+            </a:extLst>
+          </p:cNvPr>
+          <p:cNvSpPr>
+            <a:spLocks noGrp="1"/>
+          </p:cNvSpPr>
+          <p:nvPr>
+            <p:ph idx="1"/>
+          </p:nvPr>
+        </p:nvSpPr>
+        <p:spPr>
+          <a:xfrm>
+            <a:off x="691079" y="2340131"/>
+            <a:ext cx="4351976" cy="3564436"/>
+          </a:xfrm>
+        </p:spPr>
+        <p:txBody>
+          <a:bodyPr>
+            <a:normAutofit/>
+          </a:bodyPr>
+          <a:lstStyle/>
+          <a:p>
+            <a:pPr marL="457200" indent="-457200">
+              <a:buFont typeface="Segoe UI Symbol" panose="020B0502040204020203" pitchFamily="34" charset="0"/>
+              <a:buChar char=""/>
+            </a:pPr>
+            <a:r>
+              <a:rPr lang="en-US" sz="2400" b="1" dirty="0">
+                <a:solidFill>
+                  <a:schemeClr val="tx1"/>
+                </a:solidFill>
+              </a:rPr>
+              <a:t>User-Friendly </a:t>
+            </a:r>
+          </a:p>
+          <a:p>
+            <a:pPr marL="457200" indent="-457200">
+              <a:buFont typeface="Segoe UI Symbol" panose="020B0502040204020203" pitchFamily="34" charset="0"/>
+              <a:buChar char=""/>
+            </a:pPr>
+            <a:r>
+              <a:rPr lang="en-US" sz="2400" b="1" dirty="0"/>
+              <a:t>Time Considerations</a:t>
+            </a:r>
+          </a:p>
+          <a:p>
+            <a:pPr marL="457200" indent="-457200">
+              <a:buFont typeface="Segoe UI Symbol" panose="020B0502040204020203" pitchFamily="34" charset="0"/>
+              <a:buChar char=""/>
+            </a:pPr>
+            <a:r>
+              <a:rPr lang="en-US" sz="2400" b="1" dirty="0"/>
+              <a:t>Complexity Is Hidden</a:t>
+            </a:r>
+          </a:p>
+          <a:p>
+            <a:pPr marL="457200" indent="-457200">
+              <a:buFont typeface="Segoe UI Symbol" panose="020B0502040204020203" pitchFamily="34" charset="0"/>
+              <a:buChar char=""/>
+            </a:pPr>
+            <a:r>
+              <a:rPr lang="en-US" sz="2400" b="1" dirty="0"/>
+              <a:t>Tech Agnostic</a:t>
+            </a:r>
+          </a:p>
+          <a:p>
+            <a:pPr marL="457200" indent="-457200">
+              <a:buNone/>
+            </a:pPr>
+            <a:endParaRPr lang="en-US" dirty="0"/>
+          </a:p>
+        </p:txBody>
+      </p:sp>
+      <p:cxnSp>
+        <p:nvCxnSpPr>
+          <p:cNvPr id="6" name="Straight Connector 5">
+            <a:extLst>
+              <a:ext uri="{FF2B5EF4-FFF2-40B4-BE49-F238E27FC236}">
+                <a16:creationId xmlns:a16="http://schemas.microsoft.com/office/drawing/2014/main" id="{6B4452C6-7622-9527-10E6-73872136AC20}"/>
+              </a:ext>
+            </a:extLst>
+          </p:cNvPr>
+          <p:cNvCxnSpPr/>
+          <p:nvPr/>
+        </p:nvCxnSpPr>
+        <p:spPr>
+          <a:xfrm>
+            <a:off x="5126182" y="1801091"/>
+            <a:ext cx="0" cy="4913745"/>
+          </a:xfrm>
+          <a:prstGeom prst="line">
+            <a:avLst/>
+          </a:prstGeom>
+        </p:spPr>
+        <p:style>
+          <a:lnRef idx="1">
+            <a:schemeClr val="accent1"/>
+          </a:lnRef>
+          <a:fillRef idx="0">
+            <a:schemeClr val="accent1"/>
+          </a:fillRef>
+          <a:effectRef idx="0">
+            <a:schemeClr val="accent1"/>
+          </a:effectRef>
+          <a:fontRef idx="minor">
+            <a:schemeClr val="tx1"/>
+          </a:fontRef>
+        </p:style>
+      </p:cxnSp>
+      <p:sp>
+        <p:nvSpPr>
+          <p:cNvPr id="7" name="TextBox 6">
+            <a:extLst>
+              <a:ext uri="{FF2B5EF4-FFF2-40B4-BE49-F238E27FC236}">
+                <a16:creationId xmlns:a16="http://schemas.microsoft.com/office/drawing/2014/main" id="{A288C17E-6DAA-B345-639B-E54196D0D95B}"/>
+              </a:ext>
+            </a:extLst>
+          </p:cNvPr>
+          <p:cNvSpPr txBox="1"/>
+          <p:nvPr/>
+        </p:nvSpPr>
+        <p:spPr>
+          <a:xfrm rot="16200000">
+            <a:off x="8214661" y="895030"/>
+            <a:ext cx="461665" cy="5676216"/>
+          </a:xfrm>
+          <a:prstGeom prst="rect">
+            <a:avLst/>
+          </a:prstGeom>
+          <a:noFill/>
+        </p:spPr>
+        <p:txBody>
+          <a:bodyPr vert="eaVert" wrap="square" rtlCol="0">
+            <a:spAutoFit/>
+          </a:bodyPr>
+          <a:lstStyle/>
+          <a:p>
+            <a:r>
+              <a:rPr lang="en-US" sz="1800" b="1" dirty="0"/>
+              <a:t>Simplifies interactions with intuitive, accessible questions</a:t>
+            </a:r>
+          </a:p>
+        </p:txBody>
+      </p:sp>
+    </p:spTree>
+    <p:extLst>
+      <p:ext uri="{BB962C8B-B14F-4D97-AF65-F5344CB8AC3E}">
+        <p14:creationId xmlns:p14="http://schemas.microsoft.com/office/powerpoint/2010/main" val="2794914155"/>
+      </p:ext>
+    </p:extLst>
+  </p:cSld>
+  <p:clrMapOvr>
+    <a:masterClrMapping/>
+  </p:clrMapOvr>
+  <mc:AlternateContent xmlns:mc="http://schemas.openxmlformats.org/markup-compatibility/2006" xmlns:p159="http://schemas.microsoft.com/office/powerpoint/2015/09/main">
+    <mc:Choice Requires="p159">
+      <p:transition xmlns:p14="http://schemas.microsoft.com/office/powerpoint/2010/main" spd="slow" p14:dur="2000">
+        <p159:morph option="byObject"/>
+      </p:transition>
+    </mc:Choice>
+    <mc:Fallback xmlns="">
+      <p:transition spd="slow">
+        <p:fade/>
+      </p:transition>
+    </mc:Fallback>
+  </mc:AlternateContent>
+</p:sld>
+</file>
+
+<file path=ppt/slides/slide12.xml><?xml version="1.0" encoding="utf-8"?>
+<p:sld xmlns:a="http://schemas.openxmlformats.org/drawingml/2006/main" xmlns:r="http://schemas.openxmlformats.org/officeDocument/2006/relationships" xmlns:p="http://schemas.openxmlformats.org/presentationml/2006/main">
+  <p:cSld>
     <p:spTree>
       <p:nvGrpSpPr>
         <p:cNvPr id="1" name="">
@@ -16409,7 +16895,7 @@
 </p:sld>
 </file>
 
-<file path=ppt/slides/slide11.xml><?xml version="1.0" encoding="utf-8"?>
+<file path=ppt/slides/slide13.xml><?xml version="1.0" encoding="utf-8"?>
 <p:sld xmlns:a="http://schemas.openxmlformats.org/drawingml/2006/main" xmlns:r="http://schemas.openxmlformats.org/officeDocument/2006/relationships" xmlns:p="http://schemas.openxmlformats.org/presentationml/2006/main">
   <p:cSld>
     <p:spTree>
@@ -16717,7 +17203,7 @@
 </p:sld>
 </file>
 
-<file path=ppt/slides/slide12.xml><?xml version="1.0" encoding="utf-8"?>
+<file path=ppt/slides/slide14.xml><?xml version="1.0" encoding="utf-8"?>
 <p:sld xmlns:a="http://schemas.openxmlformats.org/drawingml/2006/main" xmlns:r="http://schemas.openxmlformats.org/officeDocument/2006/relationships" xmlns:p="http://schemas.openxmlformats.org/presentationml/2006/main">
   <p:cSld>
     <p:spTree>
@@ -17009,7 +17495,7 @@
 </p:sld>
 </file>
 
-<file path=ppt/slides/slide13.xml><?xml version="1.0" encoding="utf-8"?>
+<file path=ppt/slides/slide15.xml><?xml version="1.0" encoding="utf-8"?>
 <p:sld xmlns:a="http://schemas.openxmlformats.org/drawingml/2006/main" xmlns:r="http://schemas.openxmlformats.org/officeDocument/2006/relationships" xmlns:p="http://schemas.openxmlformats.org/presentationml/2006/main">
   <p:cSld>
     <p:bg>
@@ -18572,6 +19058,400 @@
         <p:cNvPr id="1" name="">
           <a:extLst>
             <a:ext uri="{FF2B5EF4-FFF2-40B4-BE49-F238E27FC236}">
+              <a16:creationId xmlns:a16="http://schemas.microsoft.com/office/drawing/2014/main" id="{F2565C22-07A2-99E2-4DF9-FCF85C34AF40}"/>
+            </a:ext>
+          </a:extLst>
+        </p:cNvPr>
+        <p:cNvGrpSpPr/>
+        <p:nvPr/>
+      </p:nvGrpSpPr>
+      <p:grpSpPr>
+        <a:xfrm>
+          <a:off x="0" y="0"/>
+          <a:ext cx="0" cy="0"/>
+          <a:chOff x="0" y="0"/>
+          <a:chExt cx="0" cy="0"/>
+        </a:xfrm>
+      </p:grpSpPr>
+      <p:sp>
+        <p:nvSpPr>
+          <p:cNvPr id="2" name="TextBox 1">
+            <a:extLst>
+              <a:ext uri="{FF2B5EF4-FFF2-40B4-BE49-F238E27FC236}">
+                <a16:creationId xmlns:a16="http://schemas.microsoft.com/office/drawing/2014/main" id="{039996A8-6B14-91A8-FDE0-68EC6133FFFE}"/>
+              </a:ext>
+            </a:extLst>
+          </p:cNvPr>
+          <p:cNvSpPr txBox="1"/>
+          <p:nvPr/>
+        </p:nvSpPr>
+        <p:spPr>
+          <a:xfrm>
+            <a:off x="665202" y="1452741"/>
+            <a:ext cx="5610470" cy="3791918"/>
+          </a:xfrm>
+          <a:prstGeom prst="rect">
+            <a:avLst/>
+          </a:prstGeom>
+        </p:spPr>
+        <p:txBody>
+          <a:bodyPr vert="horz" lIns="91440" tIns="45720" rIns="91440" bIns="45720" rtlCol="0">
+            <a:normAutofit/>
+          </a:bodyPr>
+          <a:lstStyle/>
+          <a:p>
+            <a:pPr indent="-228600">
+              <a:buClr>
+                <a:schemeClr val="tx2">
+                  <a:lumMod val="50000"/>
+                  <a:lumOff val="50000"/>
+                </a:schemeClr>
+              </a:buClr>
+              <a:buSzPct val="75000"/>
+              <a:buFont typeface="Wingdings" panose="05000000000000000000" pitchFamily="2" charset="2"/>
+              <a:buChar char="§"/>
+            </a:pPr>
+            <a:r>
+              <a:rPr lang="en-US" sz="2400" b="1" dirty="0">
+                <a:solidFill>
+                  <a:schemeClr val="tx2"/>
+                </a:solidFill>
+              </a:rPr>
+              <a:t>Impact Dimension is a weighted combination of:</a:t>
+            </a:r>
+          </a:p>
+          <a:p>
+            <a:pPr indent="-228600">
+              <a:buClr>
+                <a:schemeClr val="tx2">
+                  <a:lumMod val="50000"/>
+                  <a:lumOff val="50000"/>
+                </a:schemeClr>
+              </a:buClr>
+              <a:buSzPct val="75000"/>
+              <a:buFont typeface="Wingdings" panose="05000000000000000000" pitchFamily="2" charset="2"/>
+              <a:buChar char="§"/>
+            </a:pPr>
+            <a:endParaRPr lang="en-US" dirty="0">
+              <a:solidFill>
+                <a:schemeClr val="tx2"/>
+              </a:solidFill>
+            </a:endParaRPr>
+          </a:p>
+          <a:p>
+            <a:pPr marL="457200" indent="-228600">
+              <a:spcBef>
+                <a:spcPts val="1000"/>
+              </a:spcBef>
+              <a:buClr>
+                <a:schemeClr val="tx2">
+                  <a:lumMod val="50000"/>
+                  <a:lumOff val="50000"/>
+                </a:schemeClr>
+              </a:buClr>
+              <a:buSzPct val="75000"/>
+              <a:buFont typeface="Wingdings" panose="05000000000000000000" pitchFamily="2" charset="2"/>
+              <a:buChar char="§"/>
+            </a:pPr>
+            <a:r>
+              <a:rPr lang="en-US" dirty="0">
+                <a:solidFill>
+                  <a:schemeClr val="tx2"/>
+                </a:solidFill>
+              </a:rPr>
+              <a:t>The Asset Value based on the Confidentiality, Integrity and Availability</a:t>
+            </a:r>
+          </a:p>
+          <a:p>
+            <a:pPr marL="457200" indent="-228600">
+              <a:spcBef>
+                <a:spcPts val="1000"/>
+              </a:spcBef>
+              <a:buClr>
+                <a:schemeClr val="tx2">
+                  <a:lumMod val="50000"/>
+                  <a:lumOff val="50000"/>
+                </a:schemeClr>
+              </a:buClr>
+              <a:buSzPct val="75000"/>
+              <a:buFont typeface="Wingdings" panose="05000000000000000000" pitchFamily="2" charset="2"/>
+              <a:buChar char="§"/>
+            </a:pPr>
+            <a:r>
+              <a:rPr lang="en-US" dirty="0">
+                <a:solidFill>
+                  <a:schemeClr val="tx2"/>
+                </a:solidFill>
+              </a:rPr>
+              <a:t>Expected Controls that can reduce impact VS controls that exist</a:t>
+            </a:r>
+          </a:p>
+        </p:txBody>
+      </p:sp>
+      <p:pic>
+        <p:nvPicPr>
+          <p:cNvPr id="4" name="Picture 3">
+            <a:extLst>
+              <a:ext uri="{FF2B5EF4-FFF2-40B4-BE49-F238E27FC236}">
+                <a16:creationId xmlns:a16="http://schemas.microsoft.com/office/drawing/2014/main" id="{F6C2FE3B-645C-6858-AA9A-3365A9EF4B42}"/>
+              </a:ext>
+            </a:extLst>
+          </p:cNvPr>
+          <p:cNvPicPr>
+            <a:picLocks noChangeAspect="1"/>
+          </p:cNvPicPr>
+          <p:nvPr/>
+        </p:nvPicPr>
+        <p:blipFill>
+          <a:blip r:embed="rId2"/>
+          <a:stretch>
+            <a:fillRect/>
+          </a:stretch>
+        </p:blipFill>
+        <p:spPr>
+          <a:xfrm>
+            <a:off x="7196192" y="2331392"/>
+            <a:ext cx="2506088" cy="1343568"/>
+          </a:xfrm>
+          <a:prstGeom prst="rect">
+            <a:avLst/>
+          </a:prstGeom>
+        </p:spPr>
+      </p:pic>
+    </p:spTree>
+    <p:extLst>
+      <p:ext uri="{BB962C8B-B14F-4D97-AF65-F5344CB8AC3E}">
+        <p14:creationId xmlns:p14="http://schemas.microsoft.com/office/powerpoint/2010/main" val="530681765"/>
+      </p:ext>
+    </p:extLst>
+  </p:cSld>
+  <p:clrMapOvr>
+    <a:masterClrMapping/>
+  </p:clrMapOvr>
+</p:sld>
+</file>
+
+<file path=ppt/slides/slide7.xml><?xml version="1.0" encoding="utf-8"?>
+<p:sld xmlns:a="http://schemas.openxmlformats.org/drawingml/2006/main" xmlns:r="http://schemas.openxmlformats.org/officeDocument/2006/relationships" xmlns:p="http://schemas.openxmlformats.org/presentationml/2006/main">
+  <p:cSld>
+    <p:bg>
+      <p:bgPr>
+        <a:solidFill>
+          <a:schemeClr val="bg1"/>
+        </a:solidFill>
+        <a:effectLst/>
+      </p:bgPr>
+    </p:bg>
+    <p:spTree>
+      <p:nvGrpSpPr>
+        <p:cNvPr id="1" name="">
+          <a:extLst>
+            <a:ext uri="{FF2B5EF4-FFF2-40B4-BE49-F238E27FC236}">
+              <a16:creationId xmlns:a16="http://schemas.microsoft.com/office/drawing/2014/main" id="{55FB893A-A4E6-EE9A-A5AC-8AE5F6D83E34}"/>
+            </a:ext>
+          </a:extLst>
+        </p:cNvPr>
+        <p:cNvGrpSpPr/>
+        <p:nvPr/>
+      </p:nvGrpSpPr>
+      <p:grpSpPr>
+        <a:xfrm>
+          <a:off x="0" y="0"/>
+          <a:ext cx="0" cy="0"/>
+          <a:chOff x="0" y="0"/>
+          <a:chExt cx="0" cy="0"/>
+        </a:xfrm>
+      </p:grpSpPr>
+      <p:sp>
+        <p:nvSpPr>
+          <p:cNvPr id="2" name="TextBox 1">
+            <a:extLst>
+              <a:ext uri="{FF2B5EF4-FFF2-40B4-BE49-F238E27FC236}">
+                <a16:creationId xmlns:a16="http://schemas.microsoft.com/office/drawing/2014/main" id="{82EA3E4A-AA88-C9C9-2081-E1A1212EFFCD}"/>
+              </a:ext>
+            </a:extLst>
+          </p:cNvPr>
+          <p:cNvSpPr txBox="1"/>
+          <p:nvPr/>
+        </p:nvSpPr>
+        <p:spPr>
+          <a:xfrm>
+            <a:off x="665202" y="1452741"/>
+            <a:ext cx="5610470" cy="3791918"/>
+          </a:xfrm>
+          <a:prstGeom prst="rect">
+            <a:avLst/>
+          </a:prstGeom>
+        </p:spPr>
+        <p:txBody>
+          <a:bodyPr vert="horz" lIns="91440" tIns="45720" rIns="91440" bIns="45720" rtlCol="0">
+            <a:normAutofit/>
+          </a:bodyPr>
+          <a:lstStyle/>
+          <a:p>
+            <a:pPr indent="-228600">
+              <a:buClr>
+                <a:schemeClr val="tx2">
+                  <a:lumMod val="50000"/>
+                  <a:lumOff val="50000"/>
+                </a:schemeClr>
+              </a:buClr>
+              <a:buSzPct val="75000"/>
+              <a:buFont typeface="Wingdings" panose="05000000000000000000" pitchFamily="2" charset="2"/>
+              <a:buChar char="§"/>
+            </a:pPr>
+            <a:r>
+              <a:rPr lang="en-US" sz="2400" b="1" dirty="0">
+                <a:solidFill>
+                  <a:schemeClr val="tx2"/>
+                </a:solidFill>
+              </a:rPr>
+              <a:t>Likelihood Dimension is a weighted combination of:</a:t>
+            </a:r>
+          </a:p>
+          <a:p>
+            <a:pPr indent="-228600">
+              <a:buClr>
+                <a:schemeClr val="tx2">
+                  <a:lumMod val="50000"/>
+                  <a:lumOff val="50000"/>
+                </a:schemeClr>
+              </a:buClr>
+              <a:buSzPct val="75000"/>
+              <a:buFont typeface="Wingdings" panose="05000000000000000000" pitchFamily="2" charset="2"/>
+              <a:buChar char="§"/>
+            </a:pPr>
+            <a:endParaRPr lang="en-US" dirty="0">
+              <a:solidFill>
+                <a:schemeClr val="tx2"/>
+              </a:solidFill>
+            </a:endParaRPr>
+          </a:p>
+          <a:p>
+            <a:pPr marL="457200" indent="-228600">
+              <a:spcBef>
+                <a:spcPts val="1000"/>
+              </a:spcBef>
+              <a:buClr>
+                <a:schemeClr val="tx2">
+                  <a:lumMod val="50000"/>
+                  <a:lumOff val="50000"/>
+                </a:schemeClr>
+              </a:buClr>
+              <a:buSzPct val="75000"/>
+              <a:buFont typeface="Wingdings" panose="05000000000000000000" pitchFamily="2" charset="2"/>
+              <a:buChar char="§"/>
+            </a:pPr>
+            <a:r>
+              <a:rPr lang="en-US" dirty="0">
+                <a:solidFill>
+                  <a:schemeClr val="tx2"/>
+                </a:solidFill>
+              </a:rPr>
+              <a:t>Governance controls, </a:t>
+            </a:r>
+            <a:r>
+              <a:rPr lang="en-US" dirty="0" err="1">
+                <a:solidFill>
+                  <a:schemeClr val="tx2"/>
+                </a:solidFill>
+              </a:rPr>
+              <a:t>e.g</a:t>
+            </a:r>
+            <a:r>
+              <a:rPr lang="en-US" dirty="0">
+                <a:solidFill>
+                  <a:schemeClr val="tx2"/>
+                </a:solidFill>
+              </a:rPr>
+              <a:t> Document Policies</a:t>
+            </a:r>
+          </a:p>
+          <a:p>
+            <a:pPr marL="457200" indent="-228600">
+              <a:spcBef>
+                <a:spcPts val="1000"/>
+              </a:spcBef>
+              <a:buClr>
+                <a:schemeClr val="tx2">
+                  <a:lumMod val="50000"/>
+                  <a:lumOff val="50000"/>
+                </a:schemeClr>
+              </a:buClr>
+              <a:buSzPct val="75000"/>
+              <a:buFont typeface="Wingdings" panose="05000000000000000000" pitchFamily="2" charset="2"/>
+              <a:buChar char="§"/>
+            </a:pPr>
+            <a:r>
+              <a:rPr lang="en-US" dirty="0">
+                <a:solidFill>
+                  <a:schemeClr val="tx2"/>
+                </a:solidFill>
+              </a:rPr>
+              <a:t>Technical controls implemented VS expected</a:t>
+            </a:r>
+          </a:p>
+        </p:txBody>
+      </p:sp>
+      <p:pic>
+        <p:nvPicPr>
+          <p:cNvPr id="5" name="Picture 4">
+            <a:extLst>
+              <a:ext uri="{FF2B5EF4-FFF2-40B4-BE49-F238E27FC236}">
+                <a16:creationId xmlns:a16="http://schemas.microsoft.com/office/drawing/2014/main" id="{9D615AA2-257D-D4FB-3861-FD93CD5A1F09}"/>
+              </a:ext>
+            </a:extLst>
+          </p:cNvPr>
+          <p:cNvPicPr>
+            <a:picLocks noChangeAspect="1"/>
+          </p:cNvPicPr>
+          <p:nvPr/>
+        </p:nvPicPr>
+        <p:blipFill>
+          <a:blip r:embed="rId2"/>
+          <a:stretch>
+            <a:fillRect/>
+          </a:stretch>
+        </p:blipFill>
+        <p:spPr>
+          <a:xfrm>
+            <a:off x="3698062" y="3707756"/>
+            <a:ext cx="7718370" cy="1334039"/>
+          </a:xfrm>
+          <a:prstGeom prst="rect">
+            <a:avLst/>
+          </a:prstGeom>
+        </p:spPr>
+      </p:pic>
+    </p:spTree>
+    <p:extLst>
+      <p:ext uri="{BB962C8B-B14F-4D97-AF65-F5344CB8AC3E}">
+        <p14:creationId xmlns:p14="http://schemas.microsoft.com/office/powerpoint/2010/main" val="1181612546"/>
+      </p:ext>
+    </p:extLst>
+  </p:cSld>
+  <p:clrMapOvr>
+    <a:masterClrMapping/>
+  </p:clrMapOvr>
+</p:sld>
+</file>
+
+<file path=ppt/slides/slide8.xml><?xml version="1.0" encoding="utf-8"?>
+<p:sld xmlns:a="http://schemas.openxmlformats.org/drawingml/2006/main" xmlns:r="http://schemas.openxmlformats.org/officeDocument/2006/relationships" xmlns:p="http://schemas.openxmlformats.org/presentationml/2006/main">
+  <p:cSld>
+    <p:bg>
+      <p:bgPr>
+        <a:solidFill>
+          <a:schemeClr val="bg1"/>
+        </a:solidFill>
+        <a:effectLst/>
+      </p:bgPr>
+    </p:bg>
+    <p:spTree>
+      <p:nvGrpSpPr>
+        <p:cNvPr id="1" name="">
+          <a:extLst>
+            <a:ext uri="{FF2B5EF4-FFF2-40B4-BE49-F238E27FC236}">
               <a16:creationId xmlns:a16="http://schemas.microsoft.com/office/drawing/2014/main" id="{2377624C-F98F-0F40-6395-A3BBAA43309F}"/>
             </a:ext>
           </a:extLst>
@@ -18673,8 +19553,8 @@
 </p:sld>
 </file>
 
-<file path=ppt/slides/slide7.xml><?xml version="1.0" encoding="utf-8"?>
-<p:sld xmlns:a="http://schemas.openxmlformats.org/drawingml/2006/main" xmlns:r="http://schemas.openxmlformats.org/officeDocument/2006/relationships" xmlns:p="http://schemas.openxmlformats.org/presentationml/2006/main">
+<file path=ppt/slides/slide9.xml><?xml version="1.0" encoding="utf-8"?>
+<p:sld xmlns:a="http://schemas.openxmlformats.org/drawingml/2006/main" xmlns:r="http://schemas.openxmlformats.org/officeDocument/2006/relationships" xmlns:p="http://schemas.openxmlformats.org/presentationml/2006/main" show="0">
   <p:cSld>
     <p:bg>
       <p:bgPr>
@@ -18787,412 +19667,6 @@
   <p:clrMapOvr>
     <a:masterClrMapping/>
   </p:clrMapOvr>
-</p:sld>
-</file>
-
-<file path=ppt/slides/slide8.xml><?xml version="1.0" encoding="utf-8"?>
-<p:sld xmlns:a="http://schemas.openxmlformats.org/drawingml/2006/main" xmlns:r="http://schemas.openxmlformats.org/officeDocument/2006/relationships" xmlns:p="http://schemas.openxmlformats.org/presentationml/2006/main">
-  <p:cSld>
-    <p:bg>
-      <p:bgPr>
-        <a:gradFill>
-          <a:gsLst>
-            <a:gs pos="16000">
-              <a:schemeClr val="bg1"/>
-            </a:gs>
-            <a:gs pos="100000">
-              <a:schemeClr val="accent1">
-                <a:lumMod val="45000"/>
-                <a:lumOff val="55000"/>
-              </a:schemeClr>
-            </a:gs>
-          </a:gsLst>
-          <a:lin ang="5400000" scaled="1"/>
-        </a:gradFill>
-        <a:effectLst/>
-      </p:bgPr>
-    </p:bg>
-    <p:spTree>
-      <p:nvGrpSpPr>
-        <p:cNvPr id="1" name=""/>
-        <p:cNvGrpSpPr/>
-        <p:nvPr/>
-      </p:nvGrpSpPr>
-      <p:grpSpPr>
-        <a:xfrm>
-          <a:off x="0" y="0"/>
-          <a:ext cx="0" cy="0"/>
-          <a:chOff x="0" y="0"/>
-          <a:chExt cx="0" cy="0"/>
-        </a:xfrm>
-      </p:grpSpPr>
-      <p:sp>
-        <p:nvSpPr>
-          <p:cNvPr id="2" name="Title 1">
-            <a:extLst>
-              <a:ext uri="{FF2B5EF4-FFF2-40B4-BE49-F238E27FC236}">
-                <a16:creationId xmlns:a16="http://schemas.microsoft.com/office/drawing/2014/main" id="{044B6532-5A4F-4BF5-B244-72854D2C5A3B}"/>
-              </a:ext>
-            </a:extLst>
-          </p:cNvPr>
-          <p:cNvSpPr>
-            <a:spLocks noGrp="1"/>
-          </p:cNvSpPr>
-          <p:nvPr>
-            <p:ph type="title"/>
-          </p:nvPr>
-        </p:nvSpPr>
-        <p:spPr>
-          <a:xfrm>
-            <a:off x="3433728" y="4665781"/>
-            <a:ext cx="4927425" cy="1938525"/>
-          </a:xfrm>
-        </p:spPr>
-        <p:txBody>
-          <a:bodyPr vert="horz" lIns="91440" tIns="45720" rIns="91440" bIns="45720" rtlCol="0">
-            <a:normAutofit/>
-          </a:bodyPr>
-          <a:lstStyle/>
-          <a:p>
-            <a:r>
-              <a:rPr lang="en-US" dirty="0"/>
-              <a:t>Execute (example)</a:t>
-            </a:r>
-          </a:p>
-        </p:txBody>
-      </p:sp>
-      <p:pic>
-        <p:nvPicPr>
-          <p:cNvPr id="4" name="Picture 3">
-            <a:extLst>
-              <a:ext uri="{FF2B5EF4-FFF2-40B4-BE49-F238E27FC236}">
-                <a16:creationId xmlns:a16="http://schemas.microsoft.com/office/drawing/2014/main" id="{1419A635-8E52-2ADD-1D11-1226A1C51A63}"/>
-              </a:ext>
-            </a:extLst>
-          </p:cNvPr>
-          <p:cNvPicPr>
-            <a:picLocks noChangeAspect="1"/>
-          </p:cNvPicPr>
-          <p:nvPr/>
-        </p:nvPicPr>
-        <p:blipFill>
-          <a:blip r:embed="rId2"/>
-          <a:stretch>
-            <a:fillRect/>
-          </a:stretch>
-        </p:blipFill>
-        <p:spPr>
-          <a:xfrm>
-            <a:off x="-96128" y="0"/>
-            <a:ext cx="12192000" cy="4768551"/>
-          </a:xfrm>
-          <a:prstGeom prst="rect">
-            <a:avLst/>
-          </a:prstGeom>
-        </p:spPr>
-      </p:pic>
-    </p:spTree>
-    <p:extLst>
-      <p:ext uri="{BB962C8B-B14F-4D97-AF65-F5344CB8AC3E}">
-        <p14:creationId xmlns:p14="http://schemas.microsoft.com/office/powerpoint/2010/main" val="1302414792"/>
-      </p:ext>
-    </p:extLst>
-  </p:cSld>
-  <p:clrMapOvr>
-    <a:masterClrMapping/>
-  </p:clrMapOvr>
-  <mc:AlternateContent xmlns:mc="http://schemas.openxmlformats.org/markup-compatibility/2006" xmlns:p159="http://schemas.microsoft.com/office/powerpoint/2015/09/main">
-    <mc:Choice Requires="p159">
-      <p:transition xmlns:p14="http://schemas.microsoft.com/office/powerpoint/2010/main" spd="slow" p14:dur="2000">
-        <p159:morph option="byObject"/>
-      </p:transition>
-    </mc:Choice>
-    <mc:Fallback xmlns="">
-      <p:transition spd="slow">
-        <p:fade/>
-      </p:transition>
-    </mc:Fallback>
-  </mc:AlternateContent>
-</p:sld>
-</file>
-
-<file path=ppt/slides/slide9.xml><?xml version="1.0" encoding="utf-8"?>
-<p:sld xmlns:a="http://schemas.openxmlformats.org/drawingml/2006/main" xmlns:r="http://schemas.openxmlformats.org/officeDocument/2006/relationships" xmlns:p="http://schemas.openxmlformats.org/presentationml/2006/main">
-  <p:cSld>
-    <p:spTree>
-      <p:nvGrpSpPr>
-        <p:cNvPr id="1" name="">
-          <a:extLst>
-            <a:ext uri="{FF2B5EF4-FFF2-40B4-BE49-F238E27FC236}">
-              <a16:creationId xmlns:a16="http://schemas.microsoft.com/office/drawing/2014/main" id="{C7627003-7804-09DD-1EF3-F1A026A7B10D}"/>
-            </a:ext>
-          </a:extLst>
-        </p:cNvPr>
-        <p:cNvGrpSpPr/>
-        <p:nvPr/>
-      </p:nvGrpSpPr>
-      <p:grpSpPr>
-        <a:xfrm>
-          <a:off x="0" y="0"/>
-          <a:ext cx="0" cy="0"/>
-          <a:chOff x="0" y="0"/>
-          <a:chExt cx="0" cy="0"/>
-        </a:xfrm>
-      </p:grpSpPr>
-      <p:sp>
-        <p:nvSpPr>
-          <p:cNvPr id="4" name="Rectangle: Rounded Corners 3">
-            <a:extLst>
-              <a:ext uri="{FF2B5EF4-FFF2-40B4-BE49-F238E27FC236}">
-                <a16:creationId xmlns:a16="http://schemas.microsoft.com/office/drawing/2014/main" id="{BC5C581E-C8B7-6561-8A37-F37B8F71F7F9}"/>
-              </a:ext>
-            </a:extLst>
-          </p:cNvPr>
-          <p:cNvSpPr/>
-          <p:nvPr/>
-        </p:nvSpPr>
-        <p:spPr>
-          <a:xfrm>
-            <a:off x="777635" y="2829650"/>
-            <a:ext cx="4114876" cy="563326"/>
-          </a:xfrm>
-          <a:prstGeom prst="roundRect">
-            <a:avLst/>
-          </a:prstGeom>
-          <a:solidFill>
-            <a:schemeClr val="accent1">
-              <a:alpha val="85000"/>
-            </a:schemeClr>
-          </a:solidFill>
-          <a:ln>
-            <a:noFill/>
-          </a:ln>
-        </p:spPr>
-        <p:style>
-          <a:lnRef idx="2">
-            <a:schemeClr val="accent1">
-              <a:shade val="15000"/>
-            </a:schemeClr>
-          </a:lnRef>
-          <a:fillRef idx="1">
-            <a:schemeClr val="accent1"/>
-          </a:fillRef>
-          <a:effectRef idx="0">
-            <a:schemeClr val="accent1"/>
-          </a:effectRef>
-          <a:fontRef idx="minor">
-            <a:schemeClr val="lt1"/>
-          </a:fontRef>
-        </p:style>
-        <p:txBody>
-          <a:bodyPr rtlCol="0" anchor="ctr"/>
-          <a:lstStyle/>
-          <a:p>
-            <a:pPr algn="ctr"/>
-            <a:endParaRPr lang="en-US" dirty="0"/>
-          </a:p>
-        </p:txBody>
-      </p:sp>
-      <p:sp>
-        <p:nvSpPr>
-          <p:cNvPr id="2" name="Title 1">
-            <a:extLst>
-              <a:ext uri="{FF2B5EF4-FFF2-40B4-BE49-F238E27FC236}">
-                <a16:creationId xmlns:a16="http://schemas.microsoft.com/office/drawing/2014/main" id="{8D763C41-D60E-6D98-F57F-8591C2AE5AB9}"/>
-              </a:ext>
-            </a:extLst>
-          </p:cNvPr>
-          <p:cNvSpPr>
-            <a:spLocks noGrp="1"/>
-          </p:cNvSpPr>
-          <p:nvPr>
-            <p:ph type="title"/>
-          </p:nvPr>
-        </p:nvSpPr>
-        <p:spPr/>
-        <p:txBody>
-          <a:bodyPr/>
-          <a:lstStyle/>
-          <a:p>
-            <a:r>
-              <a:rPr lang="en-US" dirty="0"/>
-              <a:t>Key Takeaways</a:t>
-            </a:r>
-          </a:p>
-        </p:txBody>
-      </p:sp>
-      <p:sp>
-        <p:nvSpPr>
-          <p:cNvPr id="3" name="Content Placeholder 2">
-            <a:extLst>
-              <a:ext uri="{FF2B5EF4-FFF2-40B4-BE49-F238E27FC236}">
-                <a16:creationId xmlns:a16="http://schemas.microsoft.com/office/drawing/2014/main" id="{E7443E5E-35E0-9665-1228-58BB93E13FA6}"/>
-              </a:ext>
-            </a:extLst>
-          </p:cNvPr>
-          <p:cNvSpPr>
-            <a:spLocks noGrp="1"/>
-          </p:cNvSpPr>
-          <p:nvPr>
-            <p:ph idx="1"/>
-          </p:nvPr>
-        </p:nvSpPr>
-        <p:spPr>
-          <a:xfrm>
-            <a:off x="691079" y="2340131"/>
-            <a:ext cx="4351976" cy="3564436"/>
-          </a:xfrm>
-        </p:spPr>
-        <p:txBody>
-          <a:bodyPr>
-            <a:normAutofit/>
-          </a:bodyPr>
-          <a:lstStyle/>
-          <a:p>
-            <a:pPr marL="457200" indent="-457200">
-              <a:buFont typeface="Segoe UI Symbol" panose="020B0502040204020203" pitchFamily="34" charset="0"/>
-              <a:buChar char=""/>
-            </a:pPr>
-            <a:r>
-              <a:rPr lang="en-US" sz="2400" b="1" dirty="0">
-                <a:solidFill>
-                  <a:schemeClr val="tx1"/>
-                </a:solidFill>
-              </a:rPr>
-              <a:t>User-Friendly </a:t>
-            </a:r>
-          </a:p>
-          <a:p>
-            <a:pPr marL="457200" indent="-457200">
-              <a:buFont typeface="Segoe UI Symbol" panose="020B0502040204020203" pitchFamily="34" charset="0"/>
-              <a:buChar char=""/>
-            </a:pPr>
-            <a:r>
-              <a:rPr lang="en-US" sz="2400" b="1" dirty="0"/>
-              <a:t>Time Considerations</a:t>
-            </a:r>
-          </a:p>
-          <a:p>
-            <a:pPr marL="457200" indent="-457200">
-              <a:buFont typeface="Segoe UI Symbol" panose="020B0502040204020203" pitchFamily="34" charset="0"/>
-              <a:buChar char=""/>
-            </a:pPr>
-            <a:r>
-              <a:rPr lang="en-US" sz="2400" b="1" dirty="0"/>
-              <a:t>Complexity Is Hidden</a:t>
-            </a:r>
-          </a:p>
-          <a:p>
-            <a:pPr marL="457200" indent="-457200">
-              <a:buFont typeface="Segoe UI Symbol" panose="020B0502040204020203" pitchFamily="34" charset="0"/>
-              <a:buChar char=""/>
-            </a:pPr>
-            <a:r>
-              <a:rPr lang="en-US" sz="2400" b="1" dirty="0"/>
-              <a:t>Tech Agnostic</a:t>
-            </a:r>
-          </a:p>
-          <a:p>
-            <a:pPr marL="457200" indent="-457200">
-              <a:buNone/>
-            </a:pPr>
-            <a:endParaRPr lang="en-US" dirty="0"/>
-          </a:p>
-        </p:txBody>
-      </p:sp>
-      <p:cxnSp>
-        <p:nvCxnSpPr>
-          <p:cNvPr id="6" name="Straight Connector 5">
-            <a:extLst>
-              <a:ext uri="{FF2B5EF4-FFF2-40B4-BE49-F238E27FC236}">
-                <a16:creationId xmlns:a16="http://schemas.microsoft.com/office/drawing/2014/main" id="{6B4452C6-7622-9527-10E6-73872136AC20}"/>
-              </a:ext>
-            </a:extLst>
-          </p:cNvPr>
-          <p:cNvCxnSpPr/>
-          <p:nvPr/>
-        </p:nvCxnSpPr>
-        <p:spPr>
-          <a:xfrm>
-            <a:off x="5126182" y="1801091"/>
-            <a:ext cx="0" cy="4913745"/>
-          </a:xfrm>
-          <a:prstGeom prst="line">
-            <a:avLst/>
-          </a:prstGeom>
-        </p:spPr>
-        <p:style>
-          <a:lnRef idx="1">
-            <a:schemeClr val="accent1"/>
-          </a:lnRef>
-          <a:fillRef idx="0">
-            <a:schemeClr val="accent1"/>
-          </a:fillRef>
-          <a:effectRef idx="0">
-            <a:schemeClr val="accent1"/>
-          </a:effectRef>
-          <a:fontRef idx="minor">
-            <a:schemeClr val="tx1"/>
-          </a:fontRef>
-        </p:style>
-      </p:cxnSp>
-      <p:sp>
-        <p:nvSpPr>
-          <p:cNvPr id="7" name="TextBox 6">
-            <a:extLst>
-              <a:ext uri="{FF2B5EF4-FFF2-40B4-BE49-F238E27FC236}">
-                <a16:creationId xmlns:a16="http://schemas.microsoft.com/office/drawing/2014/main" id="{A288C17E-6DAA-B345-639B-E54196D0D95B}"/>
-              </a:ext>
-            </a:extLst>
-          </p:cNvPr>
-          <p:cNvSpPr txBox="1"/>
-          <p:nvPr/>
-        </p:nvSpPr>
-        <p:spPr>
-          <a:xfrm rot="16200000">
-            <a:off x="8214661" y="895030"/>
-            <a:ext cx="461665" cy="5676216"/>
-          </a:xfrm>
-          <a:prstGeom prst="rect">
-            <a:avLst/>
-          </a:prstGeom>
-          <a:noFill/>
-        </p:spPr>
-        <p:txBody>
-          <a:bodyPr vert="eaVert" wrap="square" rtlCol="0">
-            <a:spAutoFit/>
-          </a:bodyPr>
-          <a:lstStyle/>
-          <a:p>
-            <a:r>
-              <a:rPr lang="en-US" sz="1800" b="1" dirty="0"/>
-              <a:t>Simplifies interactions with intuitive, accessible questions</a:t>
-            </a:r>
-          </a:p>
-        </p:txBody>
-      </p:sp>
-    </p:spTree>
-    <p:extLst>
-      <p:ext uri="{BB962C8B-B14F-4D97-AF65-F5344CB8AC3E}">
-        <p14:creationId xmlns:p14="http://schemas.microsoft.com/office/powerpoint/2010/main" val="2794914155"/>
-      </p:ext>
-    </p:extLst>
-  </p:cSld>
-  <p:clrMapOvr>
-    <a:masterClrMapping/>
-  </p:clrMapOvr>
-  <mc:AlternateContent xmlns:mc="http://schemas.openxmlformats.org/markup-compatibility/2006" xmlns:p159="http://schemas.microsoft.com/office/powerpoint/2015/09/main">
-    <mc:Choice Requires="p159">
-      <p:transition xmlns:p14="http://schemas.microsoft.com/office/powerpoint/2010/main" spd="slow" p14:dur="2000">
-        <p159:morph option="byObject"/>
-      </p:transition>
-    </mc:Choice>
-    <mc:Fallback xmlns="">
-      <p:transition spd="slow">
-        <p:fade/>
-      </p:transition>
-    </mc:Fallback>
-  </mc:AlternateContent>
 </p:sld>
 </file>
 

--- a/Cyber Risk from Theory to Practice LSZ2025.pptx
+++ b/Cyber Risk from Theory to Practice LSZ2025.pptx
@@ -133,7 +133,7 @@
 <file path=ppt/revisionInfo.xml><?xml version="1.0" encoding="utf-8"?>
 <p1510:revInfo xmlns:a="http://schemas.openxmlformats.org/drawingml/2006/main" xmlns:r="http://schemas.openxmlformats.org/officeDocument/2006/relationships" xmlns:p1510="http://schemas.microsoft.com/office/powerpoint/2015/10/main">
   <p1510:revLst>
-    <p1510:client id="{341BC416-3A9F-440F-8C56-C86DDAF79F0D}" v="392" dt="2025-06-20T06:14:08.500"/>
+    <p1510:client id="{341BC416-3A9F-440F-8C56-C86DDAF79F0D}" v="406" dt="2025-06-23T07:26:22.519"/>
   </p1510:revLst>
 </p1510:revInfo>
 </file>
@@ -715,7 +715,7 @@
   <pc:docChgLst>
     <pc:chgData name="Georgios Miskakis" userId="44b2163f-3f3f-427f-9606-72ab2f8439a5" providerId="ADAL" clId="{341BC416-3A9F-440F-8C56-C86DDAF79F0D}"/>
     <pc:docChg chg="undo custSel addSld delSld modSld sldOrd">
-      <pc:chgData name="Georgios Miskakis" userId="44b2163f-3f3f-427f-9606-72ab2f8439a5" providerId="ADAL" clId="{341BC416-3A9F-440F-8C56-C86DDAF79F0D}" dt="2025-06-20T10:01:09.600" v="2737" actId="47"/>
+      <pc:chgData name="Georgios Miskakis" userId="44b2163f-3f3f-427f-9606-72ab2f8439a5" providerId="ADAL" clId="{341BC416-3A9F-440F-8C56-C86DDAF79F0D}" dt="2025-06-23T07:26:22.519" v="2751" actId="20577"/>
       <pc:docMkLst>
         <pc:docMk/>
       </pc:docMkLst>
@@ -749,28 +749,12 @@
             <ac:picMk id="5" creationId="{BBFBECE9-739D-92DF-84FA-66309F0912BF}"/>
           </ac:picMkLst>
         </pc:picChg>
-        <pc:picChg chg="del mod">
-          <ac:chgData name="Georgios Miskakis" userId="44b2163f-3f3f-427f-9606-72ab2f8439a5" providerId="ADAL" clId="{341BC416-3A9F-440F-8C56-C86DDAF79F0D}" dt="2025-06-19T14:44:13.839" v="2478" actId="478"/>
-          <ac:picMkLst>
-            <pc:docMk/>
-            <pc:sldMk cId="1634352888" sldId="261"/>
-            <ac:picMk id="6" creationId="{0F9CD293-5B1A-B718-81DC-D7A4654DFC75}"/>
-          </ac:picMkLst>
-        </pc:picChg>
         <pc:picChg chg="add mod">
           <ac:chgData name="Georgios Miskakis" userId="44b2163f-3f3f-427f-9606-72ab2f8439a5" providerId="ADAL" clId="{341BC416-3A9F-440F-8C56-C86DDAF79F0D}" dt="2025-06-19T14:28:04.128" v="2475" actId="1076"/>
           <ac:picMkLst>
             <pc:docMk/>
             <pc:sldMk cId="1634352888" sldId="261"/>
             <ac:picMk id="8" creationId="{71E00AE5-0BEF-E059-C140-0066B830CF7B}"/>
-          </ac:picMkLst>
-        </pc:picChg>
-        <pc:picChg chg="add del mod">
-          <ac:chgData name="Georgios Miskakis" userId="44b2163f-3f3f-427f-9606-72ab2f8439a5" providerId="ADAL" clId="{341BC416-3A9F-440F-8C56-C86DDAF79F0D}" dt="2025-06-19T12:55:06.467" v="2363" actId="478"/>
-          <ac:picMkLst>
-            <pc:docMk/>
-            <pc:sldMk cId="1634352888" sldId="261"/>
-            <ac:picMk id="9" creationId="{AAB0FD06-791E-FD47-F205-BE2C2B575D26}"/>
           </ac:picMkLst>
         </pc:picChg>
         <pc:picChg chg="add mod">
@@ -906,14 +890,6 @@
             <ac:spMk id="2" creationId="{044B6532-5A4F-4BF5-B244-72854D2C5A3B}"/>
           </ac:spMkLst>
         </pc:spChg>
-        <pc:cxnChg chg="add del">
-          <ac:chgData name="Georgios Miskakis" userId="44b2163f-3f3f-427f-9606-72ab2f8439a5" providerId="ADAL" clId="{341BC416-3A9F-440F-8C56-C86DDAF79F0D}" dt="2025-06-19T09:49:08.068" v="2082" actId="478"/>
-          <ac:cxnSpMkLst>
-            <pc:docMk/>
-            <pc:sldMk cId="1302414792" sldId="276"/>
-            <ac:cxnSpMk id="5" creationId="{91E25F46-C4EB-0305-3D2E-74AAA9B16382}"/>
-          </ac:cxnSpMkLst>
-        </pc:cxnChg>
       </pc:sldChg>
       <pc:sldChg chg="modSp mod">
         <pc:chgData name="Georgios Miskakis" userId="44b2163f-3f3f-427f-9606-72ab2f8439a5" providerId="ADAL" clId="{341BC416-3A9F-440F-8C56-C86DDAF79F0D}" dt="2025-06-17T14:18:43.968" v="1200" actId="1076"/>
@@ -939,19 +915,11 @@
         </pc:picChg>
       </pc:sldChg>
       <pc:sldChg chg="addSp delSp modSp mod">
-        <pc:chgData name="Georgios Miskakis" userId="44b2163f-3f3f-427f-9606-72ab2f8439a5" providerId="ADAL" clId="{341BC416-3A9F-440F-8C56-C86DDAF79F0D}" dt="2025-06-19T13:03:40.381" v="2388" actId="20577"/>
+        <pc:chgData name="Georgios Miskakis" userId="44b2163f-3f3f-427f-9606-72ab2f8439a5" providerId="ADAL" clId="{341BC416-3A9F-440F-8C56-C86DDAF79F0D}" dt="2025-06-23T07:26:22.519" v="2751" actId="20577"/>
         <pc:sldMkLst>
           <pc:docMk/>
           <pc:sldMk cId="2219809388" sldId="279"/>
         </pc:sldMkLst>
-        <pc:spChg chg="del mod">
-          <ac:chgData name="Georgios Miskakis" userId="44b2163f-3f3f-427f-9606-72ab2f8439a5" providerId="ADAL" clId="{341BC416-3A9F-440F-8C56-C86DDAF79F0D}" dt="2025-06-19T06:13:25.550" v="1729" actId="478"/>
-          <ac:spMkLst>
-            <pc:docMk/>
-            <pc:sldMk cId="2219809388" sldId="279"/>
-            <ac:spMk id="2" creationId="{D935AA5F-1B13-654A-A15B-963FAA15DBC8}"/>
-          </ac:spMkLst>
-        </pc:spChg>
         <pc:spChg chg="add mod">
           <ac:chgData name="Georgios Miskakis" userId="44b2163f-3f3f-427f-9606-72ab2f8439a5" providerId="ADAL" clId="{341BC416-3A9F-440F-8C56-C86DDAF79F0D}" dt="2025-06-19T10:44:53.796" v="2317" actId="20577"/>
           <ac:spMkLst>
@@ -985,21 +953,13 @@
           </ac:spMkLst>
         </pc:spChg>
         <pc:graphicFrameChg chg="add mod modGraphic">
-          <ac:chgData name="Georgios Miskakis" userId="44b2163f-3f3f-427f-9606-72ab2f8439a5" providerId="ADAL" clId="{341BC416-3A9F-440F-8C56-C86DDAF79F0D}" dt="2025-06-19T13:03:40.381" v="2388" actId="20577"/>
+          <ac:chgData name="Georgios Miskakis" userId="44b2163f-3f3f-427f-9606-72ab2f8439a5" providerId="ADAL" clId="{341BC416-3A9F-440F-8C56-C86DDAF79F0D}" dt="2025-06-23T07:26:22.519" v="2751" actId="20577"/>
           <ac:graphicFrameMkLst>
             <pc:docMk/>
             <pc:sldMk cId="2219809388" sldId="279"/>
             <ac:graphicFrameMk id="3" creationId="{673FAF8C-0366-087F-A91B-A73F078EF308}"/>
           </ac:graphicFrameMkLst>
         </pc:graphicFrameChg>
-        <pc:picChg chg="del mod">
-          <ac:chgData name="Georgios Miskakis" userId="44b2163f-3f3f-427f-9606-72ab2f8439a5" providerId="ADAL" clId="{341BC416-3A9F-440F-8C56-C86DDAF79F0D}" dt="2025-06-19T06:11:19.845" v="1682" actId="478"/>
-          <ac:picMkLst>
-            <pc:docMk/>
-            <pc:sldMk cId="2219809388" sldId="279"/>
-            <ac:picMk id="123" creationId="{DDCD1C87-A38A-6F64-6297-6437F0E66BEB}"/>
-          </ac:picMkLst>
-        </pc:picChg>
       </pc:sldChg>
       <pc:sldChg chg="modSp mod">
         <pc:chgData name="Georgios Miskakis" userId="44b2163f-3f3f-427f-9606-72ab2f8439a5" providerId="ADAL" clId="{341BC416-3A9F-440F-8C56-C86DDAF79F0D}" dt="2025-06-17T14:31:00.670" v="1331" actId="1076"/>
@@ -1318,14 +1278,6 @@
           </ac:spMkLst>
         </pc:spChg>
         <pc:spChg chg="mod">
-          <ac:chgData name="Georgios Miskakis" userId="44b2163f-3f3f-427f-9606-72ab2f8439a5" providerId="ADAL" clId="{341BC416-3A9F-440F-8C56-C86DDAF79F0D}" dt="2025-06-19T05:32:28.762" v="1463" actId="6549"/>
-          <ac:spMkLst>
-            <pc:docMk/>
-            <pc:sldMk cId="3882469842" sldId="294"/>
-            <ac:spMk id="15" creationId="{F916BE4D-7A2B-EE6D-33E9-4D054A44D331}"/>
-          </ac:spMkLst>
-        </pc:spChg>
-        <pc:spChg chg="mod">
           <ac:chgData name="Georgios Miskakis" userId="44b2163f-3f3f-427f-9606-72ab2f8439a5" providerId="ADAL" clId="{341BC416-3A9F-440F-8C56-C86DDAF79F0D}" dt="2025-06-19T05:31:41.419" v="1455" actId="20577"/>
           <ac:spMkLst>
             <pc:docMk/>
@@ -1349,14 +1301,6 @@
             <ac:spMk id="34" creationId="{9F1B187D-BBFD-AC3D-5368-C9B4E5C77C23}"/>
           </ac:spMkLst>
         </pc:spChg>
-        <pc:spChg chg="del">
-          <ac:chgData name="Georgios Miskakis" userId="44b2163f-3f3f-427f-9606-72ab2f8439a5" providerId="ADAL" clId="{341BC416-3A9F-440F-8C56-C86DDAF79F0D}" dt="2025-06-19T05:32:30.504" v="1464" actId="478"/>
-          <ac:spMkLst>
-            <pc:docMk/>
-            <pc:sldMk cId="3882469842" sldId="294"/>
-            <ac:spMk id="35" creationId="{A5FC1282-7D11-252A-218A-A76012FACAFA}"/>
-          </ac:spMkLst>
-        </pc:spChg>
         <pc:grpChg chg="mod">
           <ac:chgData name="Georgios Miskakis" userId="44b2163f-3f3f-427f-9606-72ab2f8439a5" providerId="ADAL" clId="{341BC416-3A9F-440F-8C56-C86DDAF79F0D}" dt="2025-06-19T05:33:49.103" v="1486" actId="207"/>
           <ac:grpSpMkLst>
@@ -1365,22 +1309,6 @@
             <ac:grpSpMk id="10" creationId="{4A529B11-23A2-E227-A6FB-280521C45757}"/>
           </ac:grpSpMkLst>
         </pc:grpChg>
-        <pc:grpChg chg="del">
-          <ac:chgData name="Georgios Miskakis" userId="44b2163f-3f3f-427f-9606-72ab2f8439a5" providerId="ADAL" clId="{341BC416-3A9F-440F-8C56-C86DDAF79F0D}" dt="2025-06-19T05:32:31.539" v="1465" actId="478"/>
-          <ac:grpSpMkLst>
-            <pc:docMk/>
-            <pc:sldMk cId="3882469842" sldId="294"/>
-            <ac:grpSpMk id="13" creationId="{1E2E9346-9036-6AEB-9CBC-34D99B0DFE1E}"/>
-          </ac:grpSpMkLst>
-        </pc:grpChg>
-        <pc:cxnChg chg="del">
-          <ac:chgData name="Georgios Miskakis" userId="44b2163f-3f3f-427f-9606-72ab2f8439a5" providerId="ADAL" clId="{341BC416-3A9F-440F-8C56-C86DDAF79F0D}" dt="2025-06-19T05:32:27.764" v="1462" actId="478"/>
-          <ac:cxnSpMkLst>
-            <pc:docMk/>
-            <pc:sldMk cId="3882469842" sldId="294"/>
-            <ac:cxnSpMk id="16" creationId="{4690261A-A6B0-2683-2EAF-22DB0CFA805C}"/>
-          </ac:cxnSpMkLst>
-        </pc:cxnChg>
       </pc:sldChg>
       <pc:sldChg chg="modSp add mod">
         <pc:chgData name="Georgios Miskakis" userId="44b2163f-3f3f-427f-9606-72ab2f8439a5" providerId="ADAL" clId="{341BC416-3A9F-440F-8C56-C86DDAF79F0D}" dt="2025-06-20T06:48:57.276" v="2733" actId="20577"/>
@@ -6365,7 +6293,7 @@
                 <a:schemeClr val="bg1"/>
               </a:solidFill>
             </a:rPr>
-            <a:t>Triage</a:t>
+            <a:t>Triage (asset value)</a:t>
           </a:r>
         </a:p>
       </dgm:t>
@@ -8266,7 +8194,7 @@
       </dsp:nvSpPr>
       <dsp:spPr>
         <a:xfrm>
-          <a:off x="4221" y="752564"/>
+          <a:off x="4221" y="568820"/>
           <a:ext cx="2538549" cy="1015419"/>
         </a:xfrm>
         <a:prstGeom prst="rect">
@@ -8345,7 +8273,7 @@
         </a:p>
       </dsp:txBody>
       <dsp:txXfrm>
-        <a:off x="4221" y="752564"/>
+        <a:off x="4221" y="568820"/>
         <a:ext cx="2538549" cy="1015419"/>
       </dsp:txXfrm>
     </dsp:sp>
@@ -8356,8 +8284,8 @@
       </dsp:nvSpPr>
       <dsp:spPr>
         <a:xfrm>
-          <a:off x="7" y="1776803"/>
-          <a:ext cx="2538549" cy="2449912"/>
+          <a:off x="7" y="1594383"/>
+          <a:ext cx="2538549" cy="2817399"/>
         </a:xfrm>
         <a:prstGeom prst="rect">
           <a:avLst/>
@@ -8436,8 +8364,8 @@
         </a:p>
       </dsp:txBody>
       <dsp:txXfrm>
-        <a:off x="7" y="1776803"/>
-        <a:ext cx="2538549" cy="2449912"/>
+        <a:off x="7" y="1594383"/>
+        <a:ext cx="2538549" cy="2817399"/>
       </dsp:txXfrm>
     </dsp:sp>
     <dsp:sp modelId="{E193452E-F875-426D-8026-0DFE0D9413F6}">
@@ -8447,7 +8375,7 @@
       </dsp:nvSpPr>
       <dsp:spPr>
         <a:xfrm>
-          <a:off x="2898168" y="752564"/>
+          <a:off x="2898168" y="568820"/>
           <a:ext cx="2538549" cy="1015419"/>
         </a:xfrm>
         <a:prstGeom prst="rect">
@@ -8513,7 +8441,7 @@
         </a:p>
       </dsp:txBody>
       <dsp:txXfrm>
-        <a:off x="2898168" y="752564"/>
+        <a:off x="2898168" y="568820"/>
         <a:ext cx="2538549" cy="1015419"/>
       </dsp:txXfrm>
     </dsp:sp>
@@ -8524,8 +8452,8 @@
       </dsp:nvSpPr>
       <dsp:spPr>
         <a:xfrm>
-          <a:off x="2898168" y="1767984"/>
-          <a:ext cx="2538549" cy="2449912"/>
+          <a:off x="2898168" y="1584240"/>
+          <a:ext cx="2538549" cy="2817399"/>
         </a:xfrm>
         <a:prstGeom prst="rect">
           <a:avLst/>
@@ -8613,13 +8541,13 @@
                 <a:schemeClr val="bg1"/>
               </a:solidFill>
             </a:rPr>
-            <a:t>Triage</a:t>
+            <a:t>Triage (asset value)</a:t>
           </a:r>
         </a:p>
       </dsp:txBody>
       <dsp:txXfrm>
-        <a:off x="2898168" y="1767984"/>
-        <a:ext cx="2538549" cy="2449912"/>
+        <a:off x="2898168" y="1584240"/>
+        <a:ext cx="2538549" cy="2817399"/>
       </dsp:txXfrm>
     </dsp:sp>
     <dsp:sp modelId="{88DAFE89-4D3A-4B76-BEA6-4203B18C5C7F}">
@@ -8629,7 +8557,7 @@
       </dsp:nvSpPr>
       <dsp:spPr>
         <a:xfrm>
-          <a:off x="5792114" y="752564"/>
+          <a:off x="5792114" y="568820"/>
           <a:ext cx="2538549" cy="1015419"/>
         </a:xfrm>
         <a:prstGeom prst="rect">
@@ -8700,7 +8628,7 @@
         </a:p>
       </dsp:txBody>
       <dsp:txXfrm>
-        <a:off x="5792114" y="752564"/>
+        <a:off x="5792114" y="568820"/>
         <a:ext cx="2538549" cy="1015419"/>
       </dsp:txXfrm>
     </dsp:sp>
@@ -8711,8 +8639,8 @@
       </dsp:nvSpPr>
       <dsp:spPr>
         <a:xfrm>
-          <a:off x="5792114" y="1767984"/>
-          <a:ext cx="2538549" cy="2449912"/>
+          <a:off x="5792114" y="1584240"/>
+          <a:ext cx="2538549" cy="2817399"/>
         </a:xfrm>
         <a:prstGeom prst="rect">
           <a:avLst/>
@@ -8783,8 +8711,8 @@
         </a:p>
       </dsp:txBody>
       <dsp:txXfrm>
-        <a:off x="5792114" y="1767984"/>
-        <a:ext cx="2538549" cy="2449912"/>
+        <a:off x="5792114" y="1584240"/>
+        <a:ext cx="2538549" cy="2817399"/>
       </dsp:txXfrm>
     </dsp:sp>
     <dsp:sp modelId="{7CDF4C8A-646E-432E-8854-39BFF9CA31FE}">
@@ -8794,7 +8722,7 @@
       </dsp:nvSpPr>
       <dsp:spPr>
         <a:xfrm>
-          <a:off x="8686060" y="752564"/>
+          <a:off x="8686060" y="568820"/>
           <a:ext cx="2538549" cy="1015419"/>
         </a:xfrm>
         <a:prstGeom prst="rect">
@@ -8860,7 +8788,7 @@
         </a:p>
       </dsp:txBody>
       <dsp:txXfrm>
-        <a:off x="8686060" y="752564"/>
+        <a:off x="8686060" y="568820"/>
         <a:ext cx="2538549" cy="1015419"/>
       </dsp:txXfrm>
     </dsp:sp>
@@ -8871,8 +8799,8 @@
       </dsp:nvSpPr>
       <dsp:spPr>
         <a:xfrm>
-          <a:off x="8686060" y="1767984"/>
-          <a:ext cx="2538549" cy="2449912"/>
+          <a:off x="8686060" y="1584240"/>
+          <a:ext cx="2538549" cy="2817399"/>
         </a:xfrm>
         <a:prstGeom prst="rect">
           <a:avLst/>
@@ -8939,8 +8867,8 @@
         </a:p>
       </dsp:txBody>
       <dsp:txXfrm>
-        <a:off x="8686060" y="1767984"/>
-        <a:ext cx="2538549" cy="2449912"/>
+        <a:off x="8686060" y="1584240"/>
+        <a:ext cx="2538549" cy="2817399"/>
       </dsp:txXfrm>
     </dsp:sp>
   </dsp:spTree>
@@ -13591,7 +13519,7 @@
           <a:p>
             <a:fld id="{B6C30EF8-FB1B-4DAB-90B9-418494406AAC}" type="datetimeFigureOut">
               <a:rPr lang="en-US" smtClean="0"/>
-              <a:t>6/20/2025</a:t>
+              <a:t>6/23/2025</a:t>
             </a:fld>
             <a:endParaRPr lang="en-US"/>
           </a:p>
@@ -14171,7 +14099,7 @@
           <a:p>
             <a:fld id="{8F72BA41-EC5B-4197-BCC8-0FD2E523CD7A}" type="datetimeFigureOut">
               <a:rPr lang="en-US" smtClean="0"/>
-              <a:t>6/20/2025</a:t>
+              <a:t>6/23/2025</a:t>
             </a:fld>
             <a:endParaRPr lang="en-US"/>
           </a:p>
@@ -14506,7 +14434,7 @@
             <a:fld id="{8F72BA41-EC5B-4197-BCC8-0FD2E523CD7A}" type="datetimeFigureOut">
               <a:rPr lang="en-US" smtClean="0"/>
               <a:pPr/>
-              <a:t>6/20/2025</a:t>
+              <a:t>6/23/2025</a:t>
             </a:fld>
             <a:endParaRPr lang="en-US"/>
           </a:p>
@@ -14786,7 +14714,7 @@
             <a:fld id="{8F72BA41-EC5B-4197-BCC8-0FD2E523CD7A}" type="datetimeFigureOut">
               <a:rPr lang="en-US" smtClean="0"/>
               <a:pPr/>
-              <a:t>6/20/2025</a:t>
+              <a:t>6/23/2025</a:t>
             </a:fld>
             <a:endParaRPr lang="en-US"/>
           </a:p>
@@ -15356,7 +15284,7 @@
             <a:fld id="{8F72BA41-EC5B-4197-BCC8-0FD2E523CD7A}" type="datetimeFigureOut">
               <a:rPr lang="en-US" smtClean="0"/>
               <a:pPr/>
-              <a:t>6/20/2025</a:t>
+              <a:t>6/23/2025</a:t>
             </a:fld>
             <a:endParaRPr lang="en-US"/>
           </a:p>
@@ -15636,7 +15564,7 @@
             <a:fld id="{8F72BA41-EC5B-4197-BCC8-0FD2E523CD7A}" type="datetimeFigureOut">
               <a:rPr lang="en-US" smtClean="0"/>
               <a:pPr/>
-              <a:t>6/20/2025</a:t>
+              <a:t>6/23/2025</a:t>
             </a:fld>
             <a:endParaRPr lang="en-US"/>
           </a:p>
@@ -16200,7 +16128,7 @@
             <a:fld id="{8F72BA41-EC5B-4197-BCC8-0FD2E523CD7A}" type="datetimeFigureOut">
               <a:rPr lang="en-US" smtClean="0"/>
               <a:pPr/>
-              <a:t>6/20/2025</a:t>
+              <a:t>6/23/2025</a:t>
             </a:fld>
             <a:endParaRPr lang="en-US"/>
           </a:p>
@@ -16529,7 +16457,7 @@
             <a:fld id="{8F72BA41-EC5B-4197-BCC8-0FD2E523CD7A}" type="datetimeFigureOut">
               <a:rPr lang="en-US" smtClean="0"/>
               <a:pPr/>
-              <a:t>6/20/2025</a:t>
+              <a:t>6/23/2025</a:t>
             </a:fld>
             <a:endParaRPr lang="en-US"/>
           </a:p>
@@ -16707,7 +16635,7 @@
           <a:p>
             <a:fld id="{8F72BA41-EC5B-4197-BCC8-0FD2E523CD7A}" type="datetimeFigureOut">
               <a:rPr lang="en-US" smtClean="0"/>
-              <a:t>6/20/2025</a:t>
+              <a:t>6/23/2025</a:t>
             </a:fld>
             <a:endParaRPr lang="en-US"/>
           </a:p>
@@ -16945,7 +16873,7 @@
           <a:p>
             <a:fld id="{8F72BA41-EC5B-4197-BCC8-0FD2E523CD7A}" type="datetimeFigureOut">
               <a:rPr lang="en-US" smtClean="0"/>
-              <a:t>6/20/2025</a:t>
+              <a:t>6/23/2025</a:t>
             </a:fld>
             <a:endParaRPr lang="en-US"/>
           </a:p>
@@ -17145,7 +17073,7 @@
           <a:p>
             <a:fld id="{8F72BA41-EC5B-4197-BCC8-0FD2E523CD7A}" type="datetimeFigureOut">
               <a:rPr lang="en-US" smtClean="0"/>
-              <a:t>6/20/2025</a:t>
+              <a:t>6/23/2025</a:t>
             </a:fld>
             <a:endParaRPr lang="en-US"/>
           </a:p>
@@ -17421,7 +17349,7 @@
           <a:p>
             <a:fld id="{8F72BA41-EC5B-4197-BCC8-0FD2E523CD7A}" type="datetimeFigureOut">
               <a:rPr lang="en-US" smtClean="0"/>
-              <a:t>6/20/2025</a:t>
+              <a:t>6/23/2025</a:t>
             </a:fld>
             <a:endParaRPr lang="en-US"/>
           </a:p>
@@ -17687,7 +17615,7 @@
           <a:p>
             <a:fld id="{8F72BA41-EC5B-4197-BCC8-0FD2E523CD7A}" type="datetimeFigureOut">
               <a:rPr lang="en-US" smtClean="0"/>
-              <a:t>6/20/2025</a:t>
+              <a:t>6/23/2025</a:t>
             </a:fld>
             <a:endParaRPr lang="en-US"/>
           </a:p>
@@ -18061,7 +17989,7 @@
           <a:p>
             <a:fld id="{8F72BA41-EC5B-4197-BCC8-0FD2E523CD7A}" type="datetimeFigureOut">
               <a:rPr lang="en-US" smtClean="0"/>
-              <a:t>6/20/2025</a:t>
+              <a:t>6/23/2025</a:t>
             </a:fld>
             <a:endParaRPr lang="en-US"/>
           </a:p>
@@ -18209,7 +18137,7 @@
           <a:p>
             <a:fld id="{8F72BA41-EC5B-4197-BCC8-0FD2E523CD7A}" type="datetimeFigureOut">
               <a:rPr lang="en-US" smtClean="0"/>
-              <a:t>6/20/2025</a:t>
+              <a:t>6/23/2025</a:t>
             </a:fld>
             <a:endParaRPr lang="en-US"/>
           </a:p>
@@ -18334,7 +18262,7 @@
           <a:p>
             <a:fld id="{8F72BA41-EC5B-4197-BCC8-0FD2E523CD7A}" type="datetimeFigureOut">
               <a:rPr lang="en-US" smtClean="0"/>
-              <a:t>6/20/2025</a:t>
+              <a:t>6/23/2025</a:t>
             </a:fld>
             <a:endParaRPr lang="en-US"/>
           </a:p>
@@ -18619,7 +18547,7 @@
           <a:p>
             <a:fld id="{8F72BA41-EC5B-4197-BCC8-0FD2E523CD7A}" type="datetimeFigureOut">
               <a:rPr lang="en-US" smtClean="0"/>
-              <a:t>6/20/2025</a:t>
+              <a:t>6/23/2025</a:t>
             </a:fld>
             <a:endParaRPr lang="en-US"/>
           </a:p>
@@ -18943,7 +18871,7 @@
           <a:p>
             <a:fld id="{8F72BA41-EC5B-4197-BCC8-0FD2E523CD7A}" type="datetimeFigureOut">
               <a:rPr lang="en-US" smtClean="0"/>
-              <a:t>6/20/2025</a:t>
+              <a:t>6/23/2025</a:t>
             </a:fld>
             <a:endParaRPr lang="en-US"/>
           </a:p>
@@ -19158,7 +19086,7 @@
             <a:fld id="{8F72BA41-EC5B-4197-BCC8-0FD2E523CD7A}" type="datetimeFigureOut">
               <a:rPr lang="en-US" smtClean="0"/>
               <a:pPr/>
-              <a:t>6/20/2025</a:t>
+              <a:t>6/23/2025</a:t>
             </a:fld>
             <a:endParaRPr lang="en-US"/>
           </a:p>
@@ -23549,7 +23477,7 @@
           <p:nvPr>
             <p:extLst>
               <p:ext uri="{D42A27DB-BD31-4B8C-83A1-F6EECF244321}">
-                <p14:modId xmlns:p14="http://schemas.microsoft.com/office/powerpoint/2010/main" val="999880776"/>
+                <p14:modId xmlns:p14="http://schemas.microsoft.com/office/powerpoint/2010/main" val="1879842706"/>
               </p:ext>
             </p:extLst>
           </p:nvPr>
